--- a/doc/Projet Bibduino.pptx
+++ b/doc/Projet Bibduino.pptx
@@ -115,7 +115,7 @@
   </p:defaultTextStyle>
   <p:extLst>
     <p:ext uri="{EFAFB233-063F-42B5-8137-9DF3F51BA10A}">
-      <p15:sldGuideLst xmlns:p15="http://schemas.microsoft.com/office/powerpoint/2012/main" xmlns=""/>
+      <p15:sldGuideLst xmlns="" xmlns:p15="http://schemas.microsoft.com/office/powerpoint/2012/main"/>
     </p:ext>
   </p:extLst>
 </p:presentation>
@@ -313,7 +313,7 @@
             <a:fld id="{3C633830-2244-49AE-BC4A-47F415C177C6}" type="datetimeFigureOut">
               <a:rPr lang="en-US" smtClean="0"/>
               <a:pPr/>
-              <a:t>1/19/2018</a:t>
+              <a:t>1/21/2018</a:t>
             </a:fld>
             <a:endParaRPr lang="en-US" dirty="0"/>
           </a:p>
@@ -409,7 +409,7 @@
   </p:clrMapOvr>
   <p:extLst>
     <p:ext uri="{DCECCB84-F9BA-43D5-87BE-67443E8EF086}">
-      <p15:sldGuideLst xmlns:p15="http://schemas.microsoft.com/office/powerpoint/2012/main" xmlns=""/>
+      <p15:sldGuideLst xmlns="" xmlns:p15="http://schemas.microsoft.com/office/powerpoint/2012/main"/>
     </p:ext>
   </p:extLst>
 </p:sldLayout>
@@ -524,7 +524,7 @@
           <a:p>
             <a:fld id="{3C633830-2244-49AE-BC4A-47F415C177C6}" type="datetimeFigureOut">
               <a:rPr lang="en-US" smtClean="0"/>
-              <a:t>1/19/2018</a:t>
+              <a:t>1/21/2018</a:t>
             </a:fld>
             <a:endParaRPr lang="en-US" dirty="0"/>
           </a:p>
@@ -699,7 +699,7 @@
           <a:p>
             <a:fld id="{3C633830-2244-49AE-BC4A-47F415C177C6}" type="datetimeFigureOut">
               <a:rPr lang="en-US" smtClean="0"/>
-              <a:t>1/19/2018</a:t>
+              <a:t>1/21/2018</a:t>
             </a:fld>
             <a:endParaRPr lang="en-US" dirty="0"/>
           </a:p>
@@ -754,7 +754,7 @@
   </p:clrMapOvr>
   <p:extLst>
     <p:ext uri="{DCECCB84-F9BA-43D5-87BE-67443E8EF086}">
-      <p15:sldGuideLst xmlns:p15="http://schemas.microsoft.com/office/powerpoint/2012/main" xmlns=""/>
+      <p15:sldGuideLst xmlns="" xmlns:p15="http://schemas.microsoft.com/office/powerpoint/2012/main"/>
     </p:ext>
   </p:extLst>
 </p:sldLayout>
@@ -869,7 +869,7 @@
           <a:p>
             <a:fld id="{3C633830-2244-49AE-BC4A-47F415C177C6}" type="datetimeFigureOut">
               <a:rPr lang="en-US" smtClean="0"/>
-              <a:t>1/19/2018</a:t>
+              <a:t>1/21/2018</a:t>
             </a:fld>
             <a:endParaRPr lang="en-US" dirty="0"/>
           </a:p>
@@ -1119,7 +1119,7 @@
             <a:fld id="{3C633830-2244-49AE-BC4A-47F415C177C6}" type="datetimeFigureOut">
               <a:rPr lang="en-US" smtClean="0"/>
               <a:pPr/>
-              <a:t>1/19/2018</a:t>
+              <a:t>1/21/2018</a:t>
             </a:fld>
             <a:endParaRPr lang="en-US" dirty="0"/>
           </a:p>
@@ -1213,7 +1213,7 @@
   </p:clrMapOvr>
   <p:extLst>
     <p:ext uri="{DCECCB84-F9BA-43D5-87BE-67443E8EF086}">
-      <p15:sldGuideLst xmlns:p15="http://schemas.microsoft.com/office/powerpoint/2012/main" xmlns=""/>
+      <p15:sldGuideLst xmlns="" xmlns:p15="http://schemas.microsoft.com/office/powerpoint/2012/main"/>
     </p:ext>
   </p:extLst>
 </p:sldLayout>
@@ -1446,7 +1446,7 @@
           <a:p>
             <a:fld id="{3C633830-2244-49AE-BC4A-47F415C177C6}" type="datetimeFigureOut">
               <a:rPr lang="en-US" smtClean="0"/>
-              <a:t>1/19/2018</a:t>
+              <a:t>1/21/2018</a:t>
             </a:fld>
             <a:endParaRPr lang="en-US" dirty="0"/>
           </a:p>
@@ -1892,7 +1892,7 @@
           <a:p>
             <a:fld id="{3C633830-2244-49AE-BC4A-47F415C177C6}" type="datetimeFigureOut">
               <a:rPr lang="en-US" smtClean="0"/>
-              <a:t>1/19/2018</a:t>
+              <a:t>1/21/2018</a:t>
             </a:fld>
             <a:endParaRPr lang="en-US" dirty="0"/>
           </a:p>
@@ -2005,7 +2005,7 @@
           <a:p>
             <a:fld id="{3C633830-2244-49AE-BC4A-47F415C177C6}" type="datetimeFigureOut">
               <a:rPr lang="en-US" smtClean="0"/>
-              <a:t>1/19/2018</a:t>
+              <a:t>1/21/2018</a:t>
             </a:fld>
             <a:endParaRPr lang="en-US" dirty="0"/>
           </a:p>
@@ -2095,7 +2095,7 @@
           <a:p>
             <a:fld id="{3C633830-2244-49AE-BC4A-47F415C177C6}" type="datetimeFigureOut">
               <a:rPr lang="en-US" smtClean="0"/>
-              <a:t>1/19/2018</a:t>
+              <a:t>1/21/2018</a:t>
             </a:fld>
             <a:endParaRPr lang="en-US" dirty="0"/>
           </a:p>
@@ -2377,7 +2377,7 @@
           <a:p>
             <a:fld id="{3C633830-2244-49AE-BC4A-47F415C177C6}" type="datetimeFigureOut">
               <a:rPr lang="en-US" smtClean="0"/>
-              <a:t>1/19/2018</a:t>
+              <a:t>1/21/2018</a:t>
             </a:fld>
             <a:endParaRPr lang="en-US" dirty="0"/>
           </a:p>
@@ -2690,7 +2690,7 @@
           <a:p>
             <a:fld id="{3C633830-2244-49AE-BC4A-47F415C177C6}" type="datetimeFigureOut">
               <a:rPr lang="en-US" smtClean="0"/>
-              <a:t>1/19/2018</a:t>
+              <a:t>1/21/2018</a:t>
             </a:fld>
             <a:endParaRPr lang="en-US" dirty="0"/>
           </a:p>
@@ -2938,7 +2938,7 @@
             <a:fld id="{3C633830-2244-49AE-BC4A-47F415C177C6}" type="datetimeFigureOut">
               <a:rPr lang="en-US" smtClean="0"/>
               <a:pPr/>
-              <a:t>1/19/2018</a:t>
+              <a:t>1/21/2018</a:t>
             </a:fld>
             <a:endParaRPr lang="en-US" dirty="0"/>
           </a:p>
@@ -3413,7 +3413,7 @@
   </p:txStyles>
   <p:extLst>
     <p:ext uri="{27BBF7A9-308A-43DC-89C8-2F10F3537804}">
-      <p15:sldGuideLst xmlns:p15="http://schemas.microsoft.com/office/powerpoint/2012/main" xmlns=""/>
+      <p15:sldGuideLst xmlns="" xmlns:p15="http://schemas.microsoft.com/office/powerpoint/2012/main"/>
     </p:ext>
   </p:extLst>
 </p:sldMaster>
@@ -3570,7 +3570,12 @@
             <p:ph type="title"/>
           </p:nvPr>
         </p:nvSpPr>
-        <p:spPr/>
+        <p:spPr>
+          <a:xfrm>
+            <a:off x="1261872" y="0"/>
+            <a:ext cx="9692640" cy="998806"/>
+          </a:xfrm>
+        </p:spPr>
         <p:txBody>
           <a:bodyPr/>
           <a:lstStyle/>
@@ -3612,6 +3617,13 @@
   <p:clrMapOvr>
     <a:masterClrMapping/>
   </p:clrMapOvr>
+  <p:timing>
+    <p:tnLst>
+      <p:par>
+        <p:cTn id="1" dur="indefinite" restart="never" nodeType="tmRoot"/>
+      </p:par>
+    </p:tnLst>
+  </p:timing>
 </p:sld>
 </file>
 
@@ -3642,7 +3654,12 @@
             <p:ph type="title"/>
           </p:nvPr>
         </p:nvSpPr>
-        <p:spPr/>
+        <p:spPr>
+          <a:xfrm>
+            <a:off x="1261872" y="0"/>
+            <a:ext cx="9692640" cy="976393"/>
+          </a:xfrm>
+        </p:spPr>
         <p:txBody>
           <a:bodyPr/>
           <a:lstStyle/>
@@ -3700,8 +3717,19 @@
           <a:p>
             <a:r>
               <a:rPr lang="fr-FR" dirty="0" smtClean="0"/>
-              <a:t>Utilisation du matériel</a:t>
-            </a:r>
+              <a:t>Utilisation du </a:t>
+            </a:r>
+            <a:r>
+              <a:rPr lang="fr-FR" dirty="0" smtClean="0"/>
+              <a:t>matériel</a:t>
+            </a:r>
+          </a:p>
+          <a:p>
+            <a:r>
+              <a:rPr lang="fr-FR" dirty="0" smtClean="0"/>
+              <a:t>Gestion</a:t>
+            </a:r>
+            <a:endParaRPr lang="fr-FR" dirty="0" smtClean="0"/>
           </a:p>
           <a:p>
             <a:r>
@@ -3712,14 +3740,9 @@
           <a:p>
             <a:r>
               <a:rPr lang="fr-FR" dirty="0" smtClean="0"/>
-              <a:t>Diagramme de Gantt</a:t>
-            </a:r>
-          </a:p>
-          <a:p>
-            <a:r>
-              <a:rPr lang="fr-FR" dirty="0" smtClean="0"/>
               <a:t>Conclusion</a:t>
             </a:r>
+            <a:endParaRPr lang="fr-FR" dirty="0" smtClean="0"/>
           </a:p>
         </p:txBody>
       </p:sp>
@@ -3763,7 +3786,12 @@
             <p:ph type="title"/>
           </p:nvPr>
         </p:nvSpPr>
-        <p:spPr/>
+        <p:spPr>
+          <a:xfrm>
+            <a:off x="1261872" y="-1077"/>
+            <a:ext cx="9692640" cy="1101458"/>
+          </a:xfrm>
+        </p:spPr>
         <p:txBody>
           <a:bodyPr/>
           <a:lstStyle/>
@@ -3793,7 +3821,7 @@
           </a:bodyPr>
           <a:lstStyle/>
           <a:p>
-            <a:pPr marL="0" indent="0">
+            <a:pPr marL="0" indent="0" algn="ctr">
               <a:lnSpc>
                 <a:spcPct val="100000"/>
               </a:lnSpc>
@@ -3860,6 +3888,13 @@
   <p:clrMapOvr>
     <a:masterClrMapping/>
   </p:clrMapOvr>
+  <p:timing>
+    <p:tnLst>
+      <p:par>
+        <p:cTn id="1" dur="indefinite" restart="never" nodeType="tmRoot"/>
+      </p:par>
+    </p:tnLst>
+  </p:timing>
 </p:sld>
 </file>
 
@@ -3890,7 +3925,12 @@
             <p:ph type="title"/>
           </p:nvPr>
         </p:nvSpPr>
-        <p:spPr/>
+        <p:spPr>
+          <a:xfrm>
+            <a:off x="1261872" y="0"/>
+            <a:ext cx="9692640" cy="1053885"/>
+          </a:xfrm>
+        </p:spPr>
         <p:txBody>
           <a:bodyPr/>
           <a:lstStyle/>
@@ -3918,7 +3958,45 @@
           <a:bodyPr/>
           <a:lstStyle/>
           <a:p>
-            <a:endParaRPr lang="fr-FR"/>
+            <a:pPr algn="just"/>
+            <a:r>
+              <a:rPr lang="fr-FR" dirty="0" smtClean="0"/>
+              <a:t>Apprendre à gérer un projet par nous même</a:t>
+            </a:r>
+          </a:p>
+          <a:p>
+            <a:pPr algn="just"/>
+            <a:r>
+              <a:rPr lang="fr-FR" dirty="0" smtClean="0"/>
+              <a:t>Acquérir de nouvelles connaissances dans la programmation, la construction de machines électroniques et sûrement bien plus</a:t>
+            </a:r>
+            <a:endParaRPr lang="fr-FR" dirty="0" smtClean="0"/>
+          </a:p>
+          <a:p>
+            <a:pPr algn="just"/>
+            <a:r>
+              <a:rPr lang="fr-FR" dirty="0" smtClean="0"/>
+              <a:t>Ce projet répond à une réelle demande du consommateur (la machine existe mais les paramètres ne sont pas modulables).</a:t>
+            </a:r>
+          </a:p>
+          <a:p>
+            <a:pPr algn="just"/>
+            <a:r>
+              <a:rPr lang="fr-FR" dirty="0" smtClean="0"/>
+              <a:t> Nous avons donc pensées faire une application Android permettan</a:t>
+            </a:r>
+            <a:r>
+              <a:rPr lang="fr-FR" dirty="0" smtClean="0"/>
+              <a:t>t de choisir les doses et températures parfaites correspondant à chaque bébé</a:t>
+            </a:r>
+          </a:p>
+          <a:p>
+            <a:pPr algn="just"/>
+            <a:r>
+              <a:rPr lang="fr-FR" dirty="0" smtClean="0"/>
+              <a:t>Le biberon pourrait être mélangé par la machine ou par les parents. Cette étape demande une réflexion non aboutie pour le moment sur comment mélanger le lait et la poudre sans faire de grumeaux </a:t>
+            </a:r>
+            <a:endParaRPr lang="fr-FR" dirty="0"/>
           </a:p>
         </p:txBody>
       </p:sp>
@@ -3932,6 +4010,13 @@
   <p:clrMapOvr>
     <a:masterClrMapping/>
   </p:clrMapOvr>
+  <p:timing>
+    <p:tnLst>
+      <p:par>
+        <p:cTn id="1" dur="indefinite" restart="never" nodeType="tmRoot"/>
+      </p:par>
+    </p:tnLst>
+  </p:timing>
 </p:sld>
 </file>
 
@@ -3962,19 +4047,65 @@
             <p:ph type="title"/>
           </p:nvPr>
         </p:nvSpPr>
-        <p:spPr/>
+        <p:spPr>
+          <a:xfrm>
+            <a:off x="1261872" y="1"/>
+            <a:ext cx="9692640" cy="1022888"/>
+          </a:xfrm>
+        </p:spPr>
         <p:txBody>
           <a:bodyPr/>
           <a:lstStyle/>
           <a:p>
             <a:r>
               <a:rPr lang="fr-FR" dirty="0" smtClean="0"/>
-              <a:t>Fonctions + schémas</a:t>
+              <a:t>Fonctions </a:t>
+            </a:r>
+            <a:r>
+              <a:rPr lang="fr-FR" dirty="0" smtClean="0"/>
+              <a:t>et</a:t>
+            </a:r>
+            <a:r>
+              <a:rPr lang="fr-FR" dirty="0" smtClean="0"/>
+              <a:t> </a:t>
+            </a:r>
+            <a:r>
+              <a:rPr lang="fr-FR" dirty="0" smtClean="0"/>
+              <a:t>schémas</a:t>
             </a:r>
             <a:endParaRPr lang="fr-FR" dirty="0"/>
           </a:p>
         </p:txBody>
       </p:sp>
+      <p:pic>
+        <p:nvPicPr>
+          <p:cNvPr id="5" name="Image 4"/>
+          <p:cNvPicPr>
+            <a:picLocks noChangeAspect="1"/>
+          </p:cNvPicPr>
+          <p:nvPr/>
+        </p:nvPicPr>
+        <p:blipFill rotWithShape="1">
+          <a:blip r:embed="rId2">
+            <a:extLst>
+              <a:ext uri="{28A0092B-C50C-407E-A947-70E740481C1C}">
+                <a14:useLocalDpi xmlns:a14="http://schemas.microsoft.com/office/drawing/2010/main" val="0"/>
+              </a:ext>
+            </a:extLst>
+          </a:blip>
+          <a:srcRect l="4924" t="20808" r="11631" b="2995"/>
+          <a:stretch/>
+        </p:blipFill>
+        <p:spPr>
+          <a:xfrm>
+            <a:off x="3447842" y="1825112"/>
+            <a:ext cx="7788429" cy="5032888"/>
+          </a:xfrm>
+          <a:prstGeom prst="rect">
+            <a:avLst/>
+          </a:prstGeom>
+        </p:spPr>
+      </p:pic>
       <p:sp>
         <p:nvSpPr>
           <p:cNvPr id="3" name="Espace réservé du contenu 2"/>
@@ -3985,12 +4116,82 @@
             <p:ph idx="1"/>
           </p:nvPr>
         </p:nvSpPr>
-        <p:spPr/>
+        <p:spPr>
+          <a:xfrm>
+            <a:off x="81497" y="2231382"/>
+            <a:ext cx="4025554" cy="4351337"/>
+          </a:xfrm>
+        </p:spPr>
         <p:txBody>
           <a:bodyPr/>
           <a:lstStyle/>
           <a:p>
-            <a:endParaRPr lang="fr-FR"/>
+            <a:pPr algn="just"/>
+            <a:r>
+              <a:rPr lang="fr-FR" dirty="0" smtClean="0"/>
+              <a:t>Chauffer l’eau et la verser</a:t>
+            </a:r>
+          </a:p>
+          <a:p>
+            <a:pPr algn="just"/>
+            <a:r>
+              <a:rPr lang="fr-FR" dirty="0" smtClean="0"/>
+              <a:t>Verser le lait</a:t>
+            </a:r>
+          </a:p>
+          <a:p>
+            <a:pPr algn="just"/>
+            <a:r>
+              <a:rPr lang="fr-FR" dirty="0" smtClean="0"/>
+              <a:t>Mélanger le tout</a:t>
+            </a:r>
+            <a:endParaRPr lang="fr-FR" dirty="0" smtClean="0"/>
+          </a:p>
+          <a:p>
+            <a:pPr algn="just"/>
+            <a:r>
+              <a:rPr lang="fr-FR" dirty="0" smtClean="0"/>
+              <a:t>Afficher la température et indiquer quand le bibero</a:t>
+            </a:r>
+            <a:r>
+              <a:rPr lang="fr-FR" dirty="0" smtClean="0"/>
+              <a:t>n est près grâce à l’écran LCD</a:t>
+            </a:r>
+          </a:p>
+          <a:p>
+            <a:endParaRPr lang="fr-FR" dirty="0"/>
+          </a:p>
+        </p:txBody>
+      </p:sp>
+      <p:sp>
+        <p:nvSpPr>
+          <p:cNvPr id="4" name="Rectangle 3"/>
+          <p:cNvSpPr/>
+          <p:nvPr/>
+        </p:nvSpPr>
+        <p:spPr>
+          <a:xfrm>
+            <a:off x="1261871" y="1061081"/>
+            <a:ext cx="6537367" cy="369332"/>
+          </a:xfrm>
+          <a:prstGeom prst="rect">
+            <a:avLst/>
+          </a:prstGeom>
+        </p:spPr>
+        <p:txBody>
+          <a:bodyPr wrap="none">
+            <a:spAutoFit/>
+          </a:bodyPr>
+          <a:lstStyle/>
+          <a:p>
+            <a:r>
+              <a:rPr lang="fr-FR" dirty="0" smtClean="0"/>
+              <a:t>But: Préparer </a:t>
+            </a:r>
+            <a:r>
+              <a:rPr lang="fr-FR" dirty="0"/>
+              <a:t>un biberon en un clique depuis son téléphone</a:t>
+            </a:r>
           </a:p>
         </p:txBody>
       </p:sp>
@@ -4004,6 +4205,13 @@
   <p:clrMapOvr>
     <a:masterClrMapping/>
   </p:clrMapOvr>
+  <p:timing>
+    <p:tnLst>
+      <p:par>
+        <p:cTn id="1" dur="indefinite" restart="never" nodeType="tmRoot"/>
+      </p:par>
+    </p:tnLst>
+  </p:timing>
 </p:sld>
 </file>
 
@@ -4034,7 +4242,12 @@
             <p:ph type="title"/>
           </p:nvPr>
         </p:nvSpPr>
-        <p:spPr/>
+        <p:spPr>
+          <a:xfrm>
+            <a:off x="1261872" y="1"/>
+            <a:ext cx="9692640" cy="991892"/>
+          </a:xfrm>
+        </p:spPr>
         <p:txBody>
           <a:bodyPr/>
           <a:lstStyle/>
@@ -4091,6 +4304,46 @@
               <a:rPr lang="fr-FR" dirty="0" err="1" smtClean="0"/>
               <a:t>Elecrow</a:t>
             </a:r>
+            <a:endParaRPr lang="fr-FR" dirty="0" smtClean="0"/>
+          </a:p>
+          <a:p>
+            <a:r>
+              <a:rPr lang="fr-FR" dirty="0" smtClean="0"/>
+              <a:t>Ecran LCD</a:t>
+            </a:r>
+          </a:p>
+          <a:p>
+            <a:r>
+              <a:rPr lang="fr-FR" dirty="0" smtClean="0"/>
+              <a:t>Moteur pas à pas</a:t>
+            </a:r>
+          </a:p>
+          <a:p>
+            <a:r>
+              <a:rPr lang="fr-FR" dirty="0" smtClean="0"/>
+              <a:t>Fouet</a:t>
+            </a:r>
+          </a:p>
+          <a:p>
+            <a:r>
+              <a:rPr lang="fr-FR" dirty="0" smtClean="0"/>
+              <a:t>Pompe</a:t>
+            </a:r>
+          </a:p>
+          <a:p>
+            <a:r>
+              <a:rPr lang="fr-FR" dirty="0" smtClean="0"/>
+              <a:t>Module de réception Wifi</a:t>
+            </a:r>
+          </a:p>
+          <a:p>
+            <a:r>
+              <a:rPr lang="fr-FR" dirty="0" smtClean="0"/>
+              <a:t>Plastique pour découper les pièces</a:t>
+            </a:r>
+            <a:endParaRPr lang="fr-FR" dirty="0" smtClean="0"/>
+          </a:p>
+          <a:p>
             <a:endParaRPr lang="fr-FR" dirty="0"/>
           </a:p>
         </p:txBody>
@@ -4105,6 +4358,13 @@
   <p:clrMapOvr>
     <a:masterClrMapping/>
   </p:clrMapOvr>
+  <p:timing>
+    <p:tnLst>
+      <p:par>
+        <p:cTn id="1" dur="indefinite" restart="never" nodeType="tmRoot"/>
+      </p:par>
+    </p:tnLst>
+  </p:timing>
 </p:sld>
 </file>
 
@@ -4135,7 +4395,12 @@
             <p:ph type="title"/>
           </p:nvPr>
         </p:nvSpPr>
-        <p:spPr/>
+        <p:spPr>
+          <a:xfrm>
+            <a:off x="1261872" y="1"/>
+            <a:ext cx="9692640" cy="1100380"/>
+          </a:xfrm>
+        </p:spPr>
         <p:txBody>
           <a:bodyPr/>
           <a:lstStyle/>
@@ -4158,12 +4423,131 @@
             <p:ph idx="1"/>
           </p:nvPr>
         </p:nvSpPr>
-        <p:spPr/>
-        <p:txBody>
-          <a:bodyPr/>
-          <a:lstStyle/>
-          <a:p>
-            <a:endParaRPr lang="fr-FR"/>
+        <p:spPr>
+          <a:xfrm>
+            <a:off x="225083" y="1448972"/>
+            <a:ext cx="10729429" cy="5029200"/>
+          </a:xfrm>
+        </p:spPr>
+        <p:txBody>
+          <a:bodyPr>
+            <a:normAutofit fontScale="92500" lnSpcReduction="10000"/>
+          </a:bodyPr>
+          <a:lstStyle/>
+          <a:p>
+            <a:pPr algn="just"/>
+            <a:r>
+              <a:rPr lang="fr-FR" b="1" dirty="0"/>
+              <a:t>B</a:t>
+            </a:r>
+            <a:r>
+              <a:rPr lang="fr-FR" b="1" dirty="0" smtClean="0"/>
+              <a:t>alance</a:t>
+            </a:r>
+            <a:r>
+              <a:rPr lang="fr-FR" dirty="0" smtClean="0"/>
+              <a:t>: sert à vérifier qu’un biberon est placé sous le bec verseur et à doser la quantité de 	      lait et d’eau introduite</a:t>
+            </a:r>
+          </a:p>
+          <a:p>
+            <a:pPr algn="just"/>
+            <a:endParaRPr lang="fr-FR" sz="100" dirty="0" smtClean="0"/>
+          </a:p>
+          <a:p>
+            <a:pPr algn="just"/>
+            <a:r>
+              <a:rPr lang="fr-FR" b="1" dirty="0"/>
+              <a:t>Résistance</a:t>
+            </a:r>
+            <a:r>
+              <a:rPr lang="fr-FR" dirty="0"/>
+              <a:t>: chauffe l’eau </a:t>
+            </a:r>
+            <a:endParaRPr lang="fr-FR" dirty="0" smtClean="0"/>
+          </a:p>
+          <a:p>
+            <a:pPr algn="just"/>
+            <a:endParaRPr lang="fr-FR" sz="100" dirty="0" smtClean="0"/>
+          </a:p>
+          <a:p>
+            <a:pPr algn="just"/>
+            <a:r>
+              <a:rPr lang="fr-FR" b="1" dirty="0" smtClean="0"/>
+              <a:t>Thermomètre</a:t>
+            </a:r>
+            <a:r>
+              <a:rPr lang="fr-FR" dirty="0" smtClean="0"/>
+              <a:t>: lance la distribution de l’eau une fois la température désirée atteinte</a:t>
+            </a:r>
+          </a:p>
+          <a:p>
+            <a:pPr algn="just"/>
+            <a:endParaRPr lang="fr-FR" sz="100" dirty="0" smtClean="0"/>
+          </a:p>
+          <a:p>
+            <a:pPr algn="just"/>
+            <a:r>
+              <a:rPr lang="fr-FR" b="1" dirty="0" smtClean="0"/>
+              <a:t>Ecran LCD</a:t>
+            </a:r>
+            <a:r>
+              <a:rPr lang="fr-FR" dirty="0" smtClean="0"/>
+              <a:t>: affiche la température et un message de biberon prêt </a:t>
+            </a:r>
+          </a:p>
+          <a:p>
+            <a:pPr algn="just"/>
+            <a:endParaRPr lang="fr-FR" sz="100" dirty="0" smtClean="0"/>
+          </a:p>
+          <a:p>
+            <a:pPr algn="just"/>
+            <a:r>
+              <a:rPr lang="fr-FR" b="1" dirty="0" smtClean="0"/>
+              <a:t>Moteur pas à pas</a:t>
+            </a:r>
+            <a:r>
+              <a:rPr lang="fr-FR" dirty="0" smtClean="0"/>
+              <a:t>: permet la rotation de la pièce doseuse de lait</a:t>
+            </a:r>
+          </a:p>
+          <a:p>
+            <a:pPr algn="just"/>
+            <a:endParaRPr lang="fr-FR" sz="100" dirty="0" smtClean="0"/>
+          </a:p>
+          <a:p>
+            <a:pPr algn="just"/>
+            <a:r>
+              <a:rPr lang="fr-FR" b="1" dirty="0" smtClean="0"/>
+              <a:t>Pompe</a:t>
+            </a:r>
+            <a:r>
+              <a:rPr lang="fr-FR" dirty="0" smtClean="0"/>
+              <a:t>: envoie l’eau dans le biberon</a:t>
+            </a:r>
+          </a:p>
+          <a:p>
+            <a:pPr algn="just"/>
+            <a:endParaRPr lang="fr-FR" sz="100" dirty="0" smtClean="0"/>
+          </a:p>
+          <a:p>
+            <a:pPr algn="just"/>
+            <a:r>
+              <a:rPr lang="fr-FR" b="1" dirty="0" smtClean="0"/>
+              <a:t>Module Wifi</a:t>
+            </a:r>
+            <a:r>
+              <a:rPr lang="fr-FR" dirty="0" smtClean="0"/>
+              <a:t>: permet de recevoir les informations (température, dose) envoyées depuis 		  l’application Android par le consommateur</a:t>
+            </a:r>
+          </a:p>
+          <a:p>
+            <a:pPr marL="0" indent="0">
+              <a:buNone/>
+            </a:pPr>
+            <a:endParaRPr lang="fr-FR" dirty="0" smtClean="0"/>
+          </a:p>
+          <a:p>
+            <a:endParaRPr lang="fr-FR" dirty="0" smtClean="0"/>
           </a:p>
         </p:txBody>
       </p:sp>
@@ -4177,6 +4561,13 @@
   <p:clrMapOvr>
     <a:masterClrMapping/>
   </p:clrMapOvr>
+  <p:timing>
+    <p:tnLst>
+      <p:par>
+        <p:cTn id="1" dur="indefinite" restart="never" nodeType="tmRoot"/>
+      </p:par>
+    </p:tnLst>
+  </p:timing>
 </p:sld>
 </file>
 
@@ -4207,14 +4598,19 @@
             <p:ph type="title"/>
           </p:nvPr>
         </p:nvSpPr>
-        <p:spPr/>
+        <p:spPr>
+          <a:xfrm>
+            <a:off x="1261872" y="0"/>
+            <a:ext cx="9692640" cy="883403"/>
+          </a:xfrm>
+        </p:spPr>
         <p:txBody>
           <a:bodyPr/>
           <a:lstStyle/>
           <a:p>
             <a:r>
               <a:rPr lang="fr-FR" dirty="0" smtClean="0"/>
-              <a:t>Gestion</a:t>
+              <a:t>Répartition des tâches</a:t>
             </a:r>
             <a:endParaRPr lang="fr-FR" dirty="0"/>
           </a:p>
@@ -4237,7 +4633,31 @@
           <a:p>
             <a:r>
               <a:rPr lang="fr-FR" dirty="0" smtClean="0"/>
-              <a:t>Qui fait quoi ?</a:t>
+              <a:t>Solène : codes informatiques</a:t>
+            </a:r>
+          </a:p>
+          <a:p>
+            <a:r>
+              <a:rPr lang="fr-FR" dirty="0" smtClean="0"/>
+              <a:t>Emma: construction de la machine</a:t>
+            </a:r>
+          </a:p>
+          <a:p>
+            <a:r>
+              <a:rPr lang="fr-FR" dirty="0" smtClean="0"/>
+              <a:t>Claire-Vi: branchements électroniques</a:t>
+            </a:r>
+          </a:p>
+          <a:p>
+            <a:endParaRPr lang="fr-FR" dirty="0"/>
+          </a:p>
+          <a:p>
+            <a:pPr marL="0" indent="0" algn="just">
+              <a:buNone/>
+            </a:pPr>
+            <a:r>
+              <a:rPr lang="fr-FR" dirty="0" smtClean="0"/>
+              <a:t>Bien sûr, les rôles ne sont pas fixes et chacune expérimentera tous les rôles disponibles afin de tirer le plus de connaissances possibles de ce projet</a:t>
             </a:r>
             <a:endParaRPr lang="fr-FR" dirty="0"/>
           </a:p>
@@ -4253,6 +4673,13 @@
   <p:clrMapOvr>
     <a:masterClrMapping/>
   </p:clrMapOvr>
+  <p:timing>
+    <p:tnLst>
+      <p:par>
+        <p:cTn id="1" dur="indefinite" restart="never" nodeType="tmRoot"/>
+      </p:par>
+    </p:tnLst>
+  </p:timing>
 </p:sld>
 </file>
 
@@ -4275,7 +4702,7 @@
       </p:grpSpPr>
       <p:cxnSp>
         <p:nvCxnSpPr>
-          <p:cNvPr id="560" name="OTLSHAPE_T_a8b300f39aff4bc58f0699eca00c37f4_HorizontalConnector1"/>
+          <p:cNvPr id="26" name="OTLSHAPE_T_323585acf7fe4c43b0e4c7fec3541ec9_HorizontalConnector1"/>
           <p:cNvCxnSpPr/>
           <p:nvPr>
             <p:custDataLst>
@@ -4285,8 +4712,8 @@
         </p:nvCxnSpPr>
         <p:spPr>
           <a:xfrm>
-            <a:off x="876004" y="4846955"/>
-            <a:ext cx="3468389" cy="0"/>
+            <a:off x="1625398" y="4980183"/>
+            <a:ext cx="1422684" cy="0"/>
           </a:xfrm>
           <a:prstGeom prst="line">
             <a:avLst/>
@@ -4318,7 +4745,7 @@
       </p:cxnSp>
       <p:cxnSp>
         <p:nvCxnSpPr>
-          <p:cNvPr id="559" name="OTLSHAPE_T_92d3055546b74b2c88f17a5f433cec81_HorizontalConnector1"/>
+          <p:cNvPr id="25" name="OTLSHAPE_T_a8b300f39aff4bc58f0699eca00c37f4_HorizontalConnector1"/>
           <p:cNvCxnSpPr/>
           <p:nvPr>
             <p:custDataLst>
@@ -4328,8 +4755,8 @@
         </p:nvCxnSpPr>
         <p:spPr>
           <a:xfrm>
-            <a:off x="2316142" y="4580255"/>
-            <a:ext cx="1290731" cy="0"/>
+            <a:off x="1158999" y="4449566"/>
+            <a:ext cx="3468389" cy="0"/>
           </a:xfrm>
           <a:prstGeom prst="line">
             <a:avLst/>
@@ -4361,7 +4788,7 @@
       </p:cxnSp>
       <p:cxnSp>
         <p:nvCxnSpPr>
-          <p:cNvPr id="558" name="OTLSHAPE_T_63ce90d9dfe840d599ce11b9d7fe382b_HorizontalConnector1"/>
+          <p:cNvPr id="24" name="OTLSHAPE_T_92d3055546b74b2c88f17a5f433cec81_HorizontalConnector1"/>
           <p:cNvCxnSpPr/>
           <p:nvPr>
             <p:custDataLst>
@@ -4371,8 +4798,8 @@
         </p:nvCxnSpPr>
         <p:spPr>
           <a:xfrm>
-            <a:off x="1630299" y="4313555"/>
-            <a:ext cx="132776" cy="0"/>
+            <a:off x="2530708" y="3985381"/>
+            <a:ext cx="1290731" cy="0"/>
           </a:xfrm>
           <a:prstGeom prst="line">
             <a:avLst/>
@@ -4402,20 +4829,63 @@
           </a:fontRef>
         </p:style>
       </p:cxnSp>
-      <p:sp>
-        <p:nvSpPr>
-          <p:cNvPr id="537" name="OTLSHAPE_TB_00000000000000000000000000000000_LeftEndCaps"/>
-          <p:cNvSpPr txBox="1"/>
+      <p:cxnSp>
+        <p:nvCxnSpPr>
+          <p:cNvPr id="23" name="OTLSHAPE_T_63ce90d9dfe840d599ce11b9d7fe382b_HorizontalConnector1"/>
+          <p:cNvCxnSpPr/>
           <p:nvPr>
             <p:custDataLst>
               <p:tags r:id="rId5"/>
             </p:custDataLst>
           </p:nvPr>
-        </p:nvSpPr>
-        <p:spPr>
-          <a:xfrm>
-            <a:off x="317500" y="3098969"/>
-            <a:ext cx="451662" cy="279061"/>
+        </p:nvCxnSpPr>
+        <p:spPr>
+          <a:xfrm>
+            <a:off x="1563748" y="3486813"/>
+            <a:ext cx="132776" cy="0"/>
+          </a:xfrm>
+          <a:prstGeom prst="line">
+            <a:avLst/>
+          </a:prstGeom>
+          <a:ln w="9525" cap="flat" cmpd="sng" algn="ctr">
+            <a:solidFill>
+              <a:srgbClr val="CCCCCC"/>
+            </a:solidFill>
+            <a:prstDash val="solid"/>
+            <a:round/>
+            <a:headEnd type="none" w="med" len="med"/>
+            <a:tailEnd type="none" w="med" len="med"/>
+          </a:ln>
+        </p:spPr>
+        <p:style>
+          <a:lnRef idx="1">
+            <a:schemeClr val="accent1"/>
+          </a:lnRef>
+          <a:fillRef idx="0">
+            <a:schemeClr val="accent1"/>
+          </a:fillRef>
+          <a:effectRef idx="0">
+            <a:schemeClr val="accent1"/>
+          </a:effectRef>
+          <a:fontRef idx="minor">
+            <a:schemeClr val="tx1"/>
+          </a:fontRef>
+        </p:style>
+      </p:cxnSp>
+      <p:sp>
+        <p:nvSpPr>
+          <p:cNvPr id="2" name="OTLSHAPE_TB_00000000000000000000000000000000_LeftEndCaps"/>
+          <p:cNvSpPr txBox="1"/>
+          <p:nvPr>
+            <p:custDataLst>
+              <p:tags r:id="rId6"/>
+            </p:custDataLst>
+          </p:nvPr>
+        </p:nvSpPr>
+        <p:spPr>
+          <a:xfrm>
+            <a:off x="11320374" y="1807652"/>
+            <a:ext cx="499880" cy="307777"/>
           </a:xfrm>
           <a:prstGeom prst="rect">
             <a:avLst/>
@@ -4430,7 +4900,7 @@
           <a:p>
             <a:pPr algn="ctr"/>
             <a:r>
-              <a:rPr lang="fr-FR" b="1" spc="-38" smtClean="0">
+              <a:rPr lang="fr-FR" sz="2000" b="1" spc="-38" dirty="0" smtClean="0">
                 <a:solidFill>
                   <a:srgbClr val="ED7D31"/>
                 </a:solidFill>
@@ -4438,7 +4908,7 @@
               </a:rPr>
               <a:t>2018</a:t>
             </a:r>
-            <a:endParaRPr lang="fr-FR" b="1" spc="-38">
+            <a:endParaRPr lang="fr-FR" sz="2000" b="1" spc="-38" dirty="0">
               <a:solidFill>
                 <a:srgbClr val="ED7D31"/>
               </a:solidFill>
@@ -4449,70 +4919,34 @@
       </p:sp>
       <p:sp>
         <p:nvSpPr>
-          <p:cNvPr id="538" name="OTLSHAPE_TB_00000000000000000000000000000000_RightEndCaps"/>
-          <p:cNvSpPr txBox="1"/>
+          <p:cNvPr id="4" name="OTLSHAPE_TB_00000000000000000000000000000000_ScaleContainer"/>
+          <p:cNvSpPr/>
           <p:nvPr>
             <p:custDataLst>
-              <p:tags r:id="rId6"/>
+              <p:tags r:id="rId7"/>
             </p:custDataLst>
           </p:nvPr>
         </p:nvSpPr>
         <p:spPr>
           <a:xfrm>
-            <a:off x="11411034" y="3098969"/>
-            <a:ext cx="451662" cy="279061"/>
+            <a:off x="930314" y="1779563"/>
+            <a:ext cx="10337800" cy="381000"/>
           </a:xfrm>
           <a:prstGeom prst="rect">
             <a:avLst/>
           </a:prstGeom>
-          <a:noFill/>
-        </p:spPr>
-        <p:txBody>
-          <a:bodyPr vert="horz" wrap="none" lIns="0" tIns="0" rIns="0" bIns="0" rtlCol="0" anchor="ctr" anchorCtr="0">
-            <a:spAutoFit/>
-          </a:bodyPr>
-          <a:lstStyle/>
-          <a:p>
-            <a:pPr algn="ctr"/>
-            <a:r>
-              <a:rPr lang="fr-FR" b="1" spc="-38" dirty="0" smtClean="0">
-                <a:solidFill>
-                  <a:srgbClr val="ED7D31"/>
-                </a:solidFill>
-                <a:latin typeface="Calibri"/>
-              </a:rPr>
-              <a:t>2018</a:t>
-            </a:r>
-            <a:endParaRPr lang="fr-FR" b="1" spc="-38" dirty="0">
-              <a:solidFill>
-                <a:srgbClr val="ED7D31"/>
-              </a:solidFill>
-              <a:latin typeface="Calibri"/>
-            </a:endParaRPr>
-          </a:p>
-        </p:txBody>
-      </p:sp>
-      <p:sp>
-        <p:nvSpPr>
-          <p:cNvPr id="539" name="OTLSHAPE_TB_00000000000000000000000000000000_ScaleContainer"/>
-          <p:cNvSpPr/>
-          <p:nvPr>
-            <p:custDataLst>
-              <p:tags r:id="rId7"/>
-            </p:custDataLst>
-          </p:nvPr>
-        </p:nvSpPr>
-        <p:spPr>
-          <a:xfrm>
-            <a:off x="933365" y="3048000"/>
-            <a:ext cx="10337800" cy="381000"/>
-          </a:xfrm>
-          <a:prstGeom prst="rect">
-            <a:avLst/>
-          </a:prstGeom>
-          <a:solidFill>
-            <a:schemeClr val="dk2"/>
-          </a:solidFill>
+          <a:gradFill flip="none" rotWithShape="1">
+            <a:gsLst>
+              <a:gs pos="0">
+                <a:srgbClr val="696464"/>
+              </a:gs>
+              <a:gs pos="0">
+                <a:schemeClr val="dk2"/>
+              </a:gs>
+            </a:gsLst>
+            <a:lin ang="5400000" scaled="1"/>
+            <a:tileRect/>
+          </a:gradFill>
           <a:ln w="13970" cap="flat" cmpd="sng" algn="ctr">
             <a:noFill/>
             <a:prstDash val="solid"/>
@@ -4563,13 +4997,13 @@
           <a:lstStyle/>
           <a:p>
             <a:pPr algn="ctr"/>
-            <a:endParaRPr lang="fr-FR"/>
-          </a:p>
-        </p:txBody>
-      </p:sp>
-      <p:sp>
-        <p:nvSpPr>
-          <p:cNvPr id="540" name="OTLSHAPE_TB_00000000000000000000000000000000_ElapsedTime"/>
+            <a:endParaRPr lang="fr-FR" sz="2000"/>
+          </a:p>
+        </p:txBody>
+      </p:sp>
+      <p:sp>
+        <p:nvSpPr>
+          <p:cNvPr id="5" name="OTLSHAPE_TB_00000000000000000000000000000000_ElapsedTime"/>
           <p:cNvSpPr/>
           <p:nvPr>
             <p:custDataLst>
@@ -4579,8 +5013,8 @@
         </p:nvSpPr>
         <p:spPr>
           <a:xfrm>
-            <a:off x="933365" y="3352800"/>
-            <a:ext cx="533400" cy="76200"/>
+            <a:off x="926322" y="2115429"/>
+            <a:ext cx="711200" cy="76200"/>
           </a:xfrm>
           <a:prstGeom prst="rect">
             <a:avLst/>
@@ -4638,13 +5072,13 @@
           <a:lstStyle/>
           <a:p>
             <a:pPr algn="ctr"/>
-            <a:endParaRPr lang="fr-FR"/>
-          </a:p>
-        </p:txBody>
-      </p:sp>
-      <p:sp>
-        <p:nvSpPr>
-          <p:cNvPr id="541" name="OTLSHAPE_TB_00000000000000000000000000000000_TodayMarkerShape"/>
+            <a:endParaRPr lang="fr-FR" sz="2000"/>
+          </a:p>
+        </p:txBody>
+      </p:sp>
+      <p:sp>
+        <p:nvSpPr>
+          <p:cNvPr id="6" name="OTLSHAPE_TB_00000000000000000000000000000000_TodayMarkerShape"/>
           <p:cNvSpPr/>
           <p:nvPr>
             <p:custDataLst>
@@ -4654,7 +5088,7 @@
         </p:nvSpPr>
         <p:spPr>
           <a:xfrm>
-            <a:off x="1401132" y="3429000"/>
+            <a:off x="1600042" y="2191629"/>
             <a:ext cx="114300" cy="127000"/>
           </a:xfrm>
           <a:prstGeom prst="triangle">
@@ -4711,13 +5145,13 @@
           <a:lstStyle/>
           <a:p>
             <a:pPr algn="ctr"/>
-            <a:endParaRPr lang="fr-FR"/>
-          </a:p>
-        </p:txBody>
-      </p:sp>
-      <p:sp>
-        <p:nvSpPr>
-          <p:cNvPr id="542" name="OTLSHAPE_TB_00000000000000000000000000000000_TodayMarkerText"/>
+            <a:endParaRPr lang="fr-FR" sz="2000"/>
+          </a:p>
+        </p:txBody>
+      </p:sp>
+      <p:sp>
+        <p:nvSpPr>
+          <p:cNvPr id="7" name="OTLSHAPE_TB_00000000000000000000000000000000_TodayMarkerText"/>
           <p:cNvSpPr txBox="1"/>
           <p:nvPr>
             <p:custDataLst>
@@ -4727,8 +5161,8 @@
         </p:nvSpPr>
         <p:spPr>
           <a:xfrm>
-            <a:off x="1093103" y="3556000"/>
-            <a:ext cx="736600" cy="186055"/>
+            <a:off x="1159586" y="2303935"/>
+            <a:ext cx="848310" cy="215444"/>
           </a:xfrm>
           <a:prstGeom prst="rect">
             <a:avLst/>
@@ -4743,7 +5177,7 @@
           <a:p>
             <a:pPr algn="ctr"/>
             <a:r>
-              <a:rPr lang="fr-FR" sz="1200" spc="-6" smtClean="0">
+              <a:rPr lang="fr-FR" sz="1400" spc="-6" smtClean="0">
                 <a:solidFill>
                   <a:schemeClr val="dk1"/>
                 </a:solidFill>
@@ -4751,7 +5185,7 @@
               </a:rPr>
               <a:t>Aujourd'hui</a:t>
             </a:r>
-            <a:endParaRPr lang="fr-FR" sz="1200" spc="-6">
+            <a:endParaRPr lang="fr-FR" sz="1400" spc="-6">
               <a:solidFill>
                 <a:schemeClr val="dk1"/>
               </a:solidFill>
@@ -4762,7 +5196,7 @@
       </p:sp>
       <p:sp>
         <p:nvSpPr>
-          <p:cNvPr id="543" name="OTLSHAPE_TB_00000000000000000000000000000000_TimescaleInterval1"/>
+          <p:cNvPr id="8" name="OTLSHAPE_TB_00000000000000000000000000000000_TimescaleInterval1"/>
           <p:cNvSpPr txBox="1"/>
           <p:nvPr>
             <p:custDataLst>
@@ -4772,7 +5206,7 @@
         </p:nvSpPr>
         <p:spPr>
           <a:xfrm>
-            <a:off x="996865" y="3145473"/>
+            <a:off x="930314" y="1908102"/>
             <a:ext cx="647700" cy="186055"/>
           </a:xfrm>
           <a:prstGeom prst="rect">
@@ -4787,7 +5221,7 @@
           <a:lstStyle/>
           <a:p>
             <a:r>
-              <a:rPr lang="fr-FR" sz="1200" spc="-10" smtClean="0">
+              <a:rPr lang="fr-FR" sz="1400" spc="-10" dirty="0" smtClean="0">
                 <a:solidFill>
                   <a:schemeClr val="lt1"/>
                 </a:solidFill>
@@ -4795,7 +5229,7 @@
               </a:rPr>
               <a:t>Semaine 1</a:t>
             </a:r>
-            <a:endParaRPr lang="fr-FR" sz="1200" spc="-10">
+            <a:endParaRPr lang="fr-FR" sz="1400" spc="-10" dirty="0">
               <a:solidFill>
                 <a:schemeClr val="lt1"/>
               </a:solidFill>
@@ -4806,7 +5240,7 @@
       </p:sp>
       <p:cxnSp>
         <p:nvCxnSpPr>
-          <p:cNvPr id="544" name="OTLSHAPE_TB_00000000000000000000000000000000_Separator1"/>
+          <p:cNvPr id="9" name="OTLSHAPE_TB_00000000000000000000000000000000_Separator1"/>
           <p:cNvCxnSpPr/>
           <p:nvPr>
             <p:custDataLst>
@@ -4816,7 +5250,7 @@
         </p:nvCxnSpPr>
         <p:spPr>
           <a:xfrm>
-            <a:off x="2224023" y="3136900"/>
+            <a:off x="2157472" y="1899529"/>
             <a:ext cx="0" cy="203200"/>
           </a:xfrm>
           <a:prstGeom prst="line">
@@ -4851,7 +5285,7 @@
       </p:cxnSp>
       <p:sp>
         <p:nvSpPr>
-          <p:cNvPr id="545" name="OTLSHAPE_TB_00000000000000000000000000000000_TimescaleInterval2"/>
+          <p:cNvPr id="10" name="OTLSHAPE_TB_00000000000000000000000000000000_TimescaleInterval2"/>
           <p:cNvSpPr txBox="1"/>
           <p:nvPr>
             <p:custDataLst>
@@ -4861,7 +5295,7 @@
         </p:nvSpPr>
         <p:spPr>
           <a:xfrm>
-            <a:off x="2287524" y="3145473"/>
+            <a:off x="2220973" y="1908102"/>
             <a:ext cx="75470" cy="186055"/>
           </a:xfrm>
           <a:prstGeom prst="rect">
@@ -4876,7 +5310,7 @@
           <a:lstStyle/>
           <a:p>
             <a:r>
-              <a:rPr lang="fr-FR" sz="1200" spc="-26" smtClean="0">
+              <a:rPr lang="fr-FR" sz="1400" spc="-26" smtClean="0">
                 <a:solidFill>
                   <a:schemeClr val="lt1"/>
                 </a:solidFill>
@@ -4884,7 +5318,7 @@
               </a:rPr>
               <a:t>3</a:t>
             </a:r>
-            <a:endParaRPr lang="fr-FR" sz="1200" spc="-26">
+            <a:endParaRPr lang="fr-FR" sz="1400" spc="-26">
               <a:solidFill>
                 <a:schemeClr val="lt1"/>
               </a:solidFill>
@@ -4895,7 +5329,7 @@
       </p:sp>
       <p:cxnSp>
         <p:nvCxnSpPr>
-          <p:cNvPr id="546" name="OTLSHAPE_TB_00000000000000000000000000000000_Separator2"/>
+          <p:cNvPr id="11" name="OTLSHAPE_TB_00000000000000000000000000000000_Separator2"/>
           <p:cNvCxnSpPr/>
           <p:nvPr>
             <p:custDataLst>
@@ -4905,7 +5339,7 @@
         </p:nvCxnSpPr>
         <p:spPr>
           <a:xfrm>
-            <a:off x="3514682" y="3136900"/>
+            <a:off x="3448131" y="1899529"/>
             <a:ext cx="0" cy="203200"/>
           </a:xfrm>
           <a:prstGeom prst="line">
@@ -4940,7 +5374,7 @@
       </p:cxnSp>
       <p:sp>
         <p:nvSpPr>
-          <p:cNvPr id="547" name="OTLSHAPE_TB_00000000000000000000000000000000_TimescaleInterval3"/>
+          <p:cNvPr id="12" name="OTLSHAPE_TB_00000000000000000000000000000000_TimescaleInterval3"/>
           <p:cNvSpPr txBox="1"/>
           <p:nvPr>
             <p:custDataLst>
@@ -4950,7 +5384,7 @@
         </p:nvSpPr>
         <p:spPr>
           <a:xfrm>
-            <a:off x="3578183" y="3145473"/>
+            <a:off x="3511632" y="1908102"/>
             <a:ext cx="75470" cy="186055"/>
           </a:xfrm>
           <a:prstGeom prst="rect">
@@ -4965,7 +5399,7 @@
           <a:lstStyle/>
           <a:p>
             <a:r>
-              <a:rPr lang="fr-FR" sz="1200" spc="-26" smtClean="0">
+              <a:rPr lang="fr-FR" sz="1400" spc="-26" smtClean="0">
                 <a:solidFill>
                   <a:schemeClr val="lt1"/>
                 </a:solidFill>
@@ -4973,7 +5407,7 @@
               </a:rPr>
               <a:t>5</a:t>
             </a:r>
-            <a:endParaRPr lang="fr-FR" sz="1200" spc="-26">
+            <a:endParaRPr lang="fr-FR" sz="1400" spc="-26">
               <a:solidFill>
                 <a:schemeClr val="lt1"/>
               </a:solidFill>
@@ -4984,7 +5418,7 @@
       </p:sp>
       <p:cxnSp>
         <p:nvCxnSpPr>
-          <p:cNvPr id="548" name="OTLSHAPE_TB_00000000000000000000000000000000_Separator3"/>
+          <p:cNvPr id="13" name="OTLSHAPE_TB_00000000000000000000000000000000_Separator3"/>
           <p:cNvCxnSpPr/>
           <p:nvPr>
             <p:custDataLst>
@@ -4994,7 +5428,7 @@
         </p:nvCxnSpPr>
         <p:spPr>
           <a:xfrm>
-            <a:off x="4805341" y="3136900"/>
+            <a:off x="4738790" y="1899529"/>
             <a:ext cx="0" cy="203200"/>
           </a:xfrm>
           <a:prstGeom prst="line">
@@ -5029,7 +5463,7 @@
       </p:cxnSp>
       <p:sp>
         <p:nvSpPr>
-          <p:cNvPr id="549" name="OTLSHAPE_TB_00000000000000000000000000000000_TimescaleInterval4"/>
+          <p:cNvPr id="14" name="OTLSHAPE_TB_00000000000000000000000000000000_TimescaleInterval4"/>
           <p:cNvSpPr txBox="1"/>
           <p:nvPr>
             <p:custDataLst>
@@ -5039,7 +5473,7 @@
         </p:nvSpPr>
         <p:spPr>
           <a:xfrm>
-            <a:off x="4868842" y="3145473"/>
+            <a:off x="4802291" y="1908102"/>
             <a:ext cx="75470" cy="186055"/>
           </a:xfrm>
           <a:prstGeom prst="rect">
@@ -5054,7 +5488,7 @@
           <a:lstStyle/>
           <a:p>
             <a:r>
-              <a:rPr lang="fr-FR" sz="1200" spc="-26" smtClean="0">
+              <a:rPr lang="fr-FR" sz="1400" spc="-26" smtClean="0">
                 <a:solidFill>
                   <a:schemeClr val="lt1"/>
                 </a:solidFill>
@@ -5062,7 +5496,7 @@
               </a:rPr>
               <a:t>7</a:t>
             </a:r>
-            <a:endParaRPr lang="fr-FR" sz="1200" spc="-26">
+            <a:endParaRPr lang="fr-FR" sz="1400" spc="-26">
               <a:solidFill>
                 <a:schemeClr val="lt1"/>
               </a:solidFill>
@@ -5073,7 +5507,7 @@
       </p:sp>
       <p:cxnSp>
         <p:nvCxnSpPr>
-          <p:cNvPr id="550" name="OTLSHAPE_TB_00000000000000000000000000000000_Separator4"/>
+          <p:cNvPr id="15" name="OTLSHAPE_TB_00000000000000000000000000000000_Separator4"/>
           <p:cNvCxnSpPr/>
           <p:nvPr>
             <p:custDataLst>
@@ -5083,7 +5517,7 @@
         </p:nvCxnSpPr>
         <p:spPr>
           <a:xfrm>
-            <a:off x="6096000" y="3136900"/>
+            <a:off x="6029449" y="1899529"/>
             <a:ext cx="0" cy="203200"/>
           </a:xfrm>
           <a:prstGeom prst="line">
@@ -5118,7 +5552,7 @@
       </p:cxnSp>
       <p:sp>
         <p:nvSpPr>
-          <p:cNvPr id="551" name="OTLSHAPE_TB_00000000000000000000000000000000_TimescaleInterval5"/>
+          <p:cNvPr id="16" name="OTLSHAPE_TB_00000000000000000000000000000000_TimescaleInterval5"/>
           <p:cNvSpPr txBox="1"/>
           <p:nvPr>
             <p:custDataLst>
@@ -5128,7 +5562,7 @@
         </p:nvSpPr>
         <p:spPr>
           <a:xfrm>
-            <a:off x="6159500" y="3145473"/>
+            <a:off x="6092949" y="1908102"/>
             <a:ext cx="75470" cy="186055"/>
           </a:xfrm>
           <a:prstGeom prst="rect">
@@ -5143,7 +5577,7 @@
           <a:lstStyle/>
           <a:p>
             <a:r>
-              <a:rPr lang="fr-FR" sz="1200" spc="-26" smtClean="0">
+              <a:rPr lang="fr-FR" sz="1400" spc="-26" dirty="0" smtClean="0">
                 <a:solidFill>
                   <a:schemeClr val="lt1"/>
                 </a:solidFill>
@@ -5151,7 +5585,7 @@
               </a:rPr>
               <a:t>9</a:t>
             </a:r>
-            <a:endParaRPr lang="fr-FR" sz="1200" spc="-26">
+            <a:endParaRPr lang="fr-FR" sz="1400" spc="-26" dirty="0">
               <a:solidFill>
                 <a:schemeClr val="lt1"/>
               </a:solidFill>
@@ -5162,7 +5596,7 @@
       </p:sp>
       <p:cxnSp>
         <p:nvCxnSpPr>
-          <p:cNvPr id="552" name="OTLSHAPE_TB_00000000000000000000000000000000_Separator5"/>
+          <p:cNvPr id="17" name="OTLSHAPE_TB_00000000000000000000000000000000_Separator5"/>
           <p:cNvCxnSpPr/>
           <p:nvPr>
             <p:custDataLst>
@@ -5172,7 +5606,7 @@
         </p:nvCxnSpPr>
         <p:spPr>
           <a:xfrm>
-            <a:off x="7386658" y="3136900"/>
+            <a:off x="7320107" y="1899529"/>
             <a:ext cx="0" cy="203200"/>
           </a:xfrm>
           <a:prstGeom prst="line">
@@ -5207,7 +5641,7 @@
       </p:cxnSp>
       <p:sp>
         <p:nvSpPr>
-          <p:cNvPr id="553" name="OTLSHAPE_TB_00000000000000000000000000000000_TimescaleInterval6"/>
+          <p:cNvPr id="18" name="OTLSHAPE_TB_00000000000000000000000000000000_TimescaleInterval6"/>
           <p:cNvSpPr txBox="1"/>
           <p:nvPr>
             <p:custDataLst>
@@ -5217,7 +5651,7 @@
         </p:nvSpPr>
         <p:spPr>
           <a:xfrm>
-            <a:off x="7450159" y="3145473"/>
+            <a:off x="7383608" y="1908102"/>
             <a:ext cx="150939" cy="186055"/>
           </a:xfrm>
           <a:prstGeom prst="rect">
@@ -5232,7 +5666,7 @@
           <a:lstStyle/>
           <a:p>
             <a:r>
-              <a:rPr lang="fr-FR" sz="1200" spc="-26" smtClean="0">
+              <a:rPr lang="fr-FR" sz="1400" spc="-26" smtClean="0">
                 <a:solidFill>
                   <a:schemeClr val="lt1"/>
                 </a:solidFill>
@@ -5240,7 +5674,7 @@
               </a:rPr>
               <a:t>11</a:t>
             </a:r>
-            <a:endParaRPr lang="fr-FR" sz="1200" spc="-26">
+            <a:endParaRPr lang="fr-FR" sz="1400" spc="-26">
               <a:solidFill>
                 <a:schemeClr val="lt1"/>
               </a:solidFill>
@@ -5251,7 +5685,7 @@
       </p:sp>
       <p:cxnSp>
         <p:nvCxnSpPr>
-          <p:cNvPr id="554" name="OTLSHAPE_TB_00000000000000000000000000000000_Separator6"/>
+          <p:cNvPr id="19" name="OTLSHAPE_TB_00000000000000000000000000000000_Separator6"/>
           <p:cNvCxnSpPr/>
           <p:nvPr>
             <p:custDataLst>
@@ -5261,7 +5695,7 @@
         </p:nvCxnSpPr>
         <p:spPr>
           <a:xfrm>
-            <a:off x="8677317" y="3136900"/>
+            <a:off x="8610766" y="1899529"/>
             <a:ext cx="0" cy="203200"/>
           </a:xfrm>
           <a:prstGeom prst="line">
@@ -5296,7 +5730,7 @@
       </p:cxnSp>
       <p:sp>
         <p:nvSpPr>
-          <p:cNvPr id="555" name="OTLSHAPE_TB_00000000000000000000000000000000_TimescaleInterval7"/>
+          <p:cNvPr id="20" name="OTLSHAPE_TB_00000000000000000000000000000000_TimescaleInterval7"/>
           <p:cNvSpPr txBox="1"/>
           <p:nvPr>
             <p:custDataLst>
@@ -5306,7 +5740,7 @@
         </p:nvSpPr>
         <p:spPr>
           <a:xfrm>
-            <a:off x="8740818" y="3145473"/>
+            <a:off x="8674267" y="1908102"/>
             <a:ext cx="150939" cy="186055"/>
           </a:xfrm>
           <a:prstGeom prst="rect">
@@ -5321,7 +5755,7 @@
           <a:lstStyle/>
           <a:p>
             <a:r>
-              <a:rPr lang="fr-FR" sz="1200" spc="-26" smtClean="0">
+              <a:rPr lang="fr-FR" sz="1400" spc="-26" smtClean="0">
                 <a:solidFill>
                   <a:schemeClr val="lt1"/>
                 </a:solidFill>
@@ -5329,7 +5763,7 @@
               </a:rPr>
               <a:t>13</a:t>
             </a:r>
-            <a:endParaRPr lang="fr-FR" sz="1200" spc="-26">
+            <a:endParaRPr lang="fr-FR" sz="1400" spc="-26">
               <a:solidFill>
                 <a:schemeClr val="lt1"/>
               </a:solidFill>
@@ -5340,7 +5774,7 @@
       </p:sp>
       <p:cxnSp>
         <p:nvCxnSpPr>
-          <p:cNvPr id="556" name="OTLSHAPE_TB_00000000000000000000000000000000_Separator7"/>
+          <p:cNvPr id="21" name="OTLSHAPE_TB_00000000000000000000000000000000_Separator7"/>
           <p:cNvCxnSpPr/>
           <p:nvPr>
             <p:custDataLst>
@@ -5350,7 +5784,7 @@
         </p:nvCxnSpPr>
         <p:spPr>
           <a:xfrm>
-            <a:off x="9967976" y="3136900"/>
+            <a:off x="9901425" y="1899529"/>
             <a:ext cx="0" cy="203200"/>
           </a:xfrm>
           <a:prstGeom prst="line">
@@ -5385,7 +5819,7 @@
       </p:cxnSp>
       <p:sp>
         <p:nvSpPr>
-          <p:cNvPr id="557" name="OTLSHAPE_TB_00000000000000000000000000000000_TimescaleInterval8"/>
+          <p:cNvPr id="22" name="OTLSHAPE_TB_00000000000000000000000000000000_TimescaleInterval8"/>
           <p:cNvSpPr txBox="1"/>
           <p:nvPr>
             <p:custDataLst>
@@ -5395,7 +5829,7 @@
         </p:nvSpPr>
         <p:spPr>
           <a:xfrm>
-            <a:off x="10031477" y="3145473"/>
+            <a:off x="9964926" y="1908102"/>
             <a:ext cx="150939" cy="186055"/>
           </a:xfrm>
           <a:prstGeom prst="rect">
@@ -5410,7 +5844,7 @@
           <a:lstStyle/>
           <a:p>
             <a:r>
-              <a:rPr lang="fr-FR" sz="1200" spc="-26" smtClean="0">
+              <a:rPr lang="fr-FR" sz="1400" spc="-26" smtClean="0">
                 <a:solidFill>
                   <a:schemeClr val="lt1"/>
                 </a:solidFill>
@@ -5418,7 +5852,7 @@
               </a:rPr>
               <a:t>15</a:t>
             </a:r>
-            <a:endParaRPr lang="fr-FR" sz="1200" spc="-26">
+            <a:endParaRPr lang="fr-FR" sz="1400" spc="-26">
               <a:solidFill>
                 <a:schemeClr val="lt1"/>
               </a:solidFill>
@@ -5429,7 +5863,7 @@
       </p:sp>
       <p:sp>
         <p:nvSpPr>
-          <p:cNvPr id="561" name="OTLSHAPE_T_bdb11a26d20a4e0397d92817b0af0ada_Shape"/>
+          <p:cNvPr id="27" name="OTLSHAPE_T_bdb11a26d20a4e0397d92817b0af0ada_Shape"/>
           <p:cNvSpPr/>
           <p:nvPr>
             <p:custDataLst>
@@ -5439,7 +5873,7 @@
         </p:nvSpPr>
         <p:spPr>
           <a:xfrm>
-            <a:off x="1394315" y="3945255"/>
+            <a:off x="1568532" y="2818751"/>
             <a:ext cx="2959100" cy="203200"/>
           </a:xfrm>
           <a:prstGeom prst="roundRect">
@@ -5510,13 +5944,13 @@
           <a:lstStyle/>
           <a:p>
             <a:pPr algn="ctr"/>
-            <a:endParaRPr lang="fr-FR"/>
-          </a:p>
-        </p:txBody>
-      </p:sp>
-      <p:sp>
-        <p:nvSpPr>
-          <p:cNvPr id="562" name="OTLSHAPE_T_bdb11a26d20a4e0397d92817b0af0ada_ShapePercentage" hidden="1"/>
+            <a:endParaRPr lang="fr-FR" sz="2000"/>
+          </a:p>
+        </p:txBody>
+      </p:sp>
+      <p:sp>
+        <p:nvSpPr>
+          <p:cNvPr id="28" name="OTLSHAPE_T_bdb11a26d20a4e0397d92817b0af0ada_ShapePercentage" hidden="1"/>
           <p:cNvSpPr/>
           <p:nvPr>
             <p:custDataLst>
@@ -5560,7 +5994,7 @@
       </p:sp>
       <p:sp>
         <p:nvSpPr>
-          <p:cNvPr id="563" name="OTLSHAPE_T_bdb11a26d20a4e0397d92817b0af0ada_Duration" hidden="1"/>
+          <p:cNvPr id="29" name="OTLSHAPE_T_bdb11a26d20a4e0397d92817b0af0ada_Duration" hidden="1"/>
           <p:cNvSpPr txBox="1"/>
           <p:nvPr>
             <p:custDataLst>
@@ -5605,7 +6039,7 @@
       </p:sp>
       <p:sp>
         <p:nvSpPr>
-          <p:cNvPr id="564" name="OTLSHAPE_T_bdb11a26d20a4e0397d92817b0af0ada_TextPercentage" hidden="1"/>
+          <p:cNvPr id="30" name="OTLSHAPE_T_bdb11a26d20a4e0397d92817b0af0ada_TextPercentage" hidden="1"/>
           <p:cNvSpPr txBox="1"/>
           <p:nvPr>
             <p:custDataLst>
@@ -5641,7 +6075,7 @@
       </p:sp>
       <p:sp>
         <p:nvSpPr>
-          <p:cNvPr id="565" name="OTLSHAPE_T_bdb11a26d20a4e0397d92817b0af0ada_StartDate" hidden="1"/>
+          <p:cNvPr id="31" name="OTLSHAPE_T_bdb11a26d20a4e0397d92817b0af0ada_StartDate" hidden="1"/>
           <p:cNvSpPr txBox="1"/>
           <p:nvPr>
             <p:custDataLst>
@@ -5677,7 +6111,7 @@
       </p:sp>
       <p:sp>
         <p:nvSpPr>
-          <p:cNvPr id="566" name="OTLSHAPE_T_bdb11a26d20a4e0397d92817b0af0ada_EndDate" hidden="1"/>
+          <p:cNvPr id="512" name="OTLSHAPE_T_bdb11a26d20a4e0397d92817b0af0ada_EndDate" hidden="1"/>
           <p:cNvSpPr txBox="1"/>
           <p:nvPr>
             <p:custDataLst>
@@ -5713,7 +6147,7 @@
       </p:sp>
       <p:sp>
         <p:nvSpPr>
-          <p:cNvPr id="567" name="OTLSHAPE_T_bdb11a26d20a4e0397d92817b0af0ada_JoinedDate"/>
+          <p:cNvPr id="513" name="OTLSHAPE_T_bdb11a26d20a4e0397d92817b0af0ada_JoinedDate"/>
           <p:cNvSpPr txBox="1"/>
           <p:nvPr>
             <p:custDataLst>
@@ -5723,8 +6157,8 @@
         </p:nvSpPr>
         <p:spPr>
           <a:xfrm>
-            <a:off x="4395128" y="3969343"/>
-            <a:ext cx="1206500" cy="155025"/>
+            <a:off x="4608199" y="2758768"/>
+            <a:ext cx="1206500" cy="323165"/>
           </a:xfrm>
           <a:prstGeom prst="rect">
             <a:avLst/>
@@ -5738,7 +6172,7 @@
           <a:lstStyle/>
           <a:p>
             <a:r>
-              <a:rPr lang="fr-FR" sz="1000" spc="-6" smtClean="0">
+              <a:rPr lang="fr-FR" sz="1050" spc="-6" dirty="0" smtClean="0">
                 <a:solidFill>
                   <a:srgbClr val="44546A"/>
                 </a:solidFill>
@@ -5746,7 +6180,7 @@
               </a:rPr>
               <a:t>19/1/2018 - 19/2/2018</a:t>
             </a:r>
-            <a:endParaRPr lang="fr-FR" sz="1000" spc="-6">
+            <a:endParaRPr lang="fr-FR" sz="1050" spc="-6" dirty="0">
               <a:solidFill>
                 <a:srgbClr val="44546A"/>
               </a:solidFill>
@@ -5757,7 +6191,7 @@
       </p:sp>
       <p:sp>
         <p:nvSpPr>
-          <p:cNvPr id="568" name="OTLSHAPE_T_bdb11a26d20a4e0397d92817b0af0ada_Title"/>
+          <p:cNvPr id="514" name="OTLSHAPE_T_bdb11a26d20a4e0397d92817b0af0ada_Title"/>
           <p:cNvSpPr txBox="1"/>
           <p:nvPr>
             <p:custDataLst>
@@ -5767,8 +6201,8 @@
         </p:nvSpPr>
         <p:spPr>
           <a:xfrm>
-            <a:off x="127000" y="3961596"/>
-            <a:ext cx="1282700" cy="170519"/>
+            <a:off x="113522" y="2818751"/>
+            <a:ext cx="1696524" cy="184666"/>
           </a:xfrm>
           <a:prstGeom prst="rect">
             <a:avLst/>
@@ -5782,7 +6216,7 @@
           <a:lstStyle/>
           <a:p>
             <a:r>
-              <a:rPr lang="fr-FR" sz="1100" b="1" spc="-10" smtClean="0">
+              <a:rPr lang="fr-FR" sz="1200" b="1" spc="-10" dirty="0" smtClean="0">
                 <a:solidFill>
                   <a:schemeClr val="dk1"/>
                 </a:solidFill>
@@ -5790,7 +6224,7 @@
               </a:rPr>
               <a:t>Tester les composants</a:t>
             </a:r>
-            <a:endParaRPr lang="fr-FR" sz="1100" b="1" spc="-10">
+            <a:endParaRPr lang="fr-FR" sz="1200" b="1" spc="-10" dirty="0">
               <a:solidFill>
                 <a:schemeClr val="dk1"/>
               </a:solidFill>
@@ -5801,7 +6235,7 @@
       </p:sp>
       <p:sp>
         <p:nvSpPr>
-          <p:cNvPr id="569" name="OTLSHAPE_T_63ce90d9dfe840d599ce11b9d7fe382b_Shape"/>
+          <p:cNvPr id="515" name="OTLSHAPE_T_63ce90d9dfe840d599ce11b9d7fe382b_Shape"/>
           <p:cNvSpPr/>
           <p:nvPr>
             <p:custDataLst>
@@ -5811,7 +6245,7 @@
         </p:nvSpPr>
         <p:spPr>
           <a:xfrm>
-            <a:off x="1763075" y="4211955"/>
+            <a:off x="1843191" y="3343303"/>
             <a:ext cx="2959100" cy="203200"/>
           </a:xfrm>
           <a:prstGeom prst="roundRect">
@@ -5882,13 +6316,13 @@
           <a:lstStyle/>
           <a:p>
             <a:pPr algn="ctr"/>
-            <a:endParaRPr lang="fr-FR"/>
-          </a:p>
-        </p:txBody>
-      </p:sp>
-      <p:sp>
-        <p:nvSpPr>
-          <p:cNvPr id="570" name="OTLSHAPE_T_63ce90d9dfe840d599ce11b9d7fe382b_ShapePercentage" hidden="1"/>
+            <a:endParaRPr lang="fr-FR" sz="2000"/>
+          </a:p>
+        </p:txBody>
+      </p:sp>
+      <p:sp>
+        <p:nvSpPr>
+          <p:cNvPr id="516" name="OTLSHAPE_T_63ce90d9dfe840d599ce11b9d7fe382b_ShapePercentage" hidden="1"/>
           <p:cNvSpPr/>
           <p:nvPr>
             <p:custDataLst>
@@ -5932,7 +6366,7 @@
       </p:sp>
       <p:sp>
         <p:nvSpPr>
-          <p:cNvPr id="571" name="OTLSHAPE_T_63ce90d9dfe840d599ce11b9d7fe382b_Duration" hidden="1"/>
+          <p:cNvPr id="517" name="OTLSHAPE_T_63ce90d9dfe840d599ce11b9d7fe382b_Duration" hidden="1"/>
           <p:cNvSpPr txBox="1"/>
           <p:nvPr>
             <p:custDataLst>
@@ -5977,7 +6411,7 @@
       </p:sp>
       <p:sp>
         <p:nvSpPr>
-          <p:cNvPr id="572" name="OTLSHAPE_T_63ce90d9dfe840d599ce11b9d7fe382b_TextPercentage" hidden="1"/>
+          <p:cNvPr id="518" name="OTLSHAPE_T_63ce90d9dfe840d599ce11b9d7fe382b_TextPercentage" hidden="1"/>
           <p:cNvSpPr txBox="1"/>
           <p:nvPr>
             <p:custDataLst>
@@ -6013,7 +6447,7 @@
       </p:sp>
       <p:sp>
         <p:nvSpPr>
-          <p:cNvPr id="573" name="OTLSHAPE_T_63ce90d9dfe840d599ce11b9d7fe382b_StartDate" hidden="1"/>
+          <p:cNvPr id="519" name="OTLSHAPE_T_63ce90d9dfe840d599ce11b9d7fe382b_StartDate" hidden="1"/>
           <p:cNvSpPr txBox="1"/>
           <p:nvPr>
             <p:custDataLst>
@@ -6049,7 +6483,7 @@
       </p:sp>
       <p:sp>
         <p:nvSpPr>
-          <p:cNvPr id="574" name="OTLSHAPE_T_63ce90d9dfe840d599ce11b9d7fe382b_EndDate" hidden="1"/>
+          <p:cNvPr id="520" name="OTLSHAPE_T_63ce90d9dfe840d599ce11b9d7fe382b_EndDate" hidden="1"/>
           <p:cNvSpPr txBox="1"/>
           <p:nvPr>
             <p:custDataLst>
@@ -6085,7 +6519,7 @@
       </p:sp>
       <p:sp>
         <p:nvSpPr>
-          <p:cNvPr id="575" name="OTLSHAPE_T_63ce90d9dfe840d599ce11b9d7fe382b_JoinedDate"/>
+          <p:cNvPr id="521" name="OTLSHAPE_T_63ce90d9dfe840d599ce11b9d7fe382b_JoinedDate"/>
           <p:cNvSpPr txBox="1"/>
           <p:nvPr>
             <p:custDataLst>
@@ -6095,8 +6529,8 @@
         </p:nvSpPr>
         <p:spPr>
           <a:xfrm>
-            <a:off x="4763888" y="4236043"/>
-            <a:ext cx="1206500" cy="155025"/>
+            <a:off x="4877761" y="3325230"/>
+            <a:ext cx="1206500" cy="323165"/>
           </a:xfrm>
           <a:prstGeom prst="rect">
             <a:avLst/>
@@ -6110,7 +6544,7 @@
           <a:lstStyle/>
           <a:p>
             <a:r>
-              <a:rPr lang="fr-FR" sz="1000" spc="-6" smtClean="0">
+              <a:rPr lang="fr-FR" sz="1050" spc="-6" smtClean="0">
                 <a:solidFill>
                   <a:srgbClr val="44546A"/>
                 </a:solidFill>
@@ -6118,7 +6552,7 @@
               </a:rPr>
               <a:t>23/1/2018 - 23/2/2018</a:t>
             </a:r>
-            <a:endParaRPr lang="fr-FR" sz="1000" spc="-6">
+            <a:endParaRPr lang="fr-FR" sz="1050" spc="-6">
               <a:solidFill>
                 <a:srgbClr val="44546A"/>
               </a:solidFill>
@@ -6129,7 +6563,7 @@
       </p:sp>
       <p:sp>
         <p:nvSpPr>
-          <p:cNvPr id="576" name="OTLSHAPE_T_63ce90d9dfe840d599ce11b9d7fe382b_Title"/>
+          <p:cNvPr id="522" name="OTLSHAPE_T_63ce90d9dfe840d599ce11b9d7fe382b_Title"/>
           <p:cNvSpPr txBox="1"/>
           <p:nvPr>
             <p:custDataLst>
@@ -6139,8 +6573,8 @@
         </p:nvSpPr>
         <p:spPr>
           <a:xfrm>
-            <a:off x="127000" y="4228296"/>
-            <a:ext cx="1511300" cy="170519"/>
+            <a:off x="113522" y="3343303"/>
+            <a:ext cx="2017298" cy="184666"/>
           </a:xfrm>
           <a:prstGeom prst="rect">
             <a:avLst/>
@@ -6154,7 +6588,7 @@
           <a:lstStyle/>
           <a:p>
             <a:r>
-              <a:rPr lang="fr-FR" sz="1100" b="1" spc="-2" smtClean="0">
+              <a:rPr lang="fr-FR" sz="1200" b="1" spc="-2" dirty="0" smtClean="0">
                 <a:solidFill>
                   <a:schemeClr val="dk1"/>
                 </a:solidFill>
@@ -6162,7 +6596,7 @@
               </a:rPr>
               <a:t>Créer/Imprimer les pièces</a:t>
             </a:r>
-            <a:endParaRPr lang="fr-FR" sz="1100" b="1" spc="-2">
+            <a:endParaRPr lang="fr-FR" sz="1200" b="1" spc="-2" dirty="0">
               <a:solidFill>
                 <a:schemeClr val="dk1"/>
               </a:solidFill>
@@ -6173,7 +6607,7 @@
       </p:sp>
       <p:sp>
         <p:nvSpPr>
-          <p:cNvPr id="577" name="OTLSHAPE_T_92d3055546b74b2c88f17a5f433cec81_Shape"/>
+          <p:cNvPr id="523" name="OTLSHAPE_T_92d3055546b74b2c88f17a5f433cec81_Shape"/>
           <p:cNvSpPr/>
           <p:nvPr>
             <p:custDataLst>
@@ -6183,8 +6617,8 @@
         </p:nvSpPr>
         <p:spPr>
           <a:xfrm>
-            <a:off x="3606873" y="4478655"/>
-            <a:ext cx="1384300" cy="203200"/>
+            <a:off x="3641350" y="3897080"/>
+            <a:ext cx="2032000" cy="203200"/>
           </a:xfrm>
           <a:prstGeom prst="roundRect">
             <a:avLst/>
@@ -6254,13 +6688,13 @@
           <a:lstStyle/>
           <a:p>
             <a:pPr algn="ctr"/>
-            <a:endParaRPr lang="fr-FR"/>
-          </a:p>
-        </p:txBody>
-      </p:sp>
-      <p:sp>
-        <p:nvSpPr>
-          <p:cNvPr id="578" name="OTLSHAPE_T_92d3055546b74b2c88f17a5f433cec81_ShapePercentage" hidden="1"/>
+            <a:endParaRPr lang="fr-FR" sz="2000"/>
+          </a:p>
+        </p:txBody>
+      </p:sp>
+      <p:sp>
+        <p:nvSpPr>
+          <p:cNvPr id="524" name="OTLSHAPE_T_92d3055546b74b2c88f17a5f433cec81_ShapePercentage" hidden="1"/>
           <p:cNvSpPr/>
           <p:nvPr>
             <p:custDataLst>
@@ -6304,7 +6738,7 @@
       </p:sp>
       <p:sp>
         <p:nvSpPr>
-          <p:cNvPr id="579" name="OTLSHAPE_T_92d3055546b74b2c88f17a5f433cec81_Duration" hidden="1"/>
+          <p:cNvPr id="525" name="OTLSHAPE_T_92d3055546b74b2c88f17a5f433cec81_Duration" hidden="1"/>
           <p:cNvSpPr txBox="1"/>
           <p:nvPr>
             <p:custDataLst>
@@ -6336,7 +6770,7 @@
                 </a:solidFill>
                 <a:latin typeface="Calibri"/>
               </a:rPr>
-              <a:t>15 jours</a:t>
+              <a:t>22 jours</a:t>
             </a:r>
             <a:endParaRPr lang="fr-FR" sz="1000">
               <a:solidFill>
@@ -6349,7 +6783,7 @@
       </p:sp>
       <p:sp>
         <p:nvSpPr>
-          <p:cNvPr id="580" name="OTLSHAPE_T_92d3055546b74b2c88f17a5f433cec81_TextPercentage" hidden="1"/>
+          <p:cNvPr id="526" name="OTLSHAPE_T_92d3055546b74b2c88f17a5f433cec81_TextPercentage" hidden="1"/>
           <p:cNvSpPr txBox="1"/>
           <p:nvPr>
             <p:custDataLst>
@@ -6385,7 +6819,7 @@
       </p:sp>
       <p:sp>
         <p:nvSpPr>
-          <p:cNvPr id="581" name="OTLSHAPE_T_92d3055546b74b2c88f17a5f433cec81_StartDate" hidden="1"/>
+          <p:cNvPr id="527" name="OTLSHAPE_T_92d3055546b74b2c88f17a5f433cec81_StartDate" hidden="1"/>
           <p:cNvSpPr txBox="1"/>
           <p:nvPr>
             <p:custDataLst>
@@ -6421,7 +6855,7 @@
       </p:sp>
       <p:sp>
         <p:nvSpPr>
-          <p:cNvPr id="582" name="OTLSHAPE_T_92d3055546b74b2c88f17a5f433cec81_EndDate" hidden="1"/>
+          <p:cNvPr id="528" name="OTLSHAPE_T_92d3055546b74b2c88f17a5f433cec81_EndDate" hidden="1"/>
           <p:cNvSpPr txBox="1"/>
           <p:nvPr>
             <p:custDataLst>
@@ -6457,7 +6891,7 @@
       </p:sp>
       <p:sp>
         <p:nvSpPr>
-          <p:cNvPr id="583" name="OTLSHAPE_T_92d3055546b74b2c88f17a5f433cec81_JoinedDate"/>
+          <p:cNvPr id="529" name="OTLSHAPE_T_92d3055546b74b2c88f17a5f433cec81_JoinedDate"/>
           <p:cNvSpPr txBox="1"/>
           <p:nvPr>
             <p:custDataLst>
@@ -6467,8 +6901,8 @@
         </p:nvSpPr>
         <p:spPr>
           <a:xfrm>
-            <a:off x="5040457" y="4502743"/>
-            <a:ext cx="1206500" cy="155025"/>
+            <a:off x="5814699" y="3785955"/>
+            <a:ext cx="1130300" cy="323165"/>
           </a:xfrm>
           <a:prstGeom prst="rect">
             <a:avLst/>
@@ -6482,15 +6916,15 @@
           <a:lstStyle/>
           <a:p>
             <a:r>
-              <a:rPr lang="fr-FR" sz="1000" spc="-6" smtClean="0">
+              <a:rPr lang="fr-FR" sz="1050" spc="-6" dirty="0" smtClean="0">
                 <a:solidFill>
                   <a:srgbClr val="44546A"/>
                 </a:solidFill>
                 <a:latin typeface="Calibri"/>
               </a:rPr>
-              <a:t>12/2/2018 - 26/2/2018</a:t>
-            </a:r>
-            <a:endParaRPr lang="fr-FR" sz="1000" spc="-6">
+              <a:t>12/2/2018 - 5/3/2018</a:t>
+            </a:r>
+            <a:endParaRPr lang="fr-FR" sz="1050" spc="-6" dirty="0">
               <a:solidFill>
                 <a:srgbClr val="44546A"/>
               </a:solidFill>
@@ -6501,7 +6935,7 @@
       </p:sp>
       <p:sp>
         <p:nvSpPr>
-          <p:cNvPr id="584" name="OTLSHAPE_T_92d3055546b74b2c88f17a5f433cec81_Title"/>
+          <p:cNvPr id="530" name="OTLSHAPE_T_92d3055546b74b2c88f17a5f433cec81_Title"/>
           <p:cNvSpPr txBox="1"/>
           <p:nvPr>
             <p:custDataLst>
@@ -6511,8 +6945,8 @@
         </p:nvSpPr>
         <p:spPr>
           <a:xfrm>
-            <a:off x="127000" y="4494996"/>
-            <a:ext cx="2197100" cy="170519"/>
+            <a:off x="102101" y="3893048"/>
+            <a:ext cx="2923293" cy="184666"/>
           </a:xfrm>
           <a:prstGeom prst="rect">
             <a:avLst/>
@@ -6526,7 +6960,7 @@
           <a:lstStyle/>
           <a:p>
             <a:r>
-              <a:rPr lang="fr-FR" sz="1100" b="1" spc="-8" smtClean="0">
+              <a:rPr lang="fr-FR" sz="1200" b="1" spc="-8" dirty="0" smtClean="0">
                 <a:solidFill>
                   <a:schemeClr val="dk1"/>
                 </a:solidFill>
@@ -6534,7 +6968,7 @@
               </a:rPr>
               <a:t>Teste des différents sous-assemblages</a:t>
             </a:r>
-            <a:endParaRPr lang="fr-FR" sz="1100" b="1" spc="-8">
+            <a:endParaRPr lang="fr-FR" sz="1200" b="1" spc="-8" dirty="0">
               <a:solidFill>
                 <a:schemeClr val="dk1"/>
               </a:solidFill>
@@ -6545,7 +6979,7 @@
       </p:sp>
       <p:sp>
         <p:nvSpPr>
-          <p:cNvPr id="585" name="OTLSHAPE_T_a8b300f39aff4bc58f0699eca00c37f4_Shape"/>
+          <p:cNvPr id="531" name="OTLSHAPE_T_a8b300f39aff4bc58f0699eca00c37f4_Shape"/>
           <p:cNvSpPr/>
           <p:nvPr>
             <p:custDataLst>
@@ -6555,7 +6989,7 @@
         </p:nvSpPr>
         <p:spPr>
           <a:xfrm>
-            <a:off x="4344392" y="4745355"/>
+            <a:off x="4507631" y="4366980"/>
             <a:ext cx="6184900" cy="203200"/>
           </a:xfrm>
           <a:prstGeom prst="roundRect">
@@ -6626,13 +7060,13 @@
           <a:lstStyle/>
           <a:p>
             <a:pPr algn="ctr"/>
-            <a:endParaRPr lang="fr-FR"/>
-          </a:p>
-        </p:txBody>
-      </p:sp>
-      <p:sp>
-        <p:nvSpPr>
-          <p:cNvPr id="586" name="OTLSHAPE_T_a8b300f39aff4bc58f0699eca00c37f4_ShapePercentage" hidden="1"/>
+            <a:endParaRPr lang="fr-FR" sz="2000"/>
+          </a:p>
+        </p:txBody>
+      </p:sp>
+      <p:sp>
+        <p:nvSpPr>
+          <p:cNvPr id="532" name="OTLSHAPE_T_a8b300f39aff4bc58f0699eca00c37f4_ShapePercentage" hidden="1"/>
           <p:cNvSpPr/>
           <p:nvPr>
             <p:custDataLst>
@@ -6676,7 +7110,7 @@
       </p:sp>
       <p:sp>
         <p:nvSpPr>
-          <p:cNvPr id="587" name="OTLSHAPE_T_a8b300f39aff4bc58f0699eca00c37f4_Duration" hidden="1"/>
+          <p:cNvPr id="533" name="OTLSHAPE_T_a8b300f39aff4bc58f0699eca00c37f4_Duration" hidden="1"/>
           <p:cNvSpPr txBox="1"/>
           <p:nvPr>
             <p:custDataLst>
@@ -6721,7 +7155,7 @@
       </p:sp>
       <p:sp>
         <p:nvSpPr>
-          <p:cNvPr id="588" name="OTLSHAPE_T_a8b300f39aff4bc58f0699eca00c37f4_TextPercentage" hidden="1"/>
+          <p:cNvPr id="534" name="OTLSHAPE_T_a8b300f39aff4bc58f0699eca00c37f4_TextPercentage" hidden="1"/>
           <p:cNvSpPr txBox="1"/>
           <p:nvPr>
             <p:custDataLst>
@@ -6757,7 +7191,7 @@
       </p:sp>
       <p:sp>
         <p:nvSpPr>
-          <p:cNvPr id="589" name="OTLSHAPE_T_a8b300f39aff4bc58f0699eca00c37f4_StartDate" hidden="1"/>
+          <p:cNvPr id="535" name="OTLSHAPE_T_a8b300f39aff4bc58f0699eca00c37f4_StartDate" hidden="1"/>
           <p:cNvSpPr txBox="1"/>
           <p:nvPr>
             <p:custDataLst>
@@ -6793,7 +7227,7 @@
       </p:sp>
       <p:sp>
         <p:nvSpPr>
-          <p:cNvPr id="590" name="OTLSHAPE_T_a8b300f39aff4bc58f0699eca00c37f4_EndDate" hidden="1"/>
+          <p:cNvPr id="536" name="OTLSHAPE_T_a8b300f39aff4bc58f0699eca00c37f4_EndDate" hidden="1"/>
           <p:cNvSpPr txBox="1"/>
           <p:nvPr>
             <p:custDataLst>
@@ -6829,7 +7263,7 @@
       </p:sp>
       <p:sp>
         <p:nvSpPr>
-          <p:cNvPr id="591" name="OTLSHAPE_T_a8b300f39aff4bc58f0699eca00c37f4_JoinedDate"/>
+          <p:cNvPr id="594" name="OTLSHAPE_T_a8b300f39aff4bc58f0699eca00c37f4_JoinedDate"/>
           <p:cNvSpPr txBox="1"/>
           <p:nvPr>
             <p:custDataLst>
@@ -6839,8 +7273,8 @@
         </p:nvSpPr>
         <p:spPr>
           <a:xfrm>
-            <a:off x="10571852" y="4769443"/>
-            <a:ext cx="1206500" cy="155025"/>
+            <a:off x="10113874" y="4040297"/>
+            <a:ext cx="1206500" cy="323165"/>
           </a:xfrm>
           <a:prstGeom prst="rect">
             <a:avLst/>
@@ -6854,7 +7288,7 @@
           <a:lstStyle/>
           <a:p>
             <a:r>
-              <a:rPr lang="fr-FR" sz="1000" spc="-6" dirty="0" smtClean="0">
+              <a:rPr lang="fr-FR" sz="1050" spc="-6" dirty="0" smtClean="0">
                 <a:solidFill>
                   <a:srgbClr val="44546A"/>
                 </a:solidFill>
@@ -6862,7 +7296,7 @@
               </a:rPr>
               <a:t>20/2/2018 - 27/4/2018</a:t>
             </a:r>
-            <a:endParaRPr lang="fr-FR" sz="1000" spc="-6" dirty="0">
+            <a:endParaRPr lang="fr-FR" sz="1050" spc="-6" dirty="0">
               <a:solidFill>
                 <a:srgbClr val="44546A"/>
               </a:solidFill>
@@ -6873,7 +7307,7 @@
       </p:sp>
       <p:sp>
         <p:nvSpPr>
-          <p:cNvPr id="592" name="OTLSHAPE_T_a8b300f39aff4bc58f0699eca00c37f4_Title"/>
+          <p:cNvPr id="595" name="OTLSHAPE_T_a8b300f39aff4bc58f0699eca00c37f4_Title"/>
           <p:cNvSpPr txBox="1"/>
           <p:nvPr>
             <p:custDataLst>
@@ -6883,8 +7317,8 @@
         </p:nvSpPr>
         <p:spPr>
           <a:xfrm>
-            <a:off x="127000" y="4761696"/>
-            <a:ext cx="749300" cy="170519"/>
+            <a:off x="113522" y="4357233"/>
+            <a:ext cx="1168400" cy="184666"/>
           </a:xfrm>
           <a:prstGeom prst="rect">
             <a:avLst/>
@@ -6898,7 +7332,7 @@
           <a:lstStyle/>
           <a:p>
             <a:r>
-              <a:rPr lang="fr-FR" sz="1100" b="1" spc="-6" smtClean="0">
+              <a:rPr lang="fr-FR" sz="1200" b="1" spc="-6" dirty="0" smtClean="0">
                 <a:solidFill>
                   <a:schemeClr val="dk1"/>
                 </a:solidFill>
@@ -6906,7 +7340,379 @@
               </a:rPr>
               <a:t>Assemblages</a:t>
             </a:r>
-            <a:endParaRPr lang="fr-FR" sz="1100" b="1" spc="-6">
+            <a:endParaRPr lang="fr-FR" sz="1200" b="1" spc="-6" dirty="0">
+              <a:solidFill>
+                <a:schemeClr val="dk1"/>
+              </a:solidFill>
+              <a:latin typeface="Calibri"/>
+            </a:endParaRPr>
+          </a:p>
+        </p:txBody>
+      </p:sp>
+      <p:sp>
+        <p:nvSpPr>
+          <p:cNvPr id="596" name="OTLSHAPE_T_323585acf7fe4c43b0e4c7fec3541ec9_Shape"/>
+          <p:cNvSpPr/>
+          <p:nvPr>
+            <p:custDataLst>
+              <p:tags r:id="rId58"/>
+            </p:custDataLst>
+          </p:nvPr>
+        </p:nvSpPr>
+        <p:spPr>
+          <a:xfrm>
+            <a:off x="2919099" y="4910455"/>
+            <a:ext cx="6921500" cy="203200"/>
+          </a:xfrm>
+          <a:prstGeom prst="roundRect">
+            <a:avLst/>
+          </a:prstGeom>
+          <a:solidFill>
+            <a:srgbClr val="B72A00"/>
+          </a:solidFill>
+          <a:ln w="13970" cap="flat" cmpd="sng" algn="ctr">
+            <a:noFill/>
+            <a:prstDash val="solid"/>
+          </a:ln>
+          <a:effectLst/>
+          <a:scene3d>
+            <a:camera prst="orthographicFront"/>
+            <a:lightRig rig="balanced" dir="t">
+              <a:rot lat="0" lon="0" rev="8700000"/>
+            </a:lightRig>
+          </a:scene3d>
+          <a:sp3d>
+            <a:bevelT w="165100" h="12700"/>
+          </a:sp3d>
+          <a:extLst>
+            <a:ext uri="{91240B29-F687-4F45-9708-019B960494DF}">
+              <a14:hiddenLine xmlns:a14="http://schemas.microsoft.com/office/drawing/2010/main" w="13970" cap="flat" cmpd="sng" algn="ctr">
+                <a:solidFill>
+                  <a:schemeClr val="accent1">
+                    <a:shade val="50000"/>
+                  </a:schemeClr>
+                </a:solidFill>
+                <a:prstDash val="solid"/>
+              </a14:hiddenLine>
+            </a:ext>
+            <a:ext uri="{AF507438-7753-43E0-B8FC-AC1667EBCBE1}">
+              <a14:hiddenEffects xmlns:a14="http://schemas.microsoft.com/office/drawing/2010/main">
+                <a:effectLst>
+                  <a:outerShdw>
+                    <a:scrgbClr r="0" g="0" b="0">
+                      <a:alpha val="50000"/>
+                    </a:scrgbClr>
+                  </a:outerShdw>
+                </a:effectLst>
+              </a14:hiddenEffects>
+            </a:ext>
+            <a:ext uri="{53640926-AAD7-44D8-BBD7-CCE9431645EC}">
+              <a14:shadowObscured xmlns:a14="http://schemas.microsoft.com/office/drawing/2010/main" val="1"/>
+            </a:ext>
+          </a:extLst>
+        </p:spPr>
+        <p:style>
+          <a:lnRef idx="2">
+            <a:schemeClr val="accent1">
+              <a:shade val="50000"/>
+            </a:schemeClr>
+          </a:lnRef>
+          <a:fillRef idx="1">
+            <a:schemeClr val="accent1"/>
+          </a:fillRef>
+          <a:effectRef idx="0">
+            <a:schemeClr val="accent1"/>
+          </a:effectRef>
+          <a:fontRef idx="minor">
+            <a:schemeClr val="lt1"/>
+          </a:fontRef>
+        </p:style>
+        <p:txBody>
+          <a:bodyPr rtlCol="0" anchor="ctr"/>
+          <a:lstStyle/>
+          <a:p>
+            <a:pPr algn="ctr"/>
+            <a:endParaRPr lang="fr-FR" sz="2000"/>
+          </a:p>
+        </p:txBody>
+      </p:sp>
+      <p:sp>
+        <p:nvSpPr>
+          <p:cNvPr id="597" name="OTLSHAPE_T_323585acf7fe4c43b0e4c7fec3541ec9_ShapePercentage" hidden="1"/>
+          <p:cNvSpPr/>
+          <p:nvPr>
+            <p:custDataLst>
+              <p:tags r:id="rId59"/>
+            </p:custDataLst>
+          </p:nvPr>
+        </p:nvSpPr>
+        <p:spPr>
+          <a:xfrm>
+            <a:off x="2961543" y="5012055"/>
+            <a:ext cx="0" cy="0"/>
+          </a:xfrm>
+          <a:prstGeom prst="roundRect">
+            <a:avLst/>
+          </a:prstGeom>
+        </p:spPr>
+        <p:style>
+          <a:lnRef idx="2">
+            <a:schemeClr val="accent1">
+              <a:shade val="50000"/>
+            </a:schemeClr>
+          </a:lnRef>
+          <a:fillRef idx="1">
+            <a:schemeClr val="accent1"/>
+          </a:fillRef>
+          <a:effectRef idx="0">
+            <a:schemeClr val="accent1"/>
+          </a:effectRef>
+          <a:fontRef idx="minor">
+            <a:schemeClr val="lt1"/>
+          </a:fontRef>
+        </p:style>
+        <p:txBody>
+          <a:bodyPr rtlCol="0" anchor="ctr"/>
+          <a:lstStyle/>
+          <a:p>
+            <a:pPr algn="ctr"/>
+            <a:endParaRPr lang="fr-FR"/>
+          </a:p>
+        </p:txBody>
+      </p:sp>
+      <p:sp>
+        <p:nvSpPr>
+          <p:cNvPr id="598" name="OTLSHAPE_T_323585acf7fe4c43b0e4c7fec3541ec9_Duration" hidden="1"/>
+          <p:cNvSpPr txBox="1"/>
+          <p:nvPr>
+            <p:custDataLst>
+              <p:tags r:id="rId60"/>
+            </p:custDataLst>
+          </p:nvPr>
+        </p:nvSpPr>
+        <p:spPr>
+          <a:xfrm>
+            <a:off x="0" y="5012055"/>
+            <a:ext cx="419100" cy="155025"/>
+          </a:xfrm>
+          <a:prstGeom prst="rect">
+            <a:avLst/>
+          </a:prstGeom>
+          <a:noFill/>
+        </p:spPr>
+        <p:txBody>
+          <a:bodyPr vert="horz" wrap="square" lIns="0" tIns="0" rIns="0" bIns="0" rtlCol="0" anchor="ctr" anchorCtr="0">
+            <a:spAutoFit/>
+          </a:bodyPr>
+          <a:lstStyle/>
+          <a:p>
+            <a:pPr algn="ctr"/>
+            <a:r>
+              <a:rPr lang="fr-FR" sz="1000" smtClean="0">
+                <a:solidFill>
+                  <a:srgbClr val="ED7D31"/>
+                </a:solidFill>
+                <a:latin typeface="Calibri"/>
+              </a:rPr>
+              <a:t>75 jours</a:t>
+            </a:r>
+            <a:endParaRPr lang="fr-FR" sz="1000">
+              <a:solidFill>
+                <a:srgbClr val="ED7D31"/>
+              </a:solidFill>
+              <a:latin typeface="Calibri"/>
+            </a:endParaRPr>
+          </a:p>
+        </p:txBody>
+      </p:sp>
+      <p:sp>
+        <p:nvSpPr>
+          <p:cNvPr id="599" name="OTLSHAPE_T_323585acf7fe4c43b0e4c7fec3541ec9_TextPercentage" hidden="1"/>
+          <p:cNvSpPr txBox="1"/>
+          <p:nvPr>
+            <p:custDataLst>
+              <p:tags r:id="rId61"/>
+            </p:custDataLst>
+          </p:nvPr>
+        </p:nvSpPr>
+        <p:spPr>
+          <a:xfrm>
+            <a:off x="0" y="5167080"/>
+            <a:ext cx="0" cy="153888"/>
+          </a:xfrm>
+          <a:prstGeom prst="rect">
+            <a:avLst/>
+          </a:prstGeom>
+          <a:noFill/>
+        </p:spPr>
+        <p:txBody>
+          <a:bodyPr vert="horz" wrap="square" lIns="0" tIns="0" rIns="0" bIns="0" rtlCol="0" anchor="ctr" anchorCtr="0">
+            <a:spAutoFit/>
+          </a:bodyPr>
+          <a:lstStyle/>
+          <a:p>
+            <a:pPr algn="ctr"/>
+            <a:endParaRPr lang="fr-FR" sz="1000">
+              <a:solidFill>
+                <a:srgbClr val="ED7D31"/>
+              </a:solidFill>
+              <a:latin typeface="Calibri"/>
+            </a:endParaRPr>
+          </a:p>
+        </p:txBody>
+      </p:sp>
+      <p:sp>
+        <p:nvSpPr>
+          <p:cNvPr id="600" name="OTLSHAPE_T_323585acf7fe4c43b0e4c7fec3541ec9_StartDate" hidden="1"/>
+          <p:cNvSpPr txBox="1"/>
+          <p:nvPr>
+            <p:custDataLst>
+              <p:tags r:id="rId62"/>
+            </p:custDataLst>
+          </p:nvPr>
+        </p:nvSpPr>
+        <p:spPr>
+          <a:xfrm>
+            <a:off x="0" y="5167080"/>
+            <a:ext cx="0" cy="153888"/>
+          </a:xfrm>
+          <a:prstGeom prst="rect">
+            <a:avLst/>
+          </a:prstGeom>
+          <a:noFill/>
+        </p:spPr>
+        <p:txBody>
+          <a:bodyPr vert="horz" wrap="square" lIns="0" tIns="0" rIns="0" bIns="0" rtlCol="0" anchor="ctr" anchorCtr="0">
+            <a:spAutoFit/>
+          </a:bodyPr>
+          <a:lstStyle/>
+          <a:p>
+            <a:pPr algn="ctr"/>
+            <a:endParaRPr lang="fr-FR" sz="1000">
+              <a:solidFill>
+                <a:srgbClr val="44546A"/>
+              </a:solidFill>
+              <a:latin typeface="Calibri"/>
+            </a:endParaRPr>
+          </a:p>
+        </p:txBody>
+      </p:sp>
+      <p:sp>
+        <p:nvSpPr>
+          <p:cNvPr id="601" name="OTLSHAPE_T_323585acf7fe4c43b0e4c7fec3541ec9_EndDate" hidden="1"/>
+          <p:cNvSpPr txBox="1"/>
+          <p:nvPr>
+            <p:custDataLst>
+              <p:tags r:id="rId63"/>
+            </p:custDataLst>
+          </p:nvPr>
+        </p:nvSpPr>
+        <p:spPr>
+          <a:xfrm>
+            <a:off x="0" y="5167080"/>
+            <a:ext cx="0" cy="153888"/>
+          </a:xfrm>
+          <a:prstGeom prst="rect">
+            <a:avLst/>
+          </a:prstGeom>
+          <a:noFill/>
+        </p:spPr>
+        <p:txBody>
+          <a:bodyPr vert="horz" wrap="square" lIns="0" tIns="0" rIns="0" bIns="0" rtlCol="0" anchor="ctr" anchorCtr="0">
+            <a:spAutoFit/>
+          </a:bodyPr>
+          <a:lstStyle/>
+          <a:p>
+            <a:pPr algn="ctr"/>
+            <a:endParaRPr lang="fr-FR" sz="1000">
+              <a:solidFill>
+                <a:srgbClr val="44546A"/>
+              </a:solidFill>
+              <a:latin typeface="Calibri"/>
+            </a:endParaRPr>
+          </a:p>
+        </p:txBody>
+      </p:sp>
+      <p:sp>
+        <p:nvSpPr>
+          <p:cNvPr id="602" name="OTLSHAPE_T_323585acf7fe4c43b0e4c7fec3541ec9_JoinedDate"/>
+          <p:cNvSpPr txBox="1"/>
+          <p:nvPr>
+            <p:custDataLst>
+              <p:tags r:id="rId64"/>
+            </p:custDataLst>
+          </p:nvPr>
+        </p:nvSpPr>
+        <p:spPr>
+          <a:xfrm>
+            <a:off x="9901425" y="4818600"/>
+            <a:ext cx="1130300" cy="323165"/>
+          </a:xfrm>
+          <a:prstGeom prst="rect">
+            <a:avLst/>
+          </a:prstGeom>
+          <a:noFill/>
+        </p:spPr>
+        <p:txBody>
+          <a:bodyPr vert="horz" wrap="square" lIns="0" tIns="0" rIns="0" bIns="0" rtlCol="0" anchor="ctr" anchorCtr="0">
+            <a:spAutoFit/>
+          </a:bodyPr>
+          <a:lstStyle/>
+          <a:p>
+            <a:r>
+              <a:rPr lang="fr-FR" sz="1050" spc="-6" dirty="0" smtClean="0">
+                <a:solidFill>
+                  <a:srgbClr val="44546A"/>
+                </a:solidFill>
+                <a:latin typeface="Calibri"/>
+              </a:rPr>
+              <a:t>2/5/2018 - 4/20/2018</a:t>
+            </a:r>
+            <a:endParaRPr lang="fr-FR" sz="1050" spc="-6" dirty="0">
+              <a:solidFill>
+                <a:srgbClr val="44546A"/>
+              </a:solidFill>
+              <a:latin typeface="Calibri"/>
+            </a:endParaRPr>
+          </a:p>
+        </p:txBody>
+      </p:sp>
+      <p:sp>
+        <p:nvSpPr>
+          <p:cNvPr id="603" name="OTLSHAPE_T_323585acf7fe4c43b0e4c7fec3541ec9_Title"/>
+          <p:cNvSpPr txBox="1"/>
+          <p:nvPr>
+            <p:custDataLst>
+              <p:tags r:id="rId65"/>
+            </p:custDataLst>
+          </p:nvPr>
+        </p:nvSpPr>
+        <p:spPr>
+          <a:xfrm>
+            <a:off x="102101" y="4869602"/>
+            <a:ext cx="1772476" cy="184666"/>
+          </a:xfrm>
+          <a:prstGeom prst="rect">
+            <a:avLst/>
+          </a:prstGeom>
+          <a:noFill/>
+        </p:spPr>
+        <p:txBody>
+          <a:bodyPr vert="horz" wrap="square" lIns="0" tIns="0" rIns="0" bIns="0" rtlCol="0" anchor="ctr" anchorCtr="0">
+            <a:spAutoFit/>
+          </a:bodyPr>
+          <a:lstStyle/>
+          <a:p>
+            <a:r>
+              <a:rPr lang="fr-FR" sz="1200" b="1" spc="-6" dirty="0" smtClean="0">
+                <a:solidFill>
+                  <a:schemeClr val="dk1"/>
+                </a:solidFill>
+                <a:latin typeface="Calibri"/>
+              </a:rPr>
+              <a:t>Création de l'application</a:t>
+            </a:r>
+            <a:endParaRPr lang="fr-FR" sz="1200" b="1" spc="-6" dirty="0">
               <a:solidFill>
                 <a:schemeClr val="dk1"/>
               </a:solidFill>
@@ -6975,12 +7781,19 @@
   <p:clrMapOvr>
     <a:masterClrMapping/>
   </p:clrMapOvr>
+  <p:timing>
+    <p:tnLst>
+      <p:par>
+        <p:cTn id="1" dur="indefinite" restart="never" nodeType="tmRoot"/>
+      </p:par>
+    </p:tnLst>
+  </p:timing>
 </p:sld>
 </file>
 
 <file path=ppt/tags/tag1.xml><?xml version="1.0" encoding="utf-8"?>
 <p:tagLst xmlns:a="http://schemas.openxmlformats.org/drawingml/2006/main" xmlns:r="http://schemas.openxmlformats.org/officeDocument/2006/relationships" xmlns:p="http://schemas.openxmlformats.org/presentationml/2006/main">
-  <p:tag name="__PART_0" val="eyIkaWQiOiIxIiwiQ3VsdHVyZUluZm9OYW1lIjoiZnItRlIiLCJTdHlsZU5hbWUiOm51bGwsIlZlcnNpb24iOnsiJGlkIjoiMiIsIlZlcnNpb24iOiIzLjEuMSIsIk9yaWdpbmFsQXNzZW1ibHlWZXJzaW9uIjoiMy4xOC4wMi4wMCIsIkVkaXRpb24iOiJCYXNpYyIsIklzUGx1c0VkaXRpb24iOmZhbHNlfSwiRWZmZWN0IjoxLCJTdHlsZSI6eyIkaWQiOiIzIiwiVGltZWJhbmRTdHlsZSI6eyIkaWQiOiI0IiwiU2NhbGVNYXJraW5nIjowLCJTaGFwZSI6MCwiU2hhcGVTdHlsZSI6eyIkaWQiOiI1IiwiTWFyZ2luIjp7IiRpZCI6IjYiLCJUb3AiOjAsIkxlZnQiOjEyLCJSaWdodCI6MTIsIkJvdHRvbSI6MH0sIlBhZGRpbmciOnsiJGlkIjoiNyIsIlRvcCI6NywiTGVmdCI6MCwiUmlnaHQiOjAsIkJvdHRvbSI6N30sIkJhY2tncm91bmQiOnsiJGlkIjoiOCIsIkNvbG9yIjp7IiRpZCI6IjkiLCJBIjoyNTUsIlIiOjEwNSwiRyI6MTAwLCJCIjoxMDB9fSwiSXNWaXNpYmxlIjp0cnVlLCJXaWR0aCI6ODU4LjAsIkhlaWdodCI6MzAuMCwiQm9yZGVyU3R5bGUiOnsiJGlkIjoiMTAiLCJMaW5lQ29sb3IiOnsiJGlkIjoiMTEiLCIkdHlwZSI6Ik5MUkUuQ29tbW9uLkRvbS5Tb2xpZENvbG9yQnJ1c2gsIE5MUkUuQ29tbW9uIiwiQ29sb3IiOnsiJGlkIjoiMTIiLCJBIjoyNTUsIlIiOjI1NSwiRyI6MCwiQiI6MH19LCJMaW5lV2VpZ2h0IjowLjAsIkxpbmVUeXBlIjowLCJQYXJlbnRTdHlsZSI6bnVsbH0sIlBhcmVudFN0eWxlIjpudWxsfSwiUmlnaHRFbmRDYXBzU3R5bGUiOnsiJGlkIjoiMTMiLCJGb250U2V0dGluZ3MiOnsiJGlkIjoiMTQiLCJGb250U2l6ZSI6MTgsIkZvbnROYW1lIjoiQ2FsaWJyaSIsIklzQm9sZCI6dHJ1ZSwiSXNJdGFsaWMiOmZhbHNlLCJJc1VuZGVybGluZWQiOmZhbHNlLCJQYXJlbnRTdHlsZSI6bnVsbH0sIkF1dG9TaXplIjowLCJGb3JlZ3JvdW5kIjp7IiRpZCI6IjE1IiwiQ29sb3IiOnsiJGlkIjoiMTYiLCJBIjoyNTUsIlIiOjIzNywiRyI6MTI1LCJCIjo0OX19LCJNYXhXaWR0aCI6IkluZmluaXR5IiwiTWF4SGVpZ2h0IjoiSW5maW5pdHkiLCJTbWFydEZvcmVncm91bmRJc0FjdGl2ZSI6ZmFsc2UsIkhvcml6b250YWxBbGlnbm1lbnQiOjAsIlZlcnRpY2FsQWxpZ25tZW50IjowLCJTbWFydEZvcmVncm91bmQiOm51bGwsIk1hcmdpbiI6eyIkaWQiOiIxNyIsIlRvcCI6MCwiTGVmdCI6MCwiUmlnaHQiOjI1LCJCb3R0b20iOjB9LCJQYWRkaW5nIjp7IiRpZCI6IjE4IiwiVG9wIjowLCJMZWZ0IjowLCJSaWdodCI6MCwiQm90dG9tIjowfSwiQmFja2dyb3VuZCI6eyIkaWQiOiIxOSIsIkNvbG9yIjp7IiRpZCI6IjIwIiwiQSI6ODksIlIiOjAsIkciOjAsIkIiOjB9fSwiSXNWaXNpYmxlIjp0cnVlLCJXaWR0aCI6MC4wLCJIZWlnaHQiOjAuMCwiQm9yZGVyU3R5bGUiOm51bGwsIlBhcmVudFN0eWxlIjpudWxsfSwiTGVmdEVuZENhcHNTdHlsZSI6eyIkaWQiOiIyMSIsIkZvbnRTZXR0aW5ncyI6eyIkaWQiOiIyMiIsIkZvbnRTaXplIjoxOCwiRm9udE5hbWUiOiJDYWxpYnJpIiwiSXNCb2xkIjp0cnVlLCJJc0l0YWxpYyI6ZmFsc2UsIklzVW5kZXJsaW5lZCI6ZmFsc2UsIlBhcmVudFN0eWxlIjpudWxsfSwiQXV0b1NpemUiOjAsIkZvcmVncm91bmQiOnsiJGlkIjoiMjMiLCJDb2xvciI6eyIkaWQiOiIyNCIsIkEiOjI1NSwiUiI6MjM3LCJHIjoxMjUsIkIiOjQ5fX0sIk1heFdpZHRoIjoiSW5maW5pdHkiLCJNYXhIZWlnaHQiOiJJbmZpbml0eSIsIlNtYXJ0Rm9yZWdyb3VuZElzQWN0aXZlIjpmYWxzZSwiSG9yaXpvbnRhbEFsaWdubWVudCI6MCwiVmVydGljYWxBbGlnbm1lbnQiOjAsIlNtYXJ0Rm9yZWdyb3VuZCI6bnVsbCwiTWFyZ2luIjp7IiRpZCI6IjI1IiwiVG9wIjowLCJMZWZ0IjoyNSwiUmlnaHQiOjAsIkJvdHRvbSI6MH0sIlBhZGRpbmciOnsiJGlkIjoiMjYiLCJUb3AiOjAsIkxlZnQiOjAsIlJpZ2h0IjowLCJCb3R0b20iOjB9LCJCYWNrZ3JvdW5kIjp7IiRpZCI6IjI3IiwiQ29sb3IiOnsiJHJlZiI6IjIwIn19LCJJc1Zpc2libGUiOnRydWUsIldpZHRoIjowLjAsIkhlaWdodCI6MC4wLCJCb3JkZXJTdHlsZSI6bnVsbCwiUGFyZW50U3R5bGUiOm51bGx9LCJUb2RheVRleHRTdHlsZSI6eyIkaWQiOiIyOCIsIkZvbnRTZXR0aW5ncyI6eyIkaWQiOiIyOSIsIkZvbnRTaXplIjoxMiwiRm9udE5hbWUiOiJDYWxpYnJpIiwiSXNCb2xkIjpmYWxzZSwiSXNJdGFsaWMiOmZhbHNlLCJJc1VuZGVybGluZWQiOmZhbHNlLCJQYXJlbnRTdHlsZSI6bnVsbH0sIkF1dG9TaXplIjowLCJGb3JlZ3JvdW5kIjp7IiRpZCI6IjMwIiwiQ29sb3IiOnsiJGlkIjoiMzEiLCJBIjoyNTUsIlIiOjAsIkciOjAsIkIiOjB9fSwiTWF4V2lkdGgiOjIwMC4wLCJNYXhIZWlnaHQiOiJJbmZpbml0eSIsIlNtYXJ0Rm9yZWdyb3VuZElzQWN0aXZlIjpmYWxzZSwiSG9yaXpvbnRhbEFsaWdubWVudCI6MCwiVmVydGljYWxBbGlnbm1lbnQiOjAsIlNtYXJ0Rm9yZWdyb3VuZCI6bnVsbCwiTWFyZ2luIjp7IiRpZCI6IjMyIiwiVG9wIjowLCJMZWZ0IjowLCJSaWdodCI6MCwiQm90dG9tIjowfSwiUGFkZGluZyI6eyIkaWQiOiIzMyIsIlRvcCI6MCwiTGVmdCI6MCwiUmlnaHQiOjAsIkJvdHRvbSI6MH0sIkJhY2tncm91bmQiOnsiJGlkIjoiMzQiLCJDb2xvciI6eyIkcmVmIjoiMjAifX0sIklzVmlzaWJsZSI6dHJ1ZSwiV2lkdGgiOjAuMCwiSGVpZ2h0IjowLjAsIkJvcmRlclN0eWxlIjpudWxsLCJQYXJlbnRTdHlsZSI6bnVsbH0sIlRvZGF5TWFya2VyU3R5bGUiOnsiJGlkIjoiMzUiLCJNYXJnaW4iOnsiJGlkIjoiMzYiLCJUb3AiOjAsIkxlZnQiOjAsIlJpZ2h0IjowLCJCb3R0b20iOjB9LCJQYWRkaW5nIjp7IiRpZCI6IjM3IiwiVG9wIjowLCJMZWZ0IjowLCJSaWdodCI6MCwiQm90dG9tIjowfSwiQmFja2dyb3VuZCI6eyIkaWQiOiIzOCIsIkNvbG9yIjp7IiRpZCI6IjM5IiwiQSI6MjU1LCJSIjoyNTUsIkciOjAsIkIiOjB9fSwiSXNWaXNpYmxlIjp0cnVlLCJXaWR0aCI6MC4wLCJIZWlnaHQiOjAuMCwiQm9yZGVyU3R5bGUiOm51bGwsIlBhcmVudFN0eWxlIjpudWxsfSwiU2NhbGVTdHlsZSI6eyIkaWQiOiI0MCIsIlNob3dTZWdtZW50U2VwYXJhdG9ycyI6dHJ1ZSwiU2VnbWVudFNlcGFyYXRvck9wYWNpdHkiOjMwLCJGb250U2V0dGluZ3MiOnsiJGlkIjoiNDEiLCJGb250U2l6ZSI6MTIsIkZvbnROYW1lIjoiQ2FsaWJyaSIsIklzQm9sZCI6ZmFsc2UsIklzSXRhbGljIjpmYWxzZSwiSXNVbmRlcmxpbmVkIjpmYWxzZSwiUGFyZW50U3R5bGUiOm51bGx9LCJBdXRvU2l6ZSI6MCwiRm9yZWdyb3VuZCI6eyIkaWQiOiI0MiIsIkNvbG9yIjp7IiRpZCI6IjQzIiwiQSI6MjU1LCJSIjoyNTUsIkciOjI1NSwiQiI6MjU1fX0sIk1heFdpZHRoIjoyMDAuMCwiTWF4SGVpZ2h0IjoiSW5maW5pdHkiLCJTbWFydEZvcmVncm91bmRJc0FjdGl2ZSI6ZmFsc2UsIkhvcml6b250YWxBbGlnbm1lbnQiOjAsIlZlcnRpY2FsQWxpZ25tZW50IjoxLCJTbWFydEZvcmVncm91bmQiOm51bGwsIk1hcmdpbiI6eyIkaWQiOiI0NCIsIlRvcCI6MCwiTGVmdCI6NSwiUmlnaHQiOjAsIkJvdHRvbSI6MH0sIlBhZGRpbmciOnsiJGlkIjoiNDUiLCJUb3AiOjAsIkxlZnQiOjAsIlJpZ2h0IjowLCJCb3R0b20iOjB9LCJCYWNrZ3JvdW5kIjp7IiRpZCI6IjQ2IiwiQ29sb3IiOnsiJHJlZiI6IjIwIn19LCJJc1Zpc2libGUiOnRydWUsIldpZHRoIjowLjAsIkhlaWdodCI6MC4wLCJCb3JkZXJTdHlsZSI6bnVsbCwiUGFyZW50U3R5bGUiOm51bGx9LCJFbGFwc2VkVGltZUJhY2tncm91bmQiOnsiJGlkIjoiNDciLCJDb2xvciI6eyIkaWQiOiI0OCIsIkEiOjE5MSwiUiI6MjU1LCJHIjowLCJCIjowfX0sIkFwcGVuZFllYXJPblllYXJDaGFuZ2UiOnRydWUsIkVsYXBzZWRUaW1lRm9ybWF0IjoyLCJUb2RheU1hcmtlclBvc2l0aW9uIjozLCJRdWlja1Bvc2l0aW9uIjoxLCJBYnNvbHV0ZVBvc2l0aW9uIjoyNDAuMCwiTWFyZ2luIjp7IiRpZCI6IjQ5IiwiVG9wIjowLCJMZWZ0IjoxMCwiUmlnaHQiOjEwLCJCb3R0b20iOjB9LCJQYWRkaW5nIjp7IiRpZCI6IjUwIiwiVG9wIjowLCJMZWZ0IjowLCJSaWdodCI6MCwiQm90dG9tIjowfSwiQmFja2dyb3VuZCI6eyIkaWQiOiI1MSIsIkNvbG9yIjp7IiRpZCI6IjUyIiwiQSI6MjU1LCJSIjozMSwiRyI6NzMsIkIiOjEyNX19LCJJc1Zpc2libGUiOnRydWUsIldpZHRoIjowLjAsIkhlaWdodCI6MC4wLCJCb3JkZXJTdHlsZSI6bnVsbCwiUGFyZW50U3R5bGUiOm51bGx9LCJEZWZhdWx0TWlsZXN0b25lU3R5bGUiOnsiJGlkIjoiNTMiLCJTaGFwZSI6MiwiQ29ubmVjdG9yTWFyZ2luIjp7IiRpZCI6IjU0IiwiVG9wIjowLCJMZWZ0IjoyLCJSaWdodCI6MiwiQm90dG9tIjowfSwiQ29ubmVjdG9yU3R5bGUiOnsiJGlkIjoiNTUiLCJMaW5lQ29sb3IiOnsiJGlkIjoiNTYiLCIkdHlwZSI6Ik5MUkUuQ29tbW9uLkRvbS5Tb2xpZENvbG9yQnJ1c2gsIE5MUkUuQ29tbW9uIiwiQ29sb3IiOnsiJGlkIjoiNTciLCJBIjoxMjcsIlIiOjMxLCJHIjo3MywiQiI6MTI2fX0sIkxpbmVXZWlnaHQiOjEuMCwiTGluZVR5cGUiOjAsIlBhcmVudFN0eWxlIjpudWxsfSwiSXNCZWxvd1RpbWViYW5kIjpmYWxzZSwiSGlkZURhdGUiOmZhbHNlLCJTaGFwZVNpemUiOjEsIlNwYWNpbmciOjEuMCwiUGFkZGluZyI6eyIkaWQiOiI1OCIsIlRvcCI6NywiTGVmdCI6MywiUmlnaHQiOjAsIkJvdHRvbSI6Mn0sIlNoYXBlU3R5bGUiOnsiJGlkIjoiNTkiLCJNYXJnaW4iOnsiJGlkIjoiNjAiLCJUb3AiOjAsIkxlZnQiOjAsIlJpZ2h0IjowLCJCb3R0b20iOjB9LCJQYWRkaW5nIjp7IiRpZCI6IjYxIiwiVG9wIjowLCJMZWZ0IjowLCJSaWdodCI6MCwiQm90dG9tIjowfSwiQmFja2dyb3VuZCI6eyIkaWQiOiI2MiIsIkNvbG9yIjp7IiRpZCI6IjYzIiwiQSI6MjU1LCJSIjowLCJHIjoxMTQsIkIiOjE4OH19LCJJc1Zpc2libGUiOnRydWUsIldpZHRoIjoxOC4wLCJIZWlnaHQiOjIwLjAsIkJvcmRlclN0eWxlIjp7IiRpZCI6IjY0IiwiTGluZUNvbG9yIjp7IiRpZCI6IjY1IiwiJHR5cGUiOiJOTFJFLkNvbW1vbi5Eb20uU29saWRDb2xvckJydXNoLCBOTFJFLkNvbW1vbiIsIkNvbG9yIjp7IiRpZCI6IjY2IiwiQSI6MjU1LCJSIjoyNTUsIkciOjAsIkIiOjB9fSwiTGluZVdlaWdodCI6MC4wLCJMaW5lVHlwZSI6MCwiUGFyZW50U3R5bGUiOm51bGx9LCJQYXJlbnRTdHlsZSI6bnVsbH0sIlRpdGxlU3R5bGUiOnsiJGlkIjoiNjciLCJGb250U2V0dGluZ3MiOnsiJGlkIjoiNjgiLCJGb250U2l6ZSI6MTEsIkZvbnROYW1lIjoiQ2FsaWJyaSIsIklzQm9sZCI6dHJ1ZSwiSXNJdGFsaWMiOmZhbHNlLCJJc1VuZGVybGluZWQiOmZhbHNlLCJQYXJlbnRTdHlsZSI6bnVsbH0sIkF1dG9TaXplIjowLCJGb3JlZ3JvdW5kIjp7IiRpZCI6IjY5IiwiQ29sb3IiOnsiJGlkIjoiNzAiLCJBIjoyNTUsIlIiOjAsIkciOjAsIkIiOjB9fSwiTWF4V2lkdGgiOjIwMC4wLCJNYXhIZWlnaHQiOiJJbmZpbml0eSIsIlNtYXJ0Rm9yZWdyb3VuZElzQWN0aXZlIjpmYWxzZSwiSG9yaXpvbnRhbEFsaWdubWVudCI6MCwiVmVydGljYWxBbGlnbm1lbnQiOjAsIlNtYXJ0Rm9yZWdyb3VuZCI6bnVsbCwiTWFyZ2luIjp7IiRpZCI6IjcxIiwiVG9wIjowLCJMZWZ0IjowLCJSaWdodCI6MCwiQm90dG9tIjowfSwiUGFkZGluZyI6eyIkaWQiOiI3MiIsIlRvcCI6MCwiTGVmdCI6MCwiUmlnaHQiOjAsIkJvdHRvbSI6MH0sIkJhY2tncm91bmQiOnsiJGlkIjoiNzMiLCJDb2xvciI6eyIkcmVmIjoiMjAifX0sIklzVmlzaWJsZSI6dHJ1ZSwiV2lkdGgiOjAuMCwiSGVpZ2h0IjowLjAsIkJvcmRlclN0eWxlIjpudWxsLCJQYXJlbnRTdHlsZSI6bnVsbH0sIkRhdGVTdHlsZSI6eyIkaWQiOiI3NCIsIkZvbnRTZXR0aW5ncyI6eyIkaWQiOiI3NSIsIkZvbnRTaXplIjoxMCwiRm9udE5hbWUiOiJDYWxpYnJpIiwiSXNCb2xkIjpmYWxzZSwiSXNJdGFsaWMiOmZhbHNlLCJJc1VuZGVybGluZWQiOmZhbHNlLCJQYXJlbnRTdHlsZSI6bnVsbH0sIkF1dG9TaXplIjowLCJGb3JlZ3JvdW5kIjp7IiRpZCI6Ijc2IiwiQ29sb3IiOnsiJGlkIjoiNzciLCJBIjoyNTUsIlIiOjY4LCJHIjo4NCwiQiI6MTA2fX0sIk1heFdpZHRoIjoyMDAuMCwiTWF4SGVpZ2h0IjoiSW5maW5pdHkiLCJTbWFydEZvcmVncm91bmRJc0FjdGl2ZSI6ZmFsc2UsIkhvcml6b250YWxBbGlnbm1lbnQiOjAsIlZlcnRpY2FsQWxpZ25tZW50IjowLCJTbWFydEZvcmVncm91bmQiOm51bGwsIk1hcmdpbiI6eyIkaWQiOiI3OCIsIlRvcCI6MCwiTGVmdCI6MCwiUmlnaHQiOjAsIkJvdHRvbSI6MH0sIlBhZGRpbmciOnsiJGlkIjoiNzkiLCJUb3AiOjAsIkxlZnQiOjAsIlJpZ2h0IjowLCJCb3R0b20iOjB9LCJCYWNrZ3JvdW5kIjp7IiRpZCI6IjgwIiwiQ29sb3IiOnsiJHJlZiI6IjIwIn19LCJJc1Zpc2libGUiOnRydWUsIldpZHRoIjowLjAsIkhlaWdodCI6MC4wLCJCb3JkZXJTdHlsZSI6bnVsbCwiUGFyZW50U3R5bGUiOm51bGx9LCJEYXRlRm9ybWF0Ijp7IiRpZCI6IjgxIiwiRm9ybWF0U3RyaW5nIjoiTS9kL3l5eXkiLCJTZXBhcmF0b3IiOiIvIiwiVXNlSW50ZXJuYXRpb25hbERhdGVGb3JtYXQiOmZhbHNlLCJEYXRlSXNWaXNpYmxlIjp0cnVlLCJUaW1lSXNWaXNpYmxlIjpmYWxzZSwiSG91ckRpZ2l0cyI6MSwiQW1QbURlc2lnbmF0b3IiOjIsIlRyaW0wME1pbnV0ZXMiOmZhbHNlLCJMYXN0S25vd25WaXNpYmlsaXR5U3RhdGUiOm51bGx9LCJJc1Zpc2libGUiOnRydWUsIlBhcmVudFN0eWxlIjpudWxsfSwiRGVmYXVsdFRhc2tTdHlsZSI6eyIkaWQiOiI4MiIsIlNoYXBlIjowLCJTaGFwZVRoaWNrbmVzcyI6MSwiRHVyYXRpb25Gb3JtYXQiOjAsIkluY2x1ZGVOb25Xb3JraW5nRGF5c0luRHVyYXRpb24iOmZhbHNlLCJQZXJjZW50YWdlQ29tcGxldGVTdHlsZSI6eyIkaWQiOiI4MyIsIkZvbnRTZXR0aW5ncyI6eyIkaWQiOiI4NCIsIkZvbnRTaXplIjoxMCwiRm9udE5hbWUiOiJDYWxpYnJpIiwiSXNCb2xkIjpmYWxzZSwiSXNJdGFsaWMiOmZhbHNlLCJJc1VuZGVybGluZWQiOmZhbHNlLCJQYXJlbnRTdHlsZSI6bnVsbH0sIkF1dG9TaXplIjowLCJGb3JlZ3JvdW5kIjp7IiRpZCI6Ijg1IiwiQ29sb3IiOnsiJGlkIjoiODYiLCJBIjoyNTUsIlIiOjIzNywiRyI6MTI1LCJCIjo0OX19LCJNYXhXaWR0aCI6MjAwLjAsIk1heEhlaWdodCI6IkluZmluaXR5IiwiU21hcnRGb3JlZ3JvdW5kSXNBY3RpdmUiOmZhbHNlLCJIb3Jpem9udGFsQWxpZ25tZW50IjowLCJWZXJ0aWNhbEFsaWdubWVudCI6MCwiU21hcnRGb3JlZ3JvdW5kIjpudWxsLCJNYXJnaW4iOnsiJGlkIjoiODciLCJUb3AiOjAsIkxlZnQiOjAsIlJpZ2h0IjowLCJCb3R0b20iOjB9LCJQYWRkaW5nIjp7IiRpZCI6Ijg4IiwiVG9wIjowLCJMZWZ0IjowLCJSaWdodCI6MCwiQm90dG9tIjowfSwiQmFja2dyb3VuZCI6eyIkaWQiOiI4OSIsIkNvbG9yIjp7IiRyZWYiOiIyMCJ9fSwiSXNWaXNpYmxlIjp0cnVlLCJXaWR0aCI6MC4wLCJIZWlnaHQiOjAuMCwiQm9yZGVyU3R5bGUiOm51bGwsIlBhcmVudFN0eWxlIjpudWxsfSwiRHVyYXRpb25TdHlsZSI6eyIkaWQiOiI5MCIsIkZvbnRTZXR0aW5ncyI6eyIkaWQiOiI5MSIsIkZvbnRTaXplIjoxMCwiRm9udE5hbWUiOiJDYWxpYnJpIiwiSXNCb2xkIjpmYWxzZSwiSXNJdGFsaWMiOmZhbHNlLCJJc1VuZGVybGluZWQiOmZhbHNlLCJQYXJlbnRTdHlsZSI6bnVsbH0sIkF1dG9TaXplIjowLCJGb3JlZ3JvdW5kIjp7IiRpZCI6IjkyIiwiQ29sb3IiOnsiJGlkIjoiOTMiLCJBIjoyNTUsIlIiOjIzNywiRyI6MTI1LCJCIjo0OX19LCJNYXhXaWR0aCI6MjAwLjAsIk1heEhlaWdodCI6IkluZmluaXR5IiwiU21hcnRGb3JlZ3JvdW5kSXNBY3RpdmUiOmZhbHNlLCJIb3Jpem9udGFsQWxpZ25tZW50IjowLCJWZXJ0aWNhbEFsaWdubWVudCI6MCwiU21hcnRGb3JlZ3JvdW5kIjpudWxsLCJNYXJnaW4iOnsiJGlkIjoiOTQiLCJUb3AiOjAsIkxlZnQiOjAsIlJpZ2h0IjowLCJCb3R0b20iOjB9LCJQYWRkaW5nIjp7IiRpZCI6Ijk1IiwiVG9wIjowLCJMZWZ0IjowLCJSaWdodCI6MCwiQm90dG9tIjowfSwiQmFja2dyb3VuZCI6eyIkaWQiOiI5NiIsIkNvbG9yIjp7IiRyZWYiOiIyMCJ9fSwiSXNWaXNpYmxlIjp0cnVlLCJXaWR0aCI6MC4wLCJIZWlnaHQiOjAuMCwiQm9yZGVyU3R5bGUiOm51bGwsIlBhcmVudFN0eWxlIjpudWxsfSwiSG9yaXpvbnRhbENvbm5lY3RvclN0eWxlIjp7IiRpZCI6Ijk3IiwiTGluZUNvbG9yIjp7IiRpZCI6Ijk4IiwiJHR5cGUiOiJOTFJFLkNvbW1vbi5Eb20uU29saWRDb2xvckJydXNoLCBOTFJFLkNvbW1vbiIsIkNvbG9yIjp7IiRpZCI6Ijk5IiwiQSI6MjU1LCJSIjoyMDQsIkciOjIwNCwiQiI6MjA0fX0sIkxpbmVXZWlnaHQiOjEuMCwiTGluZVR5cGUiOjAsIlBhcmVudFN0eWxlIjpudWxsfSwiVmVydGljYWxDb25uZWN0b3JTdHlsZSI6eyIkaWQiOiIxMDAiLCJMaW5lQ29sb3IiOnsiJGlkIjoiMTAxIiwiJHR5cGUiOiJOTFJFLkNvbW1vbi5Eb20uU29saWRDb2xvckJydXNoLCBOTFJFLkNvbW1vbiIsIkNvbG9yIjp7IiRpZCI6IjEwMiIsIkEiOjI1NSwiUiI6MjA0LCJHIjoyMDQsIkIiOjIwNH19LCJMaW5lV2VpZ2h0IjowLjAsIkxpbmVUeXBlIjowLCJQYXJlbnRTdHlsZSI6bnVsbH0sIk1hcmdpbiI6bnVsbCwiU3RhcnREYXRlUG9zaXRpb24iOjQsIkVuZERhdGVQb3NpdGlvbiI6NCwiRGF0ZUlzVmlzaWJsZSI6dHJ1ZSwiVGl0bGVQb3NpdGlvbiI6NSwiRHVyYXRpb25Qb3NpdGlvbiI6NiwiUGVyY2VudGFnZUNvbXBsZXRlZFBvc2l0aW9uIjo2LCJTcGFjaW5nIjo1LCJJc0JlbG93VGltZWJhbmQiOnRydWUsIlBlcmNlbnRhZ2VDb21wbGV0ZVNoYXBlT3BhY2l0eSI6MzUsIlNoYXBlU3R5bGUiOnsiJGlkIjoiMTAzIiwiTWFyZ2luIjp7IiRpZCI6IjEwNCIsIlRvcCI6MCwiTGVmdCI6NCwiUmlnaHQiOjQsIkJvdHRvbSI6MH0sIlBhZGRpbmciOnsiJGlkIjoiMTA1IiwiVG9wIjowLCJMZWZ0IjowLCJSaWdodCI6MCwiQm90dG9tIjowfSwiQmFja2dyb3VuZCI6eyIkaWQiOiIxMDYiLCJDb2xvciI6eyIkaWQiOiIxMDciLCJBIjoyNTUsIlIiOjAsIkciOjExNCwiQiI6MTg4fX0sIklzVmlzaWJsZSI6dHJ1ZSwiV2lkdGgiOjAuMCwiSGVpZ2h0IjoxNi4wLCJCb3JkZXJTdHlsZSI6eyIkaWQiOiIxMDgiLCJMaW5lQ29sb3IiOnsiJGlkIjoiMTA5IiwiJHR5cGUiOiJOTFJFLkNvbW1vbi5Eb20uU29saWRDb2xvckJydXNoLCBOTFJFLkNvbW1vbiIsIkNvbG9yIjp7IiRpZCI6IjExMCIsIkEiOjI1NSwiUiI6MjU1LCJHIjowLCJCIjowfX0sIkxpbmVXZWlnaHQiOjAuMCwiTGluZVR5cGUiOjAsIlBhcmVudFN0eWxlIjpudWxsfSwiUGFyZW50U3R5bGUiOm51bGx9LCJUaXRsZVN0eWxlIjp7IiRpZCI6IjExMSIsIkZvbnRTZXR0aW5ncyI6eyIkaWQiOiIxMTIiLCJGb250U2l6ZSI6MTEsIkZvbnROYW1lIjoiQ2FsaWJyaSIsIklzQm9sZCI6dHJ1ZSwiSXNJdGFsaWMiOmZhbHNlLCJJc1VuZGVybGluZWQiOmZhbHNlLCJQYXJlbnRTdHlsZSI6bnVsbH0sIkF1dG9TaXplIjowLCJGb3JlZ3JvdW5kIjp7IiRpZCI6IjExMyIsIkNvbG9yIjp7IiRpZCI6IjExNCIsIkEiOjI1NSwiUiI6MCwiRyI6MCwiQiI6MH19LCJNYXhXaWR0aCI6OTYwLjAsIk1heEhlaWdodCI6IkluZmluaXR5IiwiU21hcnRGb3JlZ3JvdW5kSXNBY3RpdmUiOmZhbHNlLCJIb3Jpem9udGFsQWxpZ25tZW50IjowLCJWZXJ0aWNhbEFsaWdubWVudCI6MCwiU21hcnRGb3JlZ3JvdW5kIjpudWxsLCJNYXJnaW4iOnsiJGlkIjoiMTE1IiwiVG9wIjowLCJMZWZ0IjowLCJSaWdodCI6MCwiQm90dG9tIjowfSwiUGFkZGluZyI6eyIkaWQiOiIxMTYiLCJUb3AiOjAsIkxlZnQiOjAsIlJpZ2h0IjowLCJCb3R0b20iOjB9LCJCYWNrZ3JvdW5kIjp7IiRpZCI6IjExNyIsIkNvbG9yIjp7IiRyZWYiOiIyMCJ9fSwiSXNWaXNpYmxlIjp0cnVlLCJXaWR0aCI6MC4wLCJIZWlnaHQiOjAuMCwiQm9yZGVyU3R5bGUiOm51bGwsIlBhcmVudFN0eWxlIjpudWxsfSwiRGF0ZVN0eWxlIjp7IiRpZCI6IjExOCIsIkZvbnRTZXR0aW5ncyI6eyIkaWQiOiIxMTkiLCJGb250U2l6ZSI6MTAsIkZvbnROYW1lIjoiQ2FsaWJyaSIsIklzQm9sZCI6ZmFsc2UsIklzSXRhbGljIjpmYWxzZSwiSXNVbmRlcmxpbmVkIjpmYWxzZSwiUGFyZW50U3R5bGUiOm51bGx9LCJBdXRvU2l6ZSI6MCwiRm9yZWdyb3VuZCI6eyIkaWQiOiIxMjAiLCJDb2xvciI6eyIkaWQiOiIxMjEiLCJBIjoyNTUsIlIiOjY4LCJHIjo4NCwiQiI6MTA2fX0sIk1heFdpZHRoIjoyMDAuMCwiTWF4SGVpZ2h0IjoiSW5maW5pdHkiLCJTbWFydEZvcmVncm91bmRJc0FjdGl2ZSI6ZmFsc2UsIkhvcml6b250YWxBbGlnbm1lbnQiOjAsIlZlcnRpY2FsQWxpZ25tZW50IjowLCJTbWFydEZvcmVncm91bmQiOm51bGwsIk1hcmdpbiI6eyIkaWQiOiIxMjIiLCJUb3AiOjAsIkxlZnQiOjAsIlJpZ2h0IjowLCJCb3R0b20iOjB9LCJQYWRkaW5nIjp7IiRpZCI6IjEyMyIsIlRvcCI6MCwiTGVmdCI6MCwiUmlnaHQiOjAsIkJvdHRvbSI6MH0sIkJhY2tncm91bmQiOnsiJGlkIjoiMTI0IiwiQ29sb3IiOnsiJHJlZiI6IjIwIn19LCJJc1Zpc2libGUiOnRydWUsIldpZHRoIjowLjAsIkhlaWdodCI6MC4wLCJCb3JkZXJTdHlsZSI6bnVsbCwiUGFyZW50U3R5bGUiOm51bGx9LCJEYXRlRm9ybWF0Ijp7IiRpZCI6IjEyNSIsIkZvcm1hdFN0cmluZyI6Ik0vZC95eXl5IiwiU2VwYXJhdG9yIjoiLyIsIlVzZUludGVybmF0aW9uYWxEYXRlRm9ybWF0IjpmYWxzZSwiRGF0ZUlzVmlzaWJsZSI6dHJ1ZSwiVGltZUlzVmlzaWJsZSI6ZmFsc2UsIkhvdXJEaWdpdHMiOjEsIkFtUG1EZXNpZ25hdG9yIjoyLCJUcmltMDBNaW51dGVzIjpmYWxzZSwiTGFzdEtub3duVmlzaWJpbGl0eVN0YXRlIjpudWxsfSwiSXNWaXNpYmxlIjp0cnVlLCJQYXJlbnRTdHlsZSI6bnVsbCwiX2V4cGxpY2l0bHlTZXQiOnsiJGlkIjoiMTI2IiwiU2hhcGVTdHlsZSI6ZmFsc2UsIlRpdGxlU3R5bGUiOmZhbHNlLCJEYXRlU3R5bGUiOmZhbHNlLCJIb3Jpem9udGFsQ29ubmVjdG9yU3R5bGUiOmZhbHNlLCJWZXJ0aWNhbENvbm5lY3RvclN0eWxlIjpmYWxzZSwiUGVyY2VudGFnZUNvbXBsZXRlU2hhcGVPcGFjaXR5IjpmYWxzZSwiRHVyYXRpb25Gb3JtYXQiOmZhbHNlLCJEdXJhdGlvblBvc2l0aW9uIjpmYWxzZSwiRW5kRGF0ZVBvc2l0aW9uIjpmYWxzZSwiSXNCZWxvd1RpbWViYW5kIjpmYWxzZSwiUGVyY2VudGFnZUNvbXBsZXRlZFBvc2l0aW9uIjpmYWxzZSwiU2hhcGUiOmZhbHNlLCJTaGFwZVRoaWNrbmVzcyI6ZmFsc2UsIlNwYWNpbmciOmZhbHNlLCJTdGFydERhdGVQb3NpdGlvbiI6ZmFsc2UsIlRpdGxlUG9zaXRpb24iOmZhbHNlLCJEYXRlRm9ybWF0IjpmYWxzZSwiSXNWaXNpYmxlIjpmYWxzZSwiTWFyZ2luIjpmYWxzZX19LCJTaG93RWxhcHNlZFRpbWVHcmFkaWVudFN0eWxlIjpmYWxzZX0sIlNjYWxlIjp7IiRpZCI6IjEyNyIsIlN0YXJ0RGF0ZSI6IjAwMDEtMDEtMDFUMDA6MDA6MDAiLCJFbmREYXRlIjoiMjAxOC0wNC0yN1QyMzo1OTowMCIsIkZvcm1hdCI6InciLCJUeXBlIjoxLCJBdXRvRGF0ZVJhbmdlIjp0cnVlLCJXb3JraW5nRGF5cyI6MTI3LCJUb2RheU1hcmtlclRleHQiOiJBdWpvdXJkJ2h1aSIsIkF1dG9TY2FsZVR5cGUiOmZhbHNlfSwiTWlsZXN0b25lcyI6W10sIlRhc2tzIjpbeyIkaWQiOiIxMjgiLCJHcm91cE5hbWUiOm51bGwsIlN0YXJ0RGF0ZSI6IjIwMTgtMDEtMTlUMDA6MDA6MDAiLCJFbmREYXRlIjoiMjAxOC0wMi0xOVQyMzo1OTowMCIsIlBlcmNlbnRhZ2VDb21wbGV0ZSI6bnVsbCwiU3R5bGUiOnsiJGlkIjoiMTI5IiwiU2hhcGUiOjEsIlNoYXBlVGhpY2tuZXNzIjoxLCJEdXJhdGlvbkZvcm1hdCI6MCwiSW5jbHVkZU5vbldvcmtpbmdEYXlzSW5EdXJhdGlvbiI6ZmFsc2UsIlBlcmNlbnRhZ2VDb21wbGV0ZVN0eWxlIjp7IiRpZCI6IjEzMCIsIkZvbnRTZXR0aW5ncyI6eyIkaWQiOiIxMzEiLCJGb250U2l6ZSI6MTAsIkZvbnROYW1lIjoiQ2FsaWJyaSIsIklzQm9sZCI6ZmFsc2UsIklzSXRhbGljIjpmYWxzZSwiSXNVbmRlcmxpbmVkIjpmYWxzZSwiUGFyZW50U3R5bGUiOm51bGx9LCJBdXRvU2l6ZSI6MCwiRm9yZWdyb3VuZCI6eyIkaWQiOiIxMzIiLCJDb2xvciI6eyIkcmVmIjoiODYifX0sIk1heFdpZHRoIjoyMDAuMCwiTWF4SGVpZ2h0IjoiSW5maW5pdHkiLCJTbWFydEZvcmVncm91bmRJc0FjdGl2ZSI6ZmFsc2UsIkhvcml6b250YWxBbGlnbm1lbnQiOjAsIlZlcnRpY2FsQWxpZ25tZW50IjowLCJTbWFydEZvcmVncm91bmQiOm51bGwsIk1hcmdpbiI6eyIkaWQiOiIxMzMiLCJUb3AiOjAsIkxlZnQiOjAsIlJpZ2h0IjowLCJCb3R0b20iOjB9LCJQYWRkaW5nIjp7IiRpZCI6IjEzNCIsIlRvcCI6MCwiTGVmdCI6MCwiUmlnaHQiOjAsIkJvdHRvbSI6MH0sIkJhY2tncm91bmQiOnsiJHJlZiI6Ijg5In0sIklzVmlzaWJsZSI6dHJ1ZSwiV2lkdGgiOjAuMCwiSGVpZ2h0IjowLjAsIkJvcmRlclN0eWxlIjp7IiRpZCI6IjEzNSIsIkxpbmVDb2xvciI6bnVsbCwiTGluZVdlaWdodCI6MC4wLCJMaW5lVHlwZSI6MCwiUGFyZW50U3R5bGUiOm51bGx9LCJQYXJlbnRTdHlsZSI6bnVsbH0sIkR1cmF0aW9uU3R5bGUiOnsiJGlkIjoiMTM2IiwiRm9udFNldHRpbmdzIjp7IiRpZCI6IjEzNyIsIkZvbnRTaXplIjoxMCwiRm9udE5hbWUiOiJDYWxpYnJpIiwiSXNCb2xkIjpmYWxzZSwiSXNJdGFsaWMiOmZhbHNlLCJJc1VuZGVybGluZWQiOmZhbHNlLCJQYXJlbnRTdHlsZSI6bnVsbH0sIkF1dG9TaXplIjowLCJGb3JlZ3JvdW5kIjp7IiRpZCI6IjEzOCIsIkNvbG9yIjp7IiRyZWYiOiI5MyJ9fSwiTWF4V2lkdGgiOjIwMC4wLCJNYXhIZWlnaHQiOiJJbmZpbml0eSIsIlNtYXJ0Rm9yZWdyb3VuZElzQWN0aXZlIjpmYWxzZSwiSG9yaXpvbnRhbEFsaWdubWVudCI6MCwiVmVydGljYWxBbGlnbm1lbnQiOjAsIlNtYXJ0Rm9yZWdyb3VuZCI6bnVsbCwiTWFyZ2luIjp7IiRpZCI6IjEzOSIsIlRvcCI6MCwiTGVmdCI6MCwiUmlnaHQiOjAsIkJvdHRvbSI6MH0sIlBhZGRpbmciOnsiJGlkIjoiMTQwIiwiVG9wIjowLCJMZWZ0IjowLCJSaWdodCI6MCwiQm90dG9tIjowfSwiQmFja2dyb3VuZCI6eyIkcmVmIjoiOTYifSwiSXNWaXNpYmxlIjp0cnVlLCJXaWR0aCI6MC4wLCJIZWlnaHQiOjAuMCwiQm9yZGVyU3R5bGUiOnsiJGlkIjoiMTQxIiwiTGluZUNvbG9yIjpudWxsLCJMaW5lV2VpZ2h0IjowLjAsIkxpbmVUeXBlIjowLCJQYXJlbnRTdHlsZSI6bnVsbH0sIlBhcmVudFN0eWxlIjpudWxsfSwiSG9yaXpvbnRhbENvbm5lY3RvclN0eWxlIjp7IiRpZCI6IjE0MiIsIkxpbmVDb2xvciI6eyIkcmVmIjoiOTgifSwiTGluZVdlaWdodCI6MS4wLCJMaW5lVHlwZSI6MCwiUGFyZW50U3R5bGUiOm51bGx9LCJWZXJ0aWNhbENvbm5lY3RvclN0eWxlIjp7IiRpZCI6IjE0MyIsIkxpbmVDb2xvciI6eyIkcmVmIjoiMTAxIn0sIkxpbmVXZWlnaHQiOjAuMCwiTGluZVR5cGUiOjAsIlBhcmVudFN0eWxlIjpudWxsfSwiTWFyZ2luIjpudWxsLCJTdGFydERhdGVQb3NpdGlvbiI6NCwiRW5kRGF0ZVBvc2l0aW9uIjo0LCJEYXRlSXNWaXNpYmxlIjp0cnVlLCJUaXRsZVBvc2l0aW9uIjo1LCJEdXJhdGlvblBvc2l0aW9uIjo2LCJQZXJjZW50YWdlQ29tcGxldGVkUG9zaXRpb24iOjYsIlNwYWNpbmciOjUsIklzQmVsb3dUaW1lYmFuZCI6dHJ1ZSwiUGVyY2VudGFnZUNvbXBsZXRlU2hhcGVPcGFjaXR5IjozNSwiU2hhcGVTdHlsZSI6eyIkaWQiOiIxNDQiLCJNYXJnaW4iOnsiJGlkIjoiMTQ1IiwiVG9wIjowLCJMZWZ0Ijo0LCJSaWdodCI6NCwiQm90dG9tIjowfSwiUGFkZGluZyI6eyIkaWQiOiIxNDYiLCJUb3AiOjAsIkxlZnQiOjAsIlJpZ2h0IjowLCJCb3R0b20iOjB9LCJCYWNrZ3JvdW5kIjp7IiRpZCI6IjE0NyIsIkNvbG9yIjp7IiRpZCI6IjE0OCIsIkEiOjI1NSwiUiI6MjU1LCJHIjoyMzcsIkIiOjE5fX0sIklzVmlzaWJsZSI6dHJ1ZSwiV2lkdGgiOjAuMCwiSGVpZ2h0IjoxNi4wLCJCb3JkZXJTdHlsZSI6eyIkaWQiOiIxNDkiLCJMaW5lQ29sb3IiOnsiJHJlZiI6IjEwOSJ9LCJMaW5lV2VpZ2h0IjowLjAsIkxpbmVUeXBlIjowLCJQYXJlbnRTdHlsZSI6bnVsbH0sIlBhcmVudFN0eWxlIjpudWxsfSwiVGl0bGVTdHlsZSI6eyIkaWQiOiIxNTAiLCJGb250U2V0dGluZ3MiOnsiJGlkIjoiMTUxIiwiRm9udFNpemUiOjExLCJGb250TmFtZSI6IkNhbGlicmkiLCJJc0JvbGQiOnRydWUsIklzSXRhbGljIjpmYWxzZSwiSXNVbmRlcmxpbmVkIjpmYWxzZSwiUGFyZW50U3R5bGUiOm51bGx9LCJBdXRvU2l6ZSI6MCwiRm9yZWdyb3VuZCI6eyIkaWQiOiIxNTIiLCJDb2xvciI6eyIkcmVmIjoiMTE0In19LCJNYXhXaWR0aCI6OTYwLjAsIk1heEhlaWdodCI6IkluZmluaXR5IiwiU21hcnRGb3JlZ3JvdW5kSXNBY3RpdmUiOmZhbHNlLCJIb3Jpem9udGFsQWxpZ25tZW50IjowLCJWZXJ0aWNhbEFsaWdubWVudCI6MCwiU21hcnRGb3JlZ3JvdW5kIjpudWxsLCJNYXJnaW4iOnsiJGlkIjoiMTUzIiwiVG9wIjowLCJMZWZ0IjowLCJSaWdodCI6MCwiQm90dG9tIjowfSwiUGFkZGluZyI6eyIkaWQiOiIxNTQiLCJUb3AiOjAsIkxlZnQiOjAsIlJpZ2h0IjowLCJCb3R0b20iOjB9LCJCYWNrZ3JvdW5kIjp7IiRyZWYiOiIxMTcifSwiSXNWaXNpYmxlIjp0cnVlLCJXaWR0aCI6MC4wLCJIZWlnaHQiOjAuMCwiQm9yZGVyU3R5bGUiOnsiJGlkIjoiMTU1IiwiTGluZUNvbG9yIjpudWxsLCJMaW5lV2VpZ2h0IjowLjAsIkxpbmVUeXBlIjowLCJQYXJlbnRTdHlsZSI6bnVsbH0sIlBhcmVudFN0eWxlIjpudWxsfSwiRGF0ZVN0eWxlIjp7IiRpZCI6IjE1NiIsIkZvbnRTZXR0aW5ncyI6eyIkaWQiOiIxNTciLCJGb250U2l6ZSI6MTAsIkZvbnROYW1lIjoiQ2FsaWJyaSIsIklzQm9sZCI6ZmFsc2UsIklzSXRhbGljIjpmYWxzZSwiSXNVbmRlcmxpbmVkIjpmYWxzZSwiUGFyZW50U3R5bGUiOm51bGx9LCJBdXRvU2l6ZSI6MCwiRm9yZWdyb3VuZCI6eyIkaWQiOiIxNTgiLCJDb2xvciI6eyIkcmVmIjoiMTIxIn19LCJNYXhXaWR0aCI6MjAwLjAsIk1heEhlaWdodCI6IkluZmluaXR5IiwiU21hcnRGb3JlZ3JvdW5kSXNBY3RpdmUiOmZhbHNlLCJIb3Jpem9udGFsQWxpZ25tZW50IjowLCJWZXJ0aWNhbEFsaWdubWVudCI6MCwiU21hcnRGb3JlZ3JvdW5kIjpudWxsLCJNYXJnaW4iOnsiJGlkIjoiMTU5IiwiVG9wIjowLCJMZWZ0IjowLCJSaWdodCI6MCwiQm90dG9tIjowfSwiUGFkZGluZyI6eyIkaWQiOiIxNjAiLCJUb3AiOjAsIkxlZnQiOjAsIlJpZ2h0IjowLCJCb3R0b20iOjB9LCJCYWNrZ3JvdW5kIjp7IiRyZWYiOiIxMjQifSwiSXNWaXNpYmxlIjp0cnVlLCJXaWR0aCI6MC4wLCJIZWlnaHQiOjAuMCwiQm9yZGVyU3R5bGUiOnsiJGlkIjoiMTYxIiwiTGluZUNvbG9yIjpudWxsLCJMaW5lV2VpZ2h0IjowLjAsIkxpbmVUeXBlIjowLCJQYXJlbnRTdHlsZSI6bnVsbH0sIlBhcmVudFN0eWxlIjpudWxsfSwiRGF0ZUZvcm1hdCI6eyIkaWQiOiIxNjIiLCJGb3JtYXRTdHJpbmciOiJkL00veXl5eSIsIlNlcGFyYXRvciI6Ii8iLCJVc2VJbnRlcm5hdGlvbmFsRGF0ZUZvcm1hdCI6dHJ1ZSwiRGF0ZUlzVmlzaWJsZSI6dHJ1ZSwiVGltZUlzVmlzaWJsZSI6ZmFsc2UsIkhvdXJEaWdpdHMiOjEsIkFtUG1EZXNpZ25hdG9yIjoyLCJUcmltMDBNaW51dGVzIjpmYWxzZSwiTGFzdEtub3duVmlzaWJpbGl0eVN0YXRlIjpudWxsfSwiSXNWaXNpYmxlIjp0cnVlLCJQYXJlbnRTdHlsZSI6bnVsbH0sIkluZGV4IjoxLCJTbWFydER1cmF0aW9uQWN0aXZhdGVkIjpmYWxzZSwiRGF0ZUZvcm1hdCI6eyIkcmVmIjoiMTYyIn0sIklkIjoiYmRiMTFhMjYtZDIwYS00ZTAzLTk3ZDktMjgxN2IwYWYwYWRhIiwiSW1wb3J0SWQiOm51bGwsIlRpdGxlIjoiVGVzdGVyIGxlcyBjb21wb3NhbnRzIiwiTm90ZSI6bnVsbCwiSHlwZXJsaW5rIjpudWxsLCJJc0NoYW5nZWQiOmZhbHNlLCJJc05ldyI6ZmFsc2V9LHsiJGlkIjoiMTYzIiwiR3JvdXBOYW1lIjpudWxsLCJTdGFydERhdGUiOiIyMDE4LTAxLTIzVDAwOjAwOjAwIiwiRW5kRGF0ZSI6IjIwMTgtMDItMjNUMjM6NTk6MDAiLCJQZXJjZW50YWdlQ29tcGxldGUiOm51bGwsIlN0eWxlIjp7IiRpZCI6IjE2NCIsIlNoYXBlIjoxLCJTaGFwZVRoaWNrbmVzcyI6MSwiRHVyYXRpb25Gb3JtYXQiOjAsIkluY2x1ZGVOb25Xb3JraW5nRGF5c0luRHVyYXRpb24iOmZhbHNlLCJQZXJjZW50YWdlQ29tcGxldGVTdHlsZSI6eyIkaWQiOiIxNjUiLCJGb250U2V0dGluZ3MiOnsiJGlkIjoiMTY2IiwiRm9udFNpemUiOjEwLCJGb250TmFtZSI6IkNhbGlicmkiLCJJc0JvbGQiOmZhbHNlLCJJc0l0YWxpYyI6ZmFsc2UsIklzVW5kZXJsaW5lZCI6ZmFsc2UsIlBhcmVudFN0eWxlIjpudWxsfSwiQXV0b1NpemUiOjAsIkZvcmVncm91bmQiOnsiJGlkIjoiMTY3IiwiQ29sb3IiOnsiJHJlZiI6Ijg2In19LCJNYXhXaWR0aCI6MjAwLjAsIk1heEhlaWdodCI6IkluZmluaXR5IiwiU21hcnRGb3JlZ3JvdW5kSXNBY3RpdmUiOmZhbHNlLCJIb3Jpem9udGFsQWxpZ25tZW50IjowLCJWZXJ0aWNhbEFsaWdubWVudCI6MCwiU21hcnRGb3JlZ3JvdW5kIjpudWxsLCJNYXJnaW4iOnsiJGlkIjoiMTY4IiwiVG9wIjowLCJMZWZ0IjowLCJSaWdodCI6MCwiQm90dG9tIjowfSwiUGFkZGluZyI6eyIkaWQiOiIxNjkiLCJUb3AiOjAsIkxlZnQiOjAsIlJpZ2h0IjowLCJCb3R0b20iOjB9LCJCYWNrZ3JvdW5kIjp7IiRyZWYiOiI4OSJ9LCJJc1Zpc2libGUiOnRydWUsIldpZHRoIjowLjAsIkhlaWdodCI6MC4wLCJCb3JkZXJTdHlsZSI6eyIkaWQiOiIxNzAiLCJMaW5lQ29sb3IiOm51bGwsIkxpbmVXZWlnaHQiOjAuMCwiTGluZVR5cGUiOjAsIlBhcmVudFN0eWxlIjpudWxsfSwiUGFyZW50U3R5bGUiOm51bGx9LCJEdXJhdGlvblN0eWxlIjp7IiRpZCI6IjE3MSIsIkZvbnRTZXR0aW5ncyI6eyIkaWQiOiIxNzIiLCJGb250U2l6ZSI6MTAsIkZvbnROYW1lIjoiQ2FsaWJyaSIsIklzQm9sZCI6ZmFsc2UsIklzSXRhbGljIjpmYWxzZSwiSXNVbmRlcmxpbmVkIjpmYWxzZSwiUGFyZW50U3R5bGUiOm51bGx9LCJBdXRvU2l6ZSI6MCwiRm9yZWdyb3VuZCI6eyIkaWQiOiIxNzMiLCJDb2xvciI6eyIkcmVmIjoiOTMifX0sIk1heFdpZHRoIjoyMDAuMCwiTWF4SGVpZ2h0IjoiSW5maW5pdHkiLCJTbWFydEZvcmVncm91bmRJc0FjdGl2ZSI6ZmFsc2UsIkhvcml6b250YWxBbGlnbm1lbnQiOjAsIlZlcnRpY2FsQWxpZ25tZW50IjowLCJTbWFydEZvcmVncm91bmQiOm51bGwsIk1hcmdpbiI6eyIkaWQiOiIxNzQiLCJUb3AiOjAsIkxlZnQiOjAsIlJpZ2h0IjowLCJCb3R0b20iOjB9LCJQYWRkaW5nIjp7IiRpZCI6IjE3NSIsIlRvcCI6MCwiTGVmdCI6MCwiUmlnaHQiOjAsIkJvdHRvbSI6MH0sIkJhY2tncm91bmQiOnsiJHJlZiI6Ijk2In0sIklzVmlzaWJsZSI6dHJ1ZSwiV2lkdGgiOjAuMCwiSGVpZ2h0IjowLjAsIkJvcmRlclN0eWxlIjp7IiRpZCI6IjE3NiIsIkxpbmVDb2xvciI6bnVsbCwiTGluZVdlaWdodCI6MC4wLCJMaW5lVHlwZSI6MCwiUGFyZW50U3R5bGUiOm51bGx9LCJQYXJlbnRTdHlsZSI6bnVsbH0sIkhvcml6b250YWxDb25uZWN0b3JTdHlsZSI6eyIkaWQiOiIxNzciLCJMaW5lQ29sb3IiOnsiJHJlZiI6Ijk4In0sIkxpbmVXZWlnaHQiOjEuMCwiTGluZVR5cGUiOjAsIlBhcmVudFN0eWxlIjpudWxsfSwiVmVydGljYWxDb25uZWN0b3JTdHlsZSI6eyIkaWQiOiIxNzgiLCJMaW5lQ29sb3IiOnsiJHJlZiI6IjEwMSJ9LCJMaW5lV2VpZ2h0IjowLjAsIkxpbmVUeXBlIjowLCJQYXJlbnRTdHlsZSI6bnVsbH0sIk1hcmdpbiI6bnVsbCwiU3RhcnREYXRlUG9zaXRpb24iOjQsIkVuZERhdGVQb3NpdGlvbiI6NCwiRGF0ZUlzVmlzaWJsZSI6dHJ1ZSwiVGl0bGVQb3NpdGlvbiI6NSwiRHVyYXRpb25Qb3NpdGlvbiI6NiwiUGVyY2VudGFnZUNvbXBsZXRlZFBvc2l0aW9uIjo2LCJTcGFjaW5nIjo1LCJJc0JlbG93VGltZWJhbmQiOnRydWUsIlBlcmNlbnRhZ2VDb21wbGV0ZVNoYXBlT3BhY2l0eSI6MzUsIlNoYXBlU3R5bGUiOnsiJGlkIjoiMTc5IiwiTWFyZ2luIjp7IiRpZCI6IjE4MCIsIlRvcCI6MCwiTGVmdCI6NCwiUmlnaHQiOjQsIkJvdHRvbSI6MH0sIlBhZGRpbmciOnsiJGlkIjoiMTgxIiwiVG9wIjowLCJMZWZ0IjowLCJSaWdodCI6MCwiQm90dG9tIjowfSwiQmFja2dyb3VuZCI6eyIkaWQiOiIxODIiLCJDb2xvciI6eyIkaWQiOiIxODMiLCJBIjoyNTUsIlIiOjI1MSwiRyI6MTU0LCJCIjowfX0sIklzVmlzaWJsZSI6dHJ1ZSwiV2lkdGgiOjAuMCwiSGVpZ2h0IjoxNi4wLCJCb3JkZXJTdHlsZSI6eyIkaWQiOiIxODQiLCJMaW5lQ29sb3IiOnsiJHJlZiI6IjEwOSJ9LCJMaW5lV2VpZ2h0IjowLjAsIkxpbmVUeXBlIjowLCJQYXJlbnRTdHlsZSI6bnVsbH0sIlBhcmVudFN0eWxlIjpudWxsfSwiVGl0bGVTdHlsZSI6eyIkaWQiOiIxODUiLCJGb250U2V0dGluZ3MiOnsiJGlkIjoiMTg2IiwiRm9udFNpemUiOjExLCJGb250TmFtZSI6IkNhbGlicmkiLCJJc0JvbGQiOnRydWUsIklzSXRhbGljIjpmYWxzZSwiSXNVbmRlcmxpbmVkIjpmYWxzZSwiUGFyZW50U3R5bGUiOm51bGx9LCJBdXRvU2l6ZSI6MCwiRm9yZWdyb3VuZCI6eyIkaWQiOiIxODciLCJDb2xvciI6eyIkcmVmIjoiMTE0In19LCJNYXhXaWR0aCI6OTYwLjAsIk1heEhlaWdodCI6IkluZmluaXR5IiwiU21hcnRGb3JlZ3JvdW5kSXNBY3RpdmUiOmZhbHNlLCJIb3Jpem9udGFsQWxpZ25tZW50IjowLCJWZXJ0aWNhbEFsaWdubWVudCI6MCwiU21hcnRGb3JlZ3JvdW5kIjpudWxsLCJNYXJnaW4iOnsiJGlkIjoiMTg4IiwiVG9wIjowLCJMZWZ0IjowLCJSaWdodCI6MCwiQm90dG9tIjowfSwiUGFkZGluZyI6eyIkaWQiOiIxODkiLCJUb3AiOjAsIkxlZnQiOjAsIlJpZ2h0IjowLCJCb3R0b20iOjB9LCJCYWNrZ3JvdW5kIjp7IiRyZWYiOiIxMTcifSwiSXNWaXNpYmxlIjp0cnVlLCJXaWR0aCI6MC4wLCJIZWlnaHQiOjAuMCwiQm9yZGVyU3R5bGUiOnsiJGlkIjoiMTkwIiwiTGluZUNvbG9yIjpudWxsLCJMaW5lV2VpZ2h0IjowLjAsIkxpbmVUeXBlIjowLCJQYXJlbnRTdHlsZSI6bnVsbH0sIlBhcmVudFN0eWxlIjpudWxsfSwiRGF0ZVN0eWxlIjp7IiRpZCI6IjE5MSIsIkZvbnRTZXR0aW5ncyI6eyIkaWQiOiIxOTIiLCJGb250U2l6ZSI6MTAsIkZvbnROYW1lIjoiQ2FsaWJyaSIsIklzQm9sZCI6ZmFsc2UsIklzSXRhbGljIjpmYWxzZSwiSXNVbmRlcmxpbmVkIjpmYWxzZSwiUGFyZW50U3R5bGUiOm51bGx9LCJBdXRvU2l6ZSI6MCwiRm9yZWdyb3VuZCI6eyIkaWQiOiIxOTMiLCJDb2xvciI6eyIkcmVmIjoiMTIxIn19LCJNYXhXaWR0aCI6MjAwLjAsIk1heEhlaWdodCI6IkluZmluaXR5IiwiU21hcnRGb3JlZ3JvdW5kSXNBY3RpdmUiOmZhbHNlLCJIb3Jpem9udGFsQWxpZ25tZW50IjowLCJWZXJ0aWNhbEFsaWdubWVudCI6MCwiU21hcnRGb3JlZ3JvdW5kIjpudWxsLCJNYXJnaW4iOnsiJGlkIjoiMTk0IiwiVG9wIjowLCJMZWZ0IjowLCJSaWdodCI6MCwiQm90dG9tIjowfSwiUGFkZGluZyI6eyIkaWQiOiIxOTUiLCJUb3AiOjAsIkxlZnQiOjAsIlJpZ2h0IjowLCJCb3R0b20iOjB9LCJCYWNrZ3JvdW5kIjp7IiRyZWYiOiIxMjQifSwiSXNWaXNpYmxlIjp0cnVlLCJXaWR0aCI6MC4wLCJIZWlnaHQiOjAuMCwiQm9yZGVyU3R5bGUiOnsiJGlkIjoiMTk2IiwiTGluZUNvbG9yIjpudWxsLCJMaW5lV2VpZ2h0IjowLjAsIkxpbmVUeXBlIjowLCJQYXJlbnRTdHlsZSI6bnVsbH0sIlBhcmVudFN0eWxlIjpudWxsfSwiRGF0ZUZvcm1hdCI6eyIkaWQiOiIxOTciLCJGb3JtYXRTdHJpbmciOiJkL00veXl5eSIsIlNlcGFyYXRvciI6Ii8iLCJVc2VJbnRlcm5hdGlvbmFsRGF0ZUZvcm1hdCI6dHJ1ZSwiRGF0ZUlzVmlzaWJsZSI6dHJ1ZSwiVGltZUlzVmlzaWJsZSI6ZmFsc2UsIkhvdXJEaWdpdHMiOjEsIkFtUG1EZXNpZ25hdG9yIjoyLCJUcmltMDBNaW51dGVzIjpmYWxzZSwiTGFzdEtub3duVmlzaWJpbGl0eVN0YXRlIjpudWxsfSwiSXNWaXNpYmxlIjp0cnVlLCJQYXJlbnRTdHlsZSI6bnVsbH0sIkluZGV4IjoyLCJTbWFydER1cmF0aW9uQWN0aXZhdGVkIjpmYWxzZSwiRGF0ZUZvcm1hdCI6eyIkcmVmIjoiMTk3In0sIklkIjoiNjNjZTkwZDktZGZlOC00MGQ1LTk5Y2UtMTFiOWQ3ZmUzODJiIiwiSW1wb3J0SWQiOm51bGwsIlRpdGxlIjoiQ3LDqWVyL0ltcHJpbWVyIGxlcyBwacOoY2VzIiwiTm90ZSI6bnVsbCwiSHlwZXJsaW5rIjpudWxsLCJJc0NoYW5nZWQiOmZhbHNlLCJJc05ldyI6ZmFsc2V9LHsiJGlkIjoiMTk4IiwiR3JvdXBOYW1lIjpudWxsLCJTdGFydERhdGUiOiIyMDE4LTAyLTEyVDAwOjAwOjAwIiwiRW5kRGF0ZSI6IjIwMTgtMDItMjZUMjM6NTk6MDAiLCJQZXJjZW50YWdlQ29tcGxldGUiOm51bGwsIlN0eWxlIjp7IiRpZCI6IjE5OSIsIlNoYXBlIjoxLCJTaGFwZVRoaWNrbmVzcyI6MSwiRHVyYXRpb25Gb3JtYXQiOjAsIkluY2x1ZGVOb25Xb3JraW5nRGF5c0luRHVyYXRpb24iOmZhbHNlLCJQZXJjZW50YWdlQ29tcGxldGVTdHlsZSI6eyIkaWQiOiIyMDAiLCJGb250U2V0dGluZ3MiOnsiJGlkIjoiMjAxIiwiRm9udFNpemUiOjEwLCJGb250TmFtZSI6IkNhbGlicmkiLCJJc0JvbGQiOmZhbHNlLCJJc0l0YWxpYyI6ZmFsc2UsIklzVW5kZXJsaW5lZCI6ZmFsc2UsIlBhcmVudFN0eWxlIjpudWxsfSwiQXV0b1NpemUiOjAsIkZvcmVncm91bmQiOnsiJGlkIjoiMjAyIiwiQ29sb3IiOnsiJHJlZiI6Ijg2In19LCJNYXhXaWR0aCI6MjAwLjAsIk1heEhlaWdodCI6IkluZmluaXR5IiwiU21hcnRGb3JlZ3JvdW5kSXNBY3RpdmUiOmZhbHNlLCJIb3Jpem9udGFsQWxpZ25tZW50IjowLCJWZXJ0aWNhbEFsaWdubWVudCI6MCwiU21hcnRGb3JlZ3JvdW5kIjpudWxsLCJNYXJnaW4iOnsiJGlkIjoiMjAzIiwiVG9wIjowLCJMZWZ0IjowLCJSaWdodCI6MCwiQm90dG9tIjowfSwiUGFkZGluZyI6eyIkaWQiOiIyMDQiLCJUb3AiOjAsIkxlZnQiOjAsIlJpZ2h0IjowLCJCb3R0b20iOjB9LCJCYWNrZ3JvdW5kIjp7IiRyZWYiOiI4OSJ9LCJJc1Zpc2libGUiOnRydWUsIldpZHRoIjowLjAsIkhlaWdodCI6MC4wLCJCb3JkZXJTdHlsZSI6eyIkaWQiOiIyMDUiLCJMaW5lQ29sb3IiOm51bGwsIkxpbmVXZWlnaHQiOjAuMCwiTGluZVR5cGUiOjAsIlBhcmVudFN0eWxlIjpudWxsfSwiUGFyZW50U3R5bGUiOm51bGx9LCJEdXJhdGlvblN0eWxlIjp7IiRpZCI6IjIwNiIsIkZvbnRTZXR0aW5ncyI6eyIkaWQiOiIyMDciLCJGb250U2l6ZSI6MTAsIkZvbnROYW1lIjoiQ2FsaWJyaSIsIklzQm9sZCI6ZmFsc2UsIklzSXRhbGljIjpmYWxzZSwiSXNVbmRlcmxpbmVkIjpmYWxzZSwiUGFyZW50U3R5bGUiOm51bGx9LCJBdXRvU2l6ZSI6MCwiRm9yZWdyb3VuZCI6eyIkaWQiOiIyMDgiLCJDb2xvciI6eyIkcmVmIjoiOTMifX0sIk1heFdpZHRoIjoyMDAuMCwiTWF4SGVpZ2h0IjoiSW5maW5pdHkiLCJTbWFydEZvcmVncm91bmRJc0FjdGl2ZSI6ZmFsc2UsIkhvcml6b250YWxBbGlnbm1lbnQiOjAsIlZlcnRpY2FsQWxpZ25tZW50IjowLCJTbWFydEZvcmVncm91bmQiOm51bGwsIk1hcmdpbiI6eyIkaWQiOiIyMDkiLCJUb3AiOjAsIkxlZnQiOjAsIlJpZ2h0IjowLCJCb3R0b20iOjB9LCJQYWRkaW5nIjp7IiRpZCI6IjIxMCIsIlRvcCI6MCwiTGVmdCI6MCwiUmlnaHQiOjAsIkJvdHRvbSI6MH0sIkJhY2tncm91bmQiOnsiJHJlZiI6Ijk2In0sIklzVmlzaWJsZSI6dHJ1ZSwiV2lkdGgiOjAuMCwiSGVpZ2h0IjowLjAsIkJvcmRlclN0eWxlIjp7IiRpZCI6IjIxMSIsIkxpbmVDb2xvciI6bnVsbCwiTGluZVdlaWdodCI6MC4wLCJMaW5lVHlwZSI6MCwiUGFyZW50U3R5bGUiOm51bGx9LCJQYXJlbnRTdHlsZSI6bnVsbH0sIkhvcml6b250YWxDb25uZWN0b3JTdHlsZSI6eyIkaWQiOiIyMTIiLCJMaW5lQ29sb3IiOnsiJHJlZiI6Ijk4In0sIkxpbmVXZWlnaHQiOjEuMCwiTGluZVR5cGUiOjAsIlBhcmVudFN0eWxlIjpudWxsfSwiVmVydGljYWxDb25uZWN0b3JTdHlsZSI6eyIkaWQiOiIyMTMiLCJMaW5lQ29sb3IiOnsiJHJlZiI6IjEwMSJ9LCJMaW5lV2VpZ2h0IjowLjAsIkxpbmVUeXBlIjowLCJQYXJlbnRTdHlsZSI6bnVsbH0sIk1hcmdpbiI6bnVsbCwiU3RhcnREYXRlUG9zaXRpb24iOjQsIkVuZERhdGVQb3NpdGlvbiI6NCwiRGF0ZUlzVmlzaWJsZSI6dHJ1ZSwiVGl0bGVQb3NpdGlvbiI6NSwiRHVyYXRpb25Qb3NpdGlvbiI6NiwiUGVyY2VudGFnZUNvbXBsZXRlZFBvc2l0aW9uIjo2LCJTcGFjaW5nIjo1LCJJc0JlbG93VGltZWJhbmQiOnRydWUsIlBlcmNlbnRhZ2VDb21wbGV0ZVNoYXBlT3BhY2l0eSI6MzUsIlNoYXBlU3R5bGUiOnsiJGlkIjoiMjE0IiwiTWFyZ2luIjp7IiRpZCI6IjIxNSIsIlRvcCI6MCwiTGVmdCI6NCwiUmlnaHQiOjQsIkJvdHRvbSI6MH0sIlBhZGRpbmciOnsiJGlkIjoiMjE2IiwiVG9wIjowLCJMZWZ0IjowLCJSaWdodCI6MCwiQm90dG9tIjowfSwiQmFja2dyb3VuZCI6eyIkaWQiOiIyMTciLCJDb2xvciI6eyIkaWQiOiIyMTgiLCJBIjoyNTUsIlIiOjI1NSwiRyI6MTA4LCJCIjowfX0sIklzVmlzaWJsZSI6dHJ1ZSwiV2lkdGgiOjAuMCwiSGVpZ2h0IjoxNi4wLCJCb3JkZXJTdHlsZSI6eyIkaWQiOiIyMTkiLCJMaW5lQ29sb3IiOnsiJHJlZiI6IjEwOSJ9LCJMaW5lV2VpZ2h0IjowLjAsIkxpbmVUeXBlIjowLCJQYXJlbnRTdHlsZSI6bnVsbH0sIlBhcmVudFN0eWxlIjpudWxsfSwiVGl0bGVTdHlsZSI6eyIkaWQiOiIyMjAiLCJGb250U2V0dGluZ3MiOnsiJGlkIjoiMjIxIiwiRm9udFNpemUiOjExLCJGb250TmFtZSI6IkNhbGlicmkiLCJJc0JvbGQiOnRydWUsIklzSXRhbGljIjpmYWxzZSwiSXNVbmRlcmxpbmVkIjpmYWxzZSwiUGFyZW50U3R5bGUiOm51bGx9LCJBdXRvU2l6ZSI6MCwiRm9yZWdyb3VuZCI6eyIkaWQiOiIyMjIiLCJDb2xvciI6eyIkcmVmIjoiMTE0In19LCJNYXhXaWR0aCI6OTYwLjAsIk1heEhlaWdodCI6IkluZmluaXR5IiwiU21hcnRGb3JlZ3JvdW5kSXNBY3RpdmUiOmZhbHNlLCJIb3Jpem9udGFsQWxpZ25tZW50IjowLCJWZXJ0aWNhbEFsaWdubWVudCI6MCwiU21hcnRGb3JlZ3JvdW5kIjpudWxsLCJNYXJnaW4iOnsiJGlkIjoiMjIzIiwiVG9wIjowLCJMZWZ0IjowLCJSaWdodCI6MCwiQm90dG9tIjowfSwiUGFkZGluZyI6eyIkaWQiOiIyMjQiLCJUb3AiOjAsIkxlZnQiOjAsIlJpZ2h0IjowLCJCb3R0b20iOjB9LCJCYWNrZ3JvdW5kIjp7IiRyZWYiOiIxMTcifSwiSXNWaXNpYmxlIjp0cnVlLCJXaWR0aCI6MC4wLCJIZWlnaHQiOjAuMCwiQm9yZGVyU3R5bGUiOnsiJGlkIjoiMjI1IiwiTGluZUNvbG9yIjpudWxsLCJMaW5lV2VpZ2h0IjowLjAsIkxpbmVUeXBlIjowLCJQYXJlbnRTdHlsZSI6bnVsbH0sIlBhcmVudFN0eWxlIjpudWxsfSwiRGF0ZVN0eWxlIjp7IiRpZCI6IjIyNiIsIkZvbnRTZXR0aW5ncyI6eyIkaWQiOiIyMjciLCJGb250U2l6ZSI6MTAsIkZvbnROYW1lIjoiQ2FsaWJyaSIsIklzQm9sZCI6ZmFsc2UsIklzSXRhbGljIjpmYWxzZSwiSXNVbmRlcmxpbmVkIjpmYWxzZSwiUGFyZW50U3R5bGUiOm51bGx9LCJBdXRvU2l6ZSI6MCwiRm9yZWdyb3VuZCI6eyIkaWQiOiIyMjgiLCJDb2xvciI6eyIkcmVmIjoiMTIxIn19LCJNYXhXaWR0aCI6MjAwLjAsIk1heEhlaWdodCI6IkluZmluaXR5IiwiU21hcnRGb3JlZ3JvdW5kSXNBY3RpdmUiOmZhbHNlLCJIb3Jpem9udGFsQWxpZ25tZW50IjowLCJWZXJ0aWNhbEFsaWdubWVudCI6MCwiU21hcnRGb3JlZ3JvdW5kIjpudWxsLCJNYXJnaW4iOnsiJGlkIjoiMjI5IiwiVG9wIjowLCJMZWZ0IjowLCJSaWdodCI6MCwiQm90dG9tIjowfSwiUGFkZGluZyI6eyIkaWQiOiIyMzAiLCJUb3AiOjAsIkxlZnQiOjAsIlJpZ2h0IjowLCJCb3R0b20iOjB9LCJCYWNrZ3JvdW5kIjp7IiRyZWYiOiIxMjQifSwiSXNWaXNpYmxlIjp0cnVlLCJXaWR0aCI6MC4wLCJIZWlnaHQiOjAuMCwiQm9yZGVyU3R5bGUiOnsiJGlkIjoiMjMxIiwiTGluZUNvbG9yIjpudWxsLCJMaW5lV2VpZ2h0IjowLjAsIkxpbmVUeXBlIjowLCJQYXJlbnRTdHlsZSI6bnVsbH0sIlBhcmVudFN0eWxlIjpudWxsfSwiRGF0ZUZvcm1hdCI6eyIkaWQiOiIyMzIiLCJGb3JtYXRTdHJpbmciOiJkL00veXl5eSIsIlNlcGFyYXRvciI6Ii8iLCJVc2VJbnRlcm5hdGlvbmFsRGF0ZUZvcm1hdCI6dHJ1ZSwiRGF0ZUlzVmlzaWJsZSI6dHJ1ZSwiVGltZUlzVmlzaWJsZSI6ZmFsc2UsIkhvdXJEaWdpdHMiOjEsIkFtUG1EZXNpZ25hdG9yIjoyLCJUcmltMDBNaW51dGVzIjpmYWxzZSwiTGFzdEtub3duVmlzaWJpbGl0eVN0YXRlIjpudWxsfSwiSXNWaXNpYmxlIjp0cnVlLCJQYXJlbnRTdHlsZSI6bnVsbH0sIkluZGV4IjozLCJTbWFydER1cmF0aW9uQWN0aXZhdGVkIjpmYWxzZSwiRGF0ZUZvcm1hdCI6eyIkcmVmIjoiMjMyIn0sIklkIjoiOTJkMzA1NTUtNDZiNy00YjJjLTg4ZjEtN2E1ZjQzM2NlYzgxIiwiSW1wb3J0SWQiOm51bGwsIlRpdGxlIjoiVGVzdGUgZGVzIGRpZmbDqXJlbnRzIHNvdXMtYXNzZW1ibGFnZXMiLCJOb3RlIjpudWxsLCJIeXBlcmxpbmsiOm51bGwsIklzQ2hhbmdlZCI6ZmFsc2UsIklzTmV3IjpmYWxzZX0seyIkaWQiOiIyMzMiLCJHcm91cE5hbWUiOm51bGwsIlN0YXJ0RGF0ZSI6IjIwMTgtMDItMjBUMDA6MDA6MDAiLCJFbmREYXRlIjoiMjAxOC0wNC0yN1QyMzo1OTowMCIsIlBlcmNlbnRhZ2VDb21wbGV0ZSI6bnVsbCwiU3R5bGUiOnsiJGlkIjoiMjM0IiwiU2hhcGUiOjEsIlNoYXBlVGhpY2tuZXNzIjoxLCJEdXJhdGlvbkZvcm1hdCI6MCwiSW5jbHVkZU5vbldvcmtpbmdEYXlzSW5EdXJhdGlvbiI6ZmFsc2UsIlBlcmNlbnRhZ2VDb21wbGV0ZVN0eWxlIjp7IiRpZCI6IjIzNSIsIkZvbnRTZXR0aW5ncyI6eyIkaWQiOiIyMzYiLCJGb250U2l6ZSI6MTAsIkZvbnROYW1lIjoiQ2FsaWJyaSIsIklzQm9sZCI6ZmFsc2UsIklzSXRhbGljIjpmYWxzZSwiSXNVbmRlcmxpbmVkIjpmYWxzZSwiUGFyZW50U3R5bGUiOm51bGx9LCJBdXRvU2l6ZSI6MCwiRm9yZWdyb3VuZCI6eyIkaWQiOiIyMzciLCJDb2xvciI6eyIkcmVmIjoiODYifX0sIk1heFdpZHRoIjoyMDAuMCwiTWF4SGVpZ2h0IjoiSW5maW5pdHkiLCJTbWFydEZvcmVncm91bmRJc0FjdGl2ZSI6ZmFsc2UsIkhvcml6b250YWxBbGlnbm1lbnQiOjAsIlZlcnRpY2FsQWxpZ25tZW50IjowLCJTbWFydEZvcmVncm91bmQiOm51bGwsIk1hcmdpbiI6eyIkaWQiOiIyMzgiLCJUb3AiOjAsIkxlZnQiOjAsIlJpZ2h0IjowLCJCb3R0b20iOjB9LCJQYWRkaW5nIjp7IiRpZCI6IjIzOSIsIlRvcCI6MCwiTGVmdCI6MCwiUmlnaHQiOjAsIkJvdHRvbSI6MH0sIkJhY2tncm91bmQiOnsiJHJlZiI6Ijg5In0sIklzVmlzaWJsZSI6dHJ1ZSwiV2lkdGgiOjAuMCwiSGVpZ2h0IjowLjAsIkJvcmRlclN0eWxlIjp7IiRpZCI6IjI0MCIsIkxpbmVDb2xvciI6bnVsbCwiTGluZVdlaWdodCI6MC4wLCJMaW5lVHlwZSI6MCwiUGFyZW50U3R5bGUiOm51bGx9LCJQYXJlbnRTdHlsZSI6bnVsbH0sIkR1cmF0aW9uU3R5bGUiOnsiJGlkIjoiMjQxIiwiRm9udFNldHRpbmdzIjp7IiRpZCI6IjI0MiIsIkZvbnRTaXplIjoxMCwiRm9udE5hbWUiOiJDYWxpYnJpIiwiSXNCb2xkIjpmYWxzZSwiSXNJdGFsaWMiOmZhbHNlLCJJc1VuZGVybGluZWQiOmZhbHNlLCJQYXJlbnRTdHlsZSI6bnVsbH0sIkF1dG9TaXplIjowLCJGb3JlZ3JvdW5kIjp7IiRpZCI6IjI0MyIsIkNvbG9yIjp7IiRyZWYiOiI5MyJ9fSwiTWF4V2lkdGgiOjIwMC4wLCJNYXhIZWlnaHQiOiJJbmZpbml0eSIsIlNtYXJ0Rm9yZWdyb3VuZElzQWN0aXZlIjpmYWxzZSwiSG9yaXpvbnRhbEFsaWdubWVudCI6MCwiVmVydGljYWxBbGlnbm1lbnQiOjAsIlNtYXJ0Rm9yZWdyb3VuZCI6bnVsbCwiTWFyZ2luIjp7IiRpZCI6IjI0NCIsIlRvcCI6MCwiTGVmdCI6MCwiUmlnaHQiOjAsIkJvdHRvbSI6MH0sIlBhZGRpbmciOnsiJGlkIjoiMjQ1IiwiVG9wIjowLCJMZWZ0IjowLCJSaWdodCI6MCwiQm90dG9tIjowfSwiQmFja2dyb3VuZCI6eyIkcmVmIjoiOTYifSwiSXNWaXNpYmxlIjp0cnVlLCJXaWR0aCI6MC4wLCJIZWlnaHQiOjAuMCwiQm9yZGVyU3R5bGUiOnsiJGlkIjoiMjQ2IiwiTGluZUNvbG9yIjpudWxsLCJMaW5lV2VpZ2h0IjowLjAsIkxpbmVUeXBlIjowLCJQYXJlbnRTdHlsZSI6bnVsbH0sIlBhcmVudFN0eWxlIjpudWxsfSwiSG9yaXpvbnRhbENvbm5lY3RvclN0eWxlIjp7IiRpZCI6IjI0NyIsIkxpbmVDb2xvciI6eyIkcmVmIjoiOTgifSwiTGluZVdlaWdodCI6MS4wLCJMaW5lVHlwZSI6MCwiUGFyZW50U3R5bGUiOm51bGx9LCJWZXJ0aWNhbENvbm5lY3RvclN0eWxlIjp7IiRpZCI6IjI0OCIsIkxpbmVDb2xvciI6eyIkcmVmIjoiMTAxIn0sIkxpbmVXZWlnaHQiOjAuMCwiTGluZVR5cGUiOjAsIlBhcmVudFN0eWxlIjpudWxsfSwiTWFyZ2luIjpudWxsLCJTdGFydERhdGVQb3NpdGlvbiI6NCwiRW5kRGF0ZVBvc2l0aW9uIjo0LCJEYXRlSXNWaXNpYmxlIjp0cnVlLCJUaXRsZVBvc2l0aW9uIjo1LCJEdXJhdGlvblBvc2l0aW9uIjo2LCJQZXJjZW50YWdlQ29tcGxldGVkUG9zaXRpb24iOjYsIlNwYWNpbmciOjUsIklzQmVsb3dUaW1lYmFuZCI6dHJ1ZSwiUGVyY2VudGFnZUNvbXBsZXRlU2hhcGVPcGFjaXR5IjozNSwiU2hhcGVTdHlsZSI6eyIkaWQiOiIyNDkiLCJNYXJnaW4iOnsiJGlkIjoiMjUwIiwiVG9wIjowLCJMZWZ0Ijo0LCJSaWdodCI6NCwiQm90dG9tIjowfSwiUGFkZGluZyI6eyIkaWQiOiIyNTEiLCJUb3AiOjAsIkxlZnQiOjAsIlJpZ2h0IjowLCJCb3R0b20iOjB9LCJCYWNrZ3JvdW5kIjp7IiRpZCI6IjI1MiIsIkNvbG9yIjp7IiRpZCI6IjI1MyIsIkEiOjI1NSwiUiI6MjUxLCJHIjo1OSwiQiI6MH19LCJJc1Zpc2libGUiOnRydWUsIldpZHRoIjowLjAsIkhlaWdodCI6MTYuMCwiQm9yZGVyU3R5bGUiOnsiJGlkIjoiMjU0IiwiTGluZUNvbG9yIjp7IiRyZWYiOiIxMDkifSwiTGluZVdlaWdodCI6MC4wLCJMaW5lVHlwZSI6MCwiUGFyZW50U3R5bGUiOm51bGx9LCJQYXJlbnRTdHlsZSI6bnVsbH0sIlRpdGxlU3R5bGUiOnsiJGlkIjoiMjU1IiwiRm9udFNldHRpbmdzIjp7IiRpZCI6IjI1NiIsIkZvbnRTaXplIjoxMSwiRm9udE5hbWUiOiJDYWxpYnJpIiwiSXNCb2xkIjp0cnVlLCJJc0l0YWxpYyI6ZmFsc2UsIklzVW5kZXJsaW5lZCI6ZmFsc2UsIlBhcmVudFN0eWxlIjpudWxsfSwiQXV0b1NpemUiOjAsIkZvcmVncm91bmQiOnsiJGlkIjoiMjU3IiwiQ29sb3IiOnsiJHJlZiI6IjExNCJ9fSwiTWF4V2lkdGgiOjk2MC4wLCJNYXhIZWlnaHQiOiJJbmZpbml0eSIsIlNtYXJ0Rm9yZWdyb3VuZElzQWN0aXZlIjpmYWxzZSwiSG9yaXpvbnRhbEFsaWdubWVudCI6MCwiVmVydGljYWxBbGlnbm1lbnQiOjAsIlNtYXJ0Rm9yZWdyb3VuZCI6bnVsbCwiTWFyZ2luIjp7IiRpZCI6IjI1OCIsIlRvcCI6MCwiTGVmdCI6MCwiUmlnaHQiOjAsIkJvdHRvbSI6MH0sIlBhZGRpbmciOnsiJGlkIjoiMjU5IiwiVG9wIjowLCJMZWZ0IjowLCJSaWdodCI6MCwiQm90dG9tIjowfSwiQmFja2dyb3VuZCI6eyIkcmVmIjoiMTE3In0sIklzVmlzaWJsZSI6dHJ1ZSwiV2lkdGgiOjAuMCwiSGVpZ2h0IjowLjAsIkJvcmRlclN0eWxlIjp7IiRpZCI6IjI2MCIsIkxpbmVDb2xvciI6bnVsbCwiTGluZVdlaWdodCI6MC4wLCJMaW5lVHlwZSI6MCwiUGFyZW50U3R5bGUiOm51bGx9LCJQYXJlbnRTdHlsZSI6bnVsbH0sIkRhdGVTdHlsZSI6eyIkaWQiOiIyNjEiLCJGb250U2V0dGluZ3MiOnsiJGlkIjoiMjYyIiwiRm9udFNpemUiOjEwLCJGb250TmFtZSI6IkNhbGlicmkiLCJJc0JvbGQiOmZhbHNlLCJJc0l0YWxpYyI6ZmFsc2UsIklzVW5kZXJsaW5lZCI6ZmFsc2UsIlBhcmVudFN0eWxlIjpudWxsfSwiQXV0b1NpemUiOjAsIkZvcmVncm91bmQiOnsiJGlkIjoiMjYzIiwiQ29sb3IiOnsiJHJlZiI6IjEyMSJ9fSwiTWF4V2lkdGgiOjIwMC4wLCJNYXhIZWlnaHQiOiJJbmZpbml0eSIsIlNtYXJ0Rm9yZWdyb3VuZElzQWN0aXZlIjpmYWxzZSwiSG9yaXpvbnRhbEFsaWdubWVudCI6MCwiVmVydGljYWxBbGlnbm1lbnQiOjAsIlNtYXJ0Rm9yZWdyb3VuZCI6bnVsbCwiTWFyZ2luIjp7IiRpZCI6IjI2NCIsIlRvcCI6MCwiTGVmdCI6MCwiUmlnaHQiOjAsIkJvdHRvbSI6MH0sIlBhZGRpbmciOnsiJGlkIjoiMjY1IiwiVG9wIjowLCJMZWZ0IjowLCJSaWdodCI6MCwiQm90dG9tIjowfSwiQmFja2dyb3VuZCI6eyIkcmVmIjoiMTI0In0sIklzVmlzaWJsZSI6dHJ1ZSwiV2lkdGgiOjAuMCwiSGVpZ2h0IjowLjAsIkJvcmRlclN0eWxlIjp7IiRpZCI6IjI2NiIsIkxpbmVDb2xvciI6bnVsbCwiTGluZVdlaWdodCI6MC4wLCJMaW5lVHlwZSI6MCwiUGFyZW50U3R5bGUiOm51bGx9LCJQYXJlbnRTdHlsZSI6bnVsbH0sIkRhdGVGb3JtYXQiOnsiJGlkIjoiMjY3IiwiRm9ybWF0U3RyaW5nIjoiZC9NL3l5eXkiLCJTZXBhcmF0b3IiOiIvIiwiVXNlSW50ZXJuYXRpb25hbERhdGVGb3JtYXQiOnRydWUsIkRhdGVJc1Zpc2libGUiOnRydWUsIlRpbWVJc1Zpc2libGUiOmZhbHNlLCJIb3VyRGlnaXRzIjoxLCJBbVBtRGVzaWduYXRvciI6MiwiVHJpbTAwTWludXRlcyI6ZmFsc2UsIkxhc3RLbm93blZpc2liaWxpdHlTdGF0ZSI6bnVsbH0sIklzVmlzaWJsZSI6dHJ1ZSwiUGFyZW50U3R5bGUiOm51bGx9LCJJbmRleCI6NCwiU21hcnREdXJhdGlvbkFjdGl2YXRlZCI6ZmFsc2UsIkRhdGVGb3JtYXQiOnsiJHJlZiI6IjI2NyJ9LCJJZCI6ImE4YjMwMGYzLTlhZmYtNGJjNS04ZjA2LTk5ZWNhMDBjMzdmNCIsIkltcG9ydElkIjpudWxsLCJUaXRsZSI6IkFzc2VtYmxhZ2VzIiwiTm90ZSI6bnVsbCwiSHlwZXJsaW5rIjpudWxsLCJJc0NoYW5nZWQiOmZhbHNlLCJJc05ldyI6ZmFsc2V9XSwiTXNQcm9qZWN0SXRlbXNUcmVlIjp7IiRpZCI6IjI2OCIsIlJvb3QiOnsiSW1wb3J0SWQiOm51bGwsIklzSW1wb3J0ZWQiOmZhbHNlLCJDaGlsZHJlbiI6W119fSwiTWV0YWRhdGEiOnsiJGlkIjoiMjY5In0sIlNldHRpbmdzIjp7IiRpZCI6IjI3MCIsIkltcGFPcHRpb25zIjp7IiRpZCI6IjI3MSIsIkxlZnRUb1JpZ2h0IjpmYWxzZSwiUGF5bG9hZE9wdGlvbnMiOjJ9LCJVc2VDb21wcmVzc2lvbiI6ZmFsc2UsIkNvbXByZXNpb25QZXJjZW50YWdlIjo1MC4wLCJJbmFjdGl2ZUludGVydmFsV2lkdGhUaHJlc2hvbGQiOjMwLjAsIkluYWN0aXZlSW50ZXJ2YWxXaWR0aCI6MS4wLCJTcGxpdFRhc2tzIjpmYWxzZSwiVXNlQ2x1c3RlciI6ZmFsc2UsIkVwc2lsb24iOjAuMCwiTWluUG9pbnRzVG9Gb3JtQUNsdXN0ZXIiOjIsIkdlbmVyYXRlSW52aXNpYmxlU2hhcGVzIjpmYWxzZSwiU21hcnRUaW1lbGluZVRhc2tQZXJjZW50YWdlRml0IjpmYWxzZX0sIklzTmV3Ijp0cnVlLCJJbXBvcnRUeXBlIjowLCJGaWxlUGF0aCI6bnVsbCwiVGltZUNvbmZpZ3VyYXRpb24iOnsiJGlkIjoiMjcyIiwiVXNlVGltZSI6ZmFsc2UsIldvcmtEYXlTdGFydCI6IjAwOjAwOjAwIiwiV29ya0RheUVuZCI6IjIzOjU5OjAwIn0sIkxhc3RVc2VkVGVtcGxhdGVJZCI6IjczNTViNjMzLWFjNjYtNDUyOC04YjRkLTI5OWZhZWRjOWVlOSJ9"/>
+  <p:tag name="__PART_0" val="eyIkaWQiOiIxIiwiQ3VsdHVyZUluZm9OYW1lIjoiZnItRlIiLCJTdHlsZU5hbWUiOm51bGwsIlZlcnNpb24iOnsiJGlkIjoiMiIsIlZlcnNpb24iOiIzLjEuMSIsIk9yaWdpbmFsQXNzZW1ibHlWZXJzaW9uIjoiMy4xOC4wMi4wMCIsIkVkaXRpb24iOiJCYXNpYyIsIklzUGx1c0VkaXRpb24iOmZhbHNlfSwiRWZmZWN0IjoxLCJTdHlsZSI6eyIkaWQiOiIzIiwiVGltZWJhbmRTdHlsZSI6eyIkaWQiOiI0IiwiU2NhbGVNYXJraW5nIjowLCJTaGFwZSI6MCwiU2hhcGVTdHlsZSI6eyIkaWQiOiI1IiwiTWFyZ2luIjp7IiRpZCI6IjYiLCJUb3AiOjAsIkxlZnQiOjEyLCJSaWdodCI6MTIsIkJvdHRvbSI6MH0sIlBhZGRpbmciOnsiJGlkIjoiNyIsIlRvcCI6NywiTGVmdCI6MCwiUmlnaHQiOjAsIkJvdHRvbSI6N30sIkJhY2tncm91bmQiOnsiJGlkIjoiOCIsIkNvbG9yIjp7IiRpZCI6IjkiLCJBIjoyNTUsIlIiOjEwNSwiRyI6MTAwLCJCIjoxMDB9fSwiSXNWaXNpYmxlIjp0cnVlLCJXaWR0aCI6ODU4LjAsIkhlaWdodCI6MzAuMCwiQm9yZGVyU3R5bGUiOnsiJGlkIjoiMTAiLCJMaW5lQ29sb3IiOnsiJGlkIjoiMTEiLCIkdHlwZSI6Ik5MUkUuQ29tbW9uLkRvbS5Tb2xpZENvbG9yQnJ1c2gsIE5MUkUuQ29tbW9uIiwiQ29sb3IiOnsiJGlkIjoiMTIiLCJBIjoyNTUsIlIiOjI1NSwiRyI6MCwiQiI6MH19LCJMaW5lV2VpZ2h0IjowLjAsIkxpbmVUeXBlIjowLCJQYXJlbnRTdHlsZSI6bnVsbH0sIlBhcmVudFN0eWxlIjpudWxsfSwiUmlnaHRFbmRDYXBzU3R5bGUiOnsiJGlkIjoiMTMiLCJGb250U2V0dGluZ3MiOnsiJGlkIjoiMTQiLCJGb250U2l6ZSI6MTgsIkZvbnROYW1lIjoiQ2FsaWJyaSIsIklzQm9sZCI6dHJ1ZSwiSXNJdGFsaWMiOmZhbHNlLCJJc1VuZGVybGluZWQiOmZhbHNlLCJQYXJlbnRTdHlsZSI6bnVsbH0sIkF1dG9TaXplIjowLCJGb3JlZ3JvdW5kIjp7IiRpZCI6IjE1IiwiQ29sb3IiOnsiJGlkIjoiMTYiLCJBIjoyNTUsIlIiOjIzNywiRyI6MTI1LCJCIjo0OX19LCJNYXhXaWR0aCI6IkluZmluaXR5IiwiTWF4SGVpZ2h0IjoiSW5maW5pdHkiLCJTbWFydEZvcmVncm91bmRJc0FjdGl2ZSI6ZmFsc2UsIkhvcml6b250YWxBbGlnbm1lbnQiOjAsIlZlcnRpY2FsQWxpZ25tZW50IjowLCJTbWFydEZvcmVncm91bmQiOm51bGwsIk1hcmdpbiI6eyIkaWQiOiIxNyIsIlRvcCI6MCwiTGVmdCI6MCwiUmlnaHQiOjI1LCJCb3R0b20iOjB9LCJQYWRkaW5nIjp7IiRpZCI6IjE4IiwiVG9wIjowLCJMZWZ0IjowLCJSaWdodCI6MCwiQm90dG9tIjowfSwiQmFja2dyb3VuZCI6eyIkaWQiOiIxOSIsIkNvbG9yIjp7IiRpZCI6IjIwIiwiQSI6ODksIlIiOjAsIkciOjAsIkIiOjB9fSwiSXNWaXNpYmxlIjp0cnVlLCJXaWR0aCI6MC4wLCJIZWlnaHQiOjAuMCwiQm9yZGVyU3R5bGUiOm51bGwsIlBhcmVudFN0eWxlIjpudWxsfSwiTGVmdEVuZENhcHNTdHlsZSI6eyIkaWQiOiIyMSIsIkZvbnRTZXR0aW5ncyI6eyIkaWQiOiIyMiIsIkZvbnRTaXplIjoxOCwiRm9udE5hbWUiOiJDYWxpYnJpIiwiSXNCb2xkIjp0cnVlLCJJc0l0YWxpYyI6ZmFsc2UsIklzVW5kZXJsaW5lZCI6ZmFsc2UsIlBhcmVudFN0eWxlIjpudWxsfSwiQXV0b1NpemUiOjAsIkZvcmVncm91bmQiOnsiJGlkIjoiMjMiLCJDb2xvciI6eyIkaWQiOiIyNCIsIkEiOjI1NSwiUiI6MjM3LCJHIjoxMjUsIkIiOjQ5fX0sIk1heFdpZHRoIjoiSW5maW5pdHkiLCJNYXhIZWlnaHQiOiJJbmZpbml0eSIsIlNtYXJ0Rm9yZWdyb3VuZElzQWN0aXZlIjpmYWxzZSwiSG9yaXpvbnRhbEFsaWdubWVudCI6MCwiVmVydGljYWxBbGlnbm1lbnQiOjAsIlNtYXJ0Rm9yZWdyb3VuZCI6bnVsbCwiTWFyZ2luIjp7IiRpZCI6IjI1IiwiVG9wIjowLCJMZWZ0IjoyNSwiUmlnaHQiOjAsIkJvdHRvbSI6MH0sIlBhZGRpbmciOnsiJGlkIjoiMjYiLCJUb3AiOjAsIkxlZnQiOjAsIlJpZ2h0IjowLCJCb3R0b20iOjB9LCJCYWNrZ3JvdW5kIjp7IiRpZCI6IjI3IiwiQ29sb3IiOnsiJHJlZiI6IjIwIn19LCJJc1Zpc2libGUiOnRydWUsIldpZHRoIjowLjAsIkhlaWdodCI6MC4wLCJCb3JkZXJTdHlsZSI6bnVsbCwiUGFyZW50U3R5bGUiOm51bGx9LCJUb2RheVRleHRTdHlsZSI6eyIkaWQiOiIyOCIsIkZvbnRTZXR0aW5ncyI6eyIkaWQiOiIyOSIsIkZvbnRTaXplIjoxMiwiRm9udE5hbWUiOiJDYWxpYnJpIiwiSXNCb2xkIjpmYWxzZSwiSXNJdGFsaWMiOmZhbHNlLCJJc1VuZGVybGluZWQiOmZhbHNlLCJQYXJlbnRTdHlsZSI6bnVsbH0sIkF1dG9TaXplIjowLCJGb3JlZ3JvdW5kIjp7IiRpZCI6IjMwIiwiQ29sb3IiOnsiJGlkIjoiMzEiLCJBIjoyNTUsIlIiOjAsIkciOjAsIkIiOjB9fSwiTWF4V2lkdGgiOjIwMC4wLCJNYXhIZWlnaHQiOiJJbmZpbml0eSIsIlNtYXJ0Rm9yZWdyb3VuZElzQWN0aXZlIjpmYWxzZSwiSG9yaXpvbnRhbEFsaWdubWVudCI6MCwiVmVydGljYWxBbGlnbm1lbnQiOjAsIlNtYXJ0Rm9yZWdyb3VuZCI6bnVsbCwiTWFyZ2luIjp7IiRpZCI6IjMyIiwiVG9wIjowLCJMZWZ0IjowLCJSaWdodCI6MCwiQm90dG9tIjowfSwiUGFkZGluZyI6eyIkaWQiOiIzMyIsIlRvcCI6MCwiTGVmdCI6MCwiUmlnaHQiOjAsIkJvdHRvbSI6MH0sIkJhY2tncm91bmQiOnsiJGlkIjoiMzQiLCJDb2xvciI6eyIkcmVmIjoiMjAifX0sIklzVmlzaWJsZSI6dHJ1ZSwiV2lkdGgiOjAuMCwiSGVpZ2h0IjowLjAsIkJvcmRlclN0eWxlIjpudWxsLCJQYXJlbnRTdHlsZSI6bnVsbH0sIlRvZGF5TWFya2VyU3R5bGUiOnsiJGlkIjoiMzUiLCJNYXJnaW4iOnsiJGlkIjoiMzYiLCJUb3AiOjAsIkxlZnQiOjAsIlJpZ2h0IjowLCJCb3R0b20iOjB9LCJQYWRkaW5nIjp7IiRpZCI6IjM3IiwiVG9wIjowLCJMZWZ0IjowLCJSaWdodCI6MCwiQm90dG9tIjowfSwiQmFja2dyb3VuZCI6eyIkaWQiOiIzOCIsIkNvbG9yIjp7IiRpZCI6IjM5IiwiQSI6MjU1LCJSIjoyNTUsIkciOjAsIkIiOjB9fSwiSXNWaXNpYmxlIjp0cnVlLCJXaWR0aCI6MC4wLCJIZWlnaHQiOjAuMCwiQm9yZGVyU3R5bGUiOm51bGwsIlBhcmVudFN0eWxlIjpudWxsfSwiU2NhbGVTdHlsZSI6eyIkaWQiOiI0MCIsIlNob3dTZWdtZW50U2VwYXJhdG9ycyI6dHJ1ZSwiU2VnbWVudFNlcGFyYXRvck9wYWNpdHkiOjMwLCJGb250U2V0dGluZ3MiOnsiJGlkIjoiNDEiLCJGb250U2l6ZSI6MTIsIkZvbnROYW1lIjoiQ2FsaWJyaSIsIklzQm9sZCI6ZmFsc2UsIklzSXRhbGljIjpmYWxzZSwiSXNVbmRlcmxpbmVkIjpmYWxzZSwiUGFyZW50U3R5bGUiOm51bGx9LCJBdXRvU2l6ZSI6MCwiRm9yZWdyb3VuZCI6eyIkaWQiOiI0MiIsIkNvbG9yIjp7IiRpZCI6IjQzIiwiQSI6MjU1LCJSIjoyNTUsIkciOjI1NSwiQiI6MjU1fX0sIk1heFdpZHRoIjoyMDAuMCwiTWF4SGVpZ2h0IjoiSW5maW5pdHkiLCJTbWFydEZvcmVncm91bmRJc0FjdGl2ZSI6ZmFsc2UsIkhvcml6b250YWxBbGlnbm1lbnQiOjAsIlZlcnRpY2FsQWxpZ25tZW50IjoxLCJTbWFydEZvcmVncm91bmQiOm51bGwsIk1hcmdpbiI6eyIkaWQiOiI0NCIsIlRvcCI6MCwiTGVmdCI6NSwiUmlnaHQiOjAsIkJvdHRvbSI6MH0sIlBhZGRpbmciOnsiJGlkIjoiNDUiLCJUb3AiOjAsIkxlZnQiOjAsIlJpZ2h0IjowLCJCb3R0b20iOjB9LCJCYWNrZ3JvdW5kIjp7IiRpZCI6IjQ2IiwiQ29sb3IiOnsiJHJlZiI6IjIwIn19LCJJc1Zpc2libGUiOnRydWUsIldpZHRoIjowLjAsIkhlaWdodCI6MC4wLCJCb3JkZXJTdHlsZSI6bnVsbCwiUGFyZW50U3R5bGUiOm51bGx9LCJFbGFwc2VkVGltZUJhY2tncm91bmQiOnsiJGlkIjoiNDciLCJDb2xvciI6eyIkaWQiOiI0OCIsIkEiOjE5MSwiUiI6MjU1LCJHIjowLCJCIjowfX0sIkFwcGVuZFllYXJPblllYXJDaGFuZ2UiOnRydWUsIkVsYXBzZWRUaW1lRm9ybWF0IjoyLCJUb2RheU1hcmtlclBvc2l0aW9uIjozLCJRdWlja1Bvc2l0aW9uIjoxLCJBYnNvbHV0ZVBvc2l0aW9uIjoyNDAuMCwiTWFyZ2luIjp7IiRpZCI6IjQ5IiwiVG9wIjowLCJMZWZ0IjoxMCwiUmlnaHQiOjEwLCJCb3R0b20iOjB9LCJQYWRkaW5nIjp7IiRpZCI6IjUwIiwiVG9wIjowLCJMZWZ0IjowLCJSaWdodCI6MCwiQm90dG9tIjowfSwiQmFja2dyb3VuZCI6eyIkaWQiOiI1MSIsIkNvbG9yIjp7IiRpZCI6IjUyIiwiQSI6MjU1LCJSIjozMSwiRyI6NzMsIkIiOjEyNX19LCJJc1Zpc2libGUiOnRydWUsIldpZHRoIjowLjAsIkhlaWdodCI6MC4wLCJCb3JkZXJTdHlsZSI6bnVsbCwiUGFyZW50U3R5bGUiOm51bGx9LCJEZWZhdWx0TWlsZXN0b25lU3R5bGUiOnsiJGlkIjoiNTMiLCJTaGFwZSI6MiwiQ29ubmVjdG9yTWFyZ2luIjp7IiRpZCI6IjU0IiwiVG9wIjowLCJMZWZ0IjoyLCJSaWdodCI6MiwiQm90dG9tIjowfSwiQ29ubmVjdG9yU3R5bGUiOnsiJGlkIjoiNTUiLCJMaW5lQ29sb3IiOnsiJGlkIjoiNTYiLCIkdHlwZSI6Ik5MUkUuQ29tbW9uLkRvbS5Tb2xpZENvbG9yQnJ1c2gsIE5MUkUuQ29tbW9uIiwiQ29sb3IiOnsiJGlkIjoiNTciLCJBIjoxMjcsIlIiOjMxLCJHIjo3MywiQiI6MTI2fX0sIkxpbmVXZWlnaHQiOjEuMCwiTGluZVR5cGUiOjAsIlBhcmVudFN0eWxlIjpudWxsfSwiSXNCZWxvd1RpbWViYW5kIjpmYWxzZSwiSGlkZURhdGUiOmZhbHNlLCJTaGFwZVNpemUiOjEsIlNwYWNpbmciOjEuMCwiUGFkZGluZyI6eyIkaWQiOiI1OCIsIlRvcCI6NywiTGVmdCI6MywiUmlnaHQiOjAsIkJvdHRvbSI6Mn0sIlNoYXBlU3R5bGUiOnsiJGlkIjoiNTkiLCJNYXJnaW4iOnsiJGlkIjoiNjAiLCJUb3AiOjAsIkxlZnQiOjAsIlJpZ2h0IjowLCJCb3R0b20iOjB9LCJQYWRkaW5nIjp7IiRpZCI6IjYxIiwiVG9wIjowLCJMZWZ0IjowLCJSaWdodCI6MCwiQm90dG9tIjowfSwiQmFja2dyb3VuZCI6eyIkaWQiOiI2MiIsIkNvbG9yIjp7IiRpZCI6IjYzIiwiQSI6MjU1LCJSIjowLCJHIjoxMTQsIkIiOjE4OH19LCJJc1Zpc2libGUiOnRydWUsIldpZHRoIjoxOC4wLCJIZWlnaHQiOjIwLjAsIkJvcmRlclN0eWxlIjp7IiRpZCI6IjY0IiwiTGluZUNvbG9yIjp7IiRpZCI6IjY1IiwiJHR5cGUiOiJOTFJFLkNvbW1vbi5Eb20uU29saWRDb2xvckJydXNoLCBOTFJFLkNvbW1vbiIsIkNvbG9yIjp7IiRpZCI6IjY2IiwiQSI6MjU1LCJSIjoyNTUsIkciOjAsIkIiOjB9fSwiTGluZVdlaWdodCI6MC4wLCJMaW5lVHlwZSI6MCwiUGFyZW50U3R5bGUiOm51bGx9LCJQYXJlbnRTdHlsZSI6bnVsbH0sIlRpdGxlU3R5bGUiOnsiJGlkIjoiNjciLCJGb250U2V0dGluZ3MiOnsiJGlkIjoiNjgiLCJGb250U2l6ZSI6MTEsIkZvbnROYW1lIjoiQ2FsaWJyaSIsIklzQm9sZCI6dHJ1ZSwiSXNJdGFsaWMiOmZhbHNlLCJJc1VuZGVybGluZWQiOmZhbHNlLCJQYXJlbnRTdHlsZSI6bnVsbH0sIkF1dG9TaXplIjowLCJGb3JlZ3JvdW5kIjp7IiRpZCI6IjY5IiwiQ29sb3IiOnsiJGlkIjoiNzAiLCJBIjoyNTUsIlIiOjAsIkciOjAsIkIiOjB9fSwiTWF4V2lkdGgiOjIwMC4wLCJNYXhIZWlnaHQiOiJJbmZpbml0eSIsIlNtYXJ0Rm9yZWdyb3VuZElzQWN0aXZlIjpmYWxzZSwiSG9yaXpvbnRhbEFsaWdubWVudCI6MCwiVmVydGljYWxBbGlnbm1lbnQiOjAsIlNtYXJ0Rm9yZWdyb3VuZCI6bnVsbCwiTWFyZ2luIjp7IiRpZCI6IjcxIiwiVG9wIjowLCJMZWZ0IjowLCJSaWdodCI6MCwiQm90dG9tIjowfSwiUGFkZGluZyI6eyIkaWQiOiI3MiIsIlRvcCI6MCwiTGVmdCI6MCwiUmlnaHQiOjAsIkJvdHRvbSI6MH0sIkJhY2tncm91bmQiOnsiJGlkIjoiNzMiLCJDb2xvciI6eyIkcmVmIjoiMjAifX0sIklzVmlzaWJsZSI6dHJ1ZSwiV2lkdGgiOjAuMCwiSGVpZ2h0IjowLjAsIkJvcmRlclN0eWxlIjpudWxsLCJQYXJlbnRTdHlsZSI6bnVsbH0sIkRhdGVTdHlsZSI6eyIkaWQiOiI3NCIsIkZvbnRTZXR0aW5ncyI6eyIkaWQiOiI3NSIsIkZvbnRTaXplIjoxMCwiRm9udE5hbWUiOiJDYWxpYnJpIiwiSXNCb2xkIjpmYWxzZSwiSXNJdGFsaWMiOmZhbHNlLCJJc1VuZGVybGluZWQiOmZhbHNlLCJQYXJlbnRTdHlsZSI6bnVsbH0sIkF1dG9TaXplIjowLCJGb3JlZ3JvdW5kIjp7IiRpZCI6Ijc2IiwiQ29sb3IiOnsiJGlkIjoiNzciLCJBIjoyNTUsIlIiOjY4LCJHIjo4NCwiQiI6MTA2fX0sIk1heFdpZHRoIjoyMDAuMCwiTWF4SGVpZ2h0IjoiSW5maW5pdHkiLCJTbWFydEZvcmVncm91bmRJc0FjdGl2ZSI6ZmFsc2UsIkhvcml6b250YWxBbGlnbm1lbnQiOjAsIlZlcnRpY2FsQWxpZ25tZW50IjowLCJTbWFydEZvcmVncm91bmQiOm51bGwsIk1hcmdpbiI6eyIkaWQiOiI3OCIsIlRvcCI6MCwiTGVmdCI6MCwiUmlnaHQiOjAsIkJvdHRvbSI6MH0sIlBhZGRpbmciOnsiJGlkIjoiNzkiLCJUb3AiOjAsIkxlZnQiOjAsIlJpZ2h0IjowLCJCb3R0b20iOjB9LCJCYWNrZ3JvdW5kIjp7IiRpZCI6IjgwIiwiQ29sb3IiOnsiJHJlZiI6IjIwIn19LCJJc1Zpc2libGUiOnRydWUsIldpZHRoIjowLjAsIkhlaWdodCI6MC4wLCJCb3JkZXJTdHlsZSI6bnVsbCwiUGFyZW50U3R5bGUiOm51bGx9LCJEYXRlRm9ybWF0Ijp7IiRpZCI6IjgxIiwiRm9ybWF0U3RyaW5nIjoiTS9kL3l5eXkiLCJTZXBhcmF0b3IiOiIvIiwiVXNlSW50ZXJuYXRpb25hbERhdGVGb3JtYXQiOmZhbHNlLCJEYXRlSXNWaXNpYmxlIjp0cnVlLCJUaW1lSXNWaXNpYmxlIjpmYWxzZSwiSG91ckRpZ2l0cyI6MSwiQW1QbURlc2lnbmF0b3IiOjIsIlRyaW0wME1pbnV0ZXMiOmZhbHNlLCJMYXN0S25vd25WaXNpYmlsaXR5U3RhdGUiOm51bGx9LCJJc1Zpc2libGUiOnRydWUsIlBhcmVudFN0eWxlIjpudWxsfSwiRGVmYXVsdFRhc2tTdHlsZSI6eyIkaWQiOiI4MiIsIlNoYXBlIjowLCJTaGFwZVRoaWNrbmVzcyI6MSwiRHVyYXRpb25Gb3JtYXQiOjAsIkluY2x1ZGVOb25Xb3JraW5nRGF5c0luRHVyYXRpb24iOmZhbHNlLCJQZXJjZW50YWdlQ29tcGxldGVTdHlsZSI6eyIkaWQiOiI4MyIsIkZvbnRTZXR0aW5ncyI6eyIkaWQiOiI4NCIsIkZvbnRTaXplIjoxMCwiRm9udE5hbWUiOiJDYWxpYnJpIiwiSXNCb2xkIjpmYWxzZSwiSXNJdGFsaWMiOmZhbHNlLCJJc1VuZGVybGluZWQiOmZhbHNlLCJQYXJlbnRTdHlsZSI6bnVsbH0sIkF1dG9TaXplIjowLCJGb3JlZ3JvdW5kIjp7IiRpZCI6Ijg1IiwiQ29sb3IiOnsiJGlkIjoiODYiLCJBIjoyNTUsIlIiOjIzNywiRyI6MTI1LCJCIjo0OX19LCJNYXhXaWR0aCI6MjAwLjAsIk1heEhlaWdodCI6IkluZmluaXR5IiwiU21hcnRGb3JlZ3JvdW5kSXNBY3RpdmUiOmZhbHNlLCJIb3Jpem9udGFsQWxpZ25tZW50IjowLCJWZXJ0aWNhbEFsaWdubWVudCI6MCwiU21hcnRGb3JlZ3JvdW5kIjpudWxsLCJNYXJnaW4iOnsiJGlkIjoiODciLCJUb3AiOjAsIkxlZnQiOjAsIlJpZ2h0IjowLCJCb3R0b20iOjB9LCJQYWRkaW5nIjp7IiRpZCI6Ijg4IiwiVG9wIjowLCJMZWZ0IjowLCJSaWdodCI6MCwiQm90dG9tIjowfSwiQmFja2dyb3VuZCI6eyIkaWQiOiI4OSIsIkNvbG9yIjp7IiRyZWYiOiIyMCJ9fSwiSXNWaXNpYmxlIjp0cnVlLCJXaWR0aCI6MC4wLCJIZWlnaHQiOjAuMCwiQm9yZGVyU3R5bGUiOm51bGwsIlBhcmVudFN0eWxlIjpudWxsfSwiRHVyYXRpb25TdHlsZSI6eyIkaWQiOiI5MCIsIkZvbnRTZXR0aW5ncyI6eyIkaWQiOiI5MSIsIkZvbnRTaXplIjoxMCwiRm9udE5hbWUiOiJDYWxpYnJpIiwiSXNCb2xkIjpmYWxzZSwiSXNJdGFsaWMiOmZhbHNlLCJJc1VuZGVybGluZWQiOmZhbHNlLCJQYXJlbnRTdHlsZSI6bnVsbH0sIkF1dG9TaXplIjowLCJGb3JlZ3JvdW5kIjp7IiRpZCI6IjkyIiwiQ29sb3IiOnsiJGlkIjoiOTMiLCJBIjoyNTUsIlIiOjIzNywiRyI6MTI1LCJCIjo0OX19LCJNYXhXaWR0aCI6MjAwLjAsIk1heEhlaWdodCI6IkluZmluaXR5IiwiU21hcnRGb3JlZ3JvdW5kSXNBY3RpdmUiOmZhbHNlLCJIb3Jpem9udGFsQWxpZ25tZW50IjowLCJWZXJ0aWNhbEFsaWdubWVudCI6MCwiU21hcnRGb3JlZ3JvdW5kIjpudWxsLCJNYXJnaW4iOnsiJGlkIjoiOTQiLCJUb3AiOjAsIkxlZnQiOjAsIlJpZ2h0IjowLCJCb3R0b20iOjB9LCJQYWRkaW5nIjp7IiRpZCI6Ijk1IiwiVG9wIjowLCJMZWZ0IjowLCJSaWdodCI6MCwiQm90dG9tIjowfSwiQmFja2dyb3VuZCI6eyIkaWQiOiI5NiIsIkNvbG9yIjp7IiRyZWYiOiIyMCJ9fSwiSXNWaXNpYmxlIjp0cnVlLCJXaWR0aCI6MC4wLCJIZWlnaHQiOjAuMCwiQm9yZGVyU3R5bGUiOm51bGwsIlBhcmVudFN0eWxlIjpudWxsfSwiSG9yaXpvbnRhbENvbm5lY3RvclN0eWxlIjp7IiRpZCI6Ijk3IiwiTGluZUNvbG9yIjp7IiRpZCI6Ijk4IiwiJHR5cGUiOiJOTFJFLkNvbW1vbi5Eb20uU29saWRDb2xvckJydXNoLCBOTFJFLkNvbW1vbiIsIkNvbG9yIjp7IiRpZCI6Ijk5IiwiQSI6MjU1LCJSIjoyMDQsIkciOjIwNCwiQiI6MjA0fX0sIkxpbmVXZWlnaHQiOjEuMCwiTGluZVR5cGUiOjAsIlBhcmVudFN0eWxlIjpudWxsfSwiVmVydGljYWxDb25uZWN0b3JTdHlsZSI6eyIkaWQiOiIxMDAiLCJMaW5lQ29sb3IiOnsiJGlkIjoiMTAxIiwiJHR5cGUiOiJOTFJFLkNvbW1vbi5Eb20uU29saWRDb2xvckJydXNoLCBOTFJFLkNvbW1vbiIsIkNvbG9yIjp7IiRpZCI6IjEwMiIsIkEiOjI1NSwiUiI6MjA0LCJHIjoyMDQsIkIiOjIwNH19LCJMaW5lV2VpZ2h0IjowLjAsIkxpbmVUeXBlIjowLCJQYXJlbnRTdHlsZSI6bnVsbH0sIk1hcmdpbiI6bnVsbCwiU3RhcnREYXRlUG9zaXRpb24iOjQsIkVuZERhdGVQb3NpdGlvbiI6NCwiRGF0ZUlzVmlzaWJsZSI6dHJ1ZSwiVGl0bGVQb3NpdGlvbiI6NSwiRHVyYXRpb25Qb3NpdGlvbiI6NiwiUGVyY2VudGFnZUNvbXBsZXRlZFBvc2l0aW9uIjo2LCJTcGFjaW5nIjo1LCJJc0JlbG93VGltZWJhbmQiOnRydWUsIlBlcmNlbnRhZ2VDb21wbGV0ZVNoYXBlT3BhY2l0eSI6MzUsIlNoYXBlU3R5bGUiOnsiJGlkIjoiMTAzIiwiTWFyZ2luIjp7IiRpZCI6IjEwNCIsIlRvcCI6MCwiTGVmdCI6NCwiUmlnaHQiOjQsIkJvdHRvbSI6MH0sIlBhZGRpbmciOnsiJGlkIjoiMTA1IiwiVG9wIjowLCJMZWZ0IjowLCJSaWdodCI6MCwiQm90dG9tIjowfSwiQmFja2dyb3VuZCI6eyIkaWQiOiIxMDYiLCJDb2xvciI6eyIkaWQiOiIxMDciLCJBIjoyNTUsIlIiOjAsIkciOjExNCwiQiI6MTg4fX0sIklzVmlzaWJsZSI6dHJ1ZSwiV2lkdGgiOjAuMCwiSGVpZ2h0IjoxNi4wLCJCb3JkZXJTdHlsZSI6eyIkaWQiOiIxMDgiLCJMaW5lQ29sb3IiOnsiJGlkIjoiMTA5IiwiJHR5cGUiOiJOTFJFLkNvbW1vbi5Eb20uU29saWRDb2xvckJydXNoLCBOTFJFLkNvbW1vbiIsIkNvbG9yIjp7IiRpZCI6IjExMCIsIkEiOjI1NSwiUiI6MjU1LCJHIjowLCJCIjowfX0sIkxpbmVXZWlnaHQiOjAuMCwiTGluZVR5cGUiOjAsIlBhcmVudFN0eWxlIjpudWxsfSwiUGFyZW50U3R5bGUiOm51bGx9LCJUaXRsZVN0eWxlIjp7IiRpZCI6IjExMSIsIkZvbnRTZXR0aW5ncyI6eyIkaWQiOiIxMTIiLCJGb250U2l6ZSI6MTEsIkZvbnROYW1lIjoiQ2FsaWJyaSIsIklzQm9sZCI6dHJ1ZSwiSXNJdGFsaWMiOmZhbHNlLCJJc1VuZGVybGluZWQiOmZhbHNlLCJQYXJlbnRTdHlsZSI6bnVsbH0sIkF1dG9TaXplIjowLCJGb3JlZ3JvdW5kIjp7IiRpZCI6IjExMyIsIkNvbG9yIjp7IiRpZCI6IjExNCIsIkEiOjI1NSwiUiI6MCwiRyI6MCwiQiI6MH19LCJNYXhXaWR0aCI6OTYwLjAsIk1heEhlaWdodCI6IkluZmluaXR5IiwiU21hcnRGb3JlZ3JvdW5kSXNBY3RpdmUiOmZhbHNlLCJIb3Jpem9udGFsQWxpZ25tZW50IjowLCJWZXJ0aWNhbEFsaWdubWVudCI6MCwiU21hcnRGb3JlZ3JvdW5kIjpudWxsLCJNYXJnaW4iOnsiJGlkIjoiMTE1IiwiVG9wIjowLCJMZWZ0IjowLCJSaWdodCI6MCwiQm90dG9tIjowfSwiUGFkZGluZyI6eyIkaWQiOiIxMTYiLCJUb3AiOjAsIkxlZnQiOjAsIlJpZ2h0IjowLCJCb3R0b20iOjB9LCJCYWNrZ3JvdW5kIjp7IiRpZCI6IjExNyIsIkNvbG9yIjp7IiRyZWYiOiIyMCJ9fSwiSXNWaXNpYmxlIjp0cnVlLCJXaWR0aCI6MC4wLCJIZWlnaHQiOjAuMCwiQm9yZGVyU3R5bGUiOm51bGwsIlBhcmVudFN0eWxlIjpudWxsfSwiRGF0ZVN0eWxlIjp7IiRpZCI6IjExOCIsIkZvbnRTZXR0aW5ncyI6eyIkaWQiOiIxMTkiLCJGb250U2l6ZSI6MTAsIkZvbnROYW1lIjoiQ2FsaWJyaSIsIklzQm9sZCI6ZmFsc2UsIklzSXRhbGljIjpmYWxzZSwiSXNVbmRlcmxpbmVkIjpmYWxzZSwiUGFyZW50U3R5bGUiOm51bGx9LCJBdXRvU2l6ZSI6MCwiRm9yZWdyb3VuZCI6eyIkaWQiOiIxMjAiLCJDb2xvciI6eyIkaWQiOiIxMjEiLCJBIjoyNTUsIlIiOjY4LCJHIjo4NCwiQiI6MTA2fX0sIk1heFdpZHRoIjoyMDAuMCwiTWF4SGVpZ2h0IjoiSW5maW5pdHkiLCJTbWFydEZvcmVncm91bmRJc0FjdGl2ZSI6ZmFsc2UsIkhvcml6b250YWxBbGlnbm1lbnQiOjAsIlZlcnRpY2FsQWxpZ25tZW50IjowLCJTbWFydEZvcmVncm91bmQiOm51bGwsIk1hcmdpbiI6eyIkaWQiOiIxMjIiLCJUb3AiOjAsIkxlZnQiOjAsIlJpZ2h0IjowLCJCb3R0b20iOjB9LCJQYWRkaW5nIjp7IiRpZCI6IjEyMyIsIlRvcCI6MCwiTGVmdCI6MCwiUmlnaHQiOjAsIkJvdHRvbSI6MH0sIkJhY2tncm91bmQiOnsiJGlkIjoiMTI0IiwiQ29sb3IiOnsiJHJlZiI6IjIwIn19LCJJc1Zpc2libGUiOnRydWUsIldpZHRoIjowLjAsIkhlaWdodCI6MC4wLCJCb3JkZXJTdHlsZSI6bnVsbCwiUGFyZW50U3R5bGUiOm51bGx9LCJEYXRlRm9ybWF0Ijp7IiRpZCI6IjEyNSIsIkZvcm1hdFN0cmluZyI6Ik0vZC95eXl5IiwiU2VwYXJhdG9yIjoiLyIsIlVzZUludGVybmF0aW9uYWxEYXRlRm9ybWF0IjpmYWxzZSwiRGF0ZUlzVmlzaWJsZSI6dHJ1ZSwiVGltZUlzVmlzaWJsZSI6ZmFsc2UsIkhvdXJEaWdpdHMiOjEsIkFtUG1EZXNpZ25hdG9yIjoyLCJUcmltMDBNaW51dGVzIjpmYWxzZSwiTGFzdEtub3duVmlzaWJpbGl0eVN0YXRlIjpudWxsfSwiSXNWaXNpYmxlIjp0cnVlLCJQYXJlbnRTdHlsZSI6bnVsbCwiX2V4cGxpY2l0bHlTZXQiOnsiJGlkIjoiMTI2IiwiU2hhcGVTdHlsZSI6ZmFsc2UsIlRpdGxlU3R5bGUiOmZhbHNlLCJEYXRlU3R5bGUiOmZhbHNlLCJIb3Jpem9udGFsQ29ubmVjdG9yU3R5bGUiOmZhbHNlLCJWZXJ0aWNhbENvbm5lY3RvclN0eWxlIjpmYWxzZSwiUGVyY2VudGFnZUNvbXBsZXRlU2hhcGVPcGFjaXR5IjpmYWxzZSwiU2hhcGUiOmZhbHNlLCJTaGFwZVRoaWNrbmVzcyI6ZmFsc2UsIkR1cmF0aW9uRm9ybWF0IjpmYWxzZSwiSW5jbHVkZU5vbldvcmtpbmdEYXlzSW5EdXJhdGlvbiI6ZmFsc2UsIk1hcmdpbiI6ZmFsc2UsIlN0YXJ0RGF0ZVBvc2l0aW9uIjpmYWxzZSwiRW5kRGF0ZVBvc2l0aW9uIjpmYWxzZSwiVGl0bGVQb3NpdGlvbiI6ZmFsc2UsIkR1cmF0aW9uUG9zaXRpb24iOmZhbHNlLCJQZXJjZW50YWdlQ29tcGxldGVkUG9zaXRpb24iOmZhbHNlLCJTcGFjaW5nIjpmYWxzZSwiSXNCZWxvd1RpbWViYW5kIjpmYWxzZSwiRGF0ZUZvcm1hdCI6ZmFsc2UsIklzVmlzaWJsZSI6ZmFsc2V9fSwiU2hvd0VsYXBzZWRUaW1lR3JhZGllbnRTdHlsZSI6ZmFsc2V9LCJTY2FsZSI6eyIkaWQiOiIxMjciLCJTdGFydERhdGUiOiIwMDAxLTAxLTAxVDAwOjAwOjAwIiwiRW5kRGF0ZSI6IjIwMTgtMDQtMjdUMjM6NTk6MDAiLCJGb3JtYXQiOiJ3IiwiVHlwZSI6MSwiQXV0b0RhdGVSYW5nZSI6dHJ1ZSwiV29ya2luZ0RheXMiOjEyNywiVG9kYXlNYXJrZXJUZXh0IjoiQXVqb3VyZCdodWkiLCJBdXRvU2NhbGVUeXBlIjpmYWxzZX0sIk1pbGVzdG9uZXMiOltdLCJUYXNrcyI6W3siJGlkIjoiMTI4IiwiR3JvdXBOYW1lIjpudWxsLCJTdGFydERhdGUiOiIyMDE4LTAxLTE5VDAwOjAwOjAwWiIsIkVuZERhdGUiOiIyMDE4LTAyLTE5VDIzOjU5OjAwWiIsIlBlcmNlbnRhZ2VDb21wbGV0ZSI6bnVsbCwiU3R5bGUiOnsiJGlkIjoiMTI5IiwiU2hhcGUiOjEsIlNoYXBlVGhpY2tuZXNzIjoxLCJEdXJhdGlvbkZvcm1hdCI6MCwiSW5jbHVkZU5vbldvcmtpbmdEYXlzSW5EdXJhdGlvbiI6ZmFsc2UsIlBlcmNlbnRhZ2VDb21wbGV0ZVN0eWxlIjp7IiRpZCI6IjEzMCIsIkZvbnRTZXR0aW5ncyI6eyIkaWQiOiIxMzEiLCJGb250U2l6ZSI6MTAsIkZvbnROYW1lIjoiQ2FsaWJyaSIsIklzQm9sZCI6ZmFsc2UsIklzSXRhbGljIjpmYWxzZSwiSXNVbmRlcmxpbmVkIjpmYWxzZSwiUGFyZW50U3R5bGUiOm51bGx9LCJBdXRvU2l6ZSI6MCwiRm9yZWdyb3VuZCI6eyIkaWQiOiIxMzIiLCJDb2xvciI6eyIkcmVmIjoiODYifX0sIk1heFdpZHRoIjoyMDAuMCwiTWF4SGVpZ2h0IjoiSW5maW5pdHkiLCJTbWFydEZvcmVncm91bmRJc0FjdGl2ZSI6ZmFsc2UsIkhvcml6b250YWxBbGlnbm1lbnQiOjAsIlZlcnRpY2FsQWxpZ25tZW50IjowLCJTbWFydEZvcmVncm91bmQiOm51bGwsIk1hcmdpbiI6eyIkaWQiOiIxMzMiLCJUb3AiOjAsIkxlZnQiOjAsIlJpZ2h0IjowLCJCb3R0b20iOjB9LCJQYWRkaW5nIjp7IiRpZCI6IjEzNCIsIlRvcCI6MCwiTGVmdCI6MCwiUmlnaHQiOjAsIkJvdHRvbSI6MH0sIkJhY2tncm91bmQiOnsiJHJlZiI6Ijg5In0sIklzVmlzaWJsZSI6dHJ1ZSwiV2lkdGgiOjAuMCwiSGVpZ2h0IjowLjAsIkJvcmRlclN0eWxlIjp7IiRpZCI6IjEzNSIsIkxpbmVDb2xvciI6bnVsbCwiTGluZVdlaWdodCI6MC4wLCJMaW5lVHlwZSI6MCwiUGFyZW50U3R5bGUiOm51bGx9LCJQYXJlbnRTdHlsZSI6bnVsbH0sIkR1cmF0aW9uU3R5bGUiOnsiJGlkIjoiMTM2IiwiRm9udFNldHRpbmdzIjp7IiRpZCI6IjEzNyIsIkZvbnRTaXplIjoxMCwiRm9udE5hbWUiOiJDYWxpYnJpIiwiSXNCb2xkIjpmYWxzZSwiSXNJdGFsaWMiOmZhbHNlLCJJc1VuZGVybGluZWQiOmZhbHNlLCJQYXJlbnRTdHlsZSI6bnVsbH0sIkF1dG9TaXplIjowLCJGb3JlZ3JvdW5kIjp7IiRpZCI6IjEzOCIsIkNvbG9yIjp7IiRyZWYiOiI5MyJ9fSwiTWF4V2lkdGgiOjIwMC4wLCJNYXhIZWlnaHQiOiJJbmZpbml0eSIsIlNtYXJ0Rm9yZWdyb3VuZElzQWN0aXZlIjpmYWxzZSwiSG9yaXpvbnRhbEFsaWdubWVudCI6MCwiVmVydGljYWxBbGlnbm1lbnQiOjAsIlNtYXJ0Rm9yZWdyb3VuZCI6bnVsbCwiTWFyZ2luIjp7IiRpZCI6IjEzOSIsIlRvcCI6MCwiTGVmdCI6MCwiUmlnaHQiOjAsIkJvdHRvbSI6MH0sIlBhZGRpbmciOnsiJGlkIjoiMTQwIiwiVG9wIjowLCJMZWZ0IjowLCJSaWdodCI6MCwiQm90dG9tIjowfSwiQmFja2dyb3VuZCI6eyIkcmVmIjoiOTYifSwiSXNWaXNpYmxlIjp0cnVlLCJXaWR0aCI6MC4wLCJIZWlnaHQiOjAuMCwiQm9yZGVyU3R5bGUiOnsiJGlkIjoiMTQxIiwiTGluZUNvbG9yIjpudWxsLCJMaW5lV2VpZ2h0IjowLjAsIkxpbmVUeXBlIjowLCJQYXJlbnRTdHlsZSI6bnVsbH0sIlBhcmVudFN0eWxlIjpudWxsfSwiSG9yaXpvbnRhbENvbm5lY3RvclN0eWxlIjp7IiRpZCI6IjE0MiIsIkxpbmVDb2xvciI6eyIkcmVmIjoiOTgifSwiTGluZVdlaWdodCI6MS4wLCJMaW5lVHlwZSI6MCwiUGFyZW50U3R5bGUiOm51bGx9LCJWZXJ0aWNhbENvbm5lY3RvclN0eWxlIjp7IiRpZCI6IjE0MyIsIkxpbmVDb2xvciI6eyIkcmVmIjoiMTAxIn0sIkxpbmVXZWlnaHQiOjAuMCwiTGluZVR5cGUiOjAsIlBhcmVudFN0eWxlIjpudWxsfSwiTWFyZ2luIjpudWxsLCJTdGFydERhdGVQb3NpdGlvbiI6NCwiRW5kRGF0ZVBvc2l0aW9uIjo0LCJEYXRlSXNWaXNpYmxlIjp0cnVlLCJUaXRsZVBvc2l0aW9uIjo1LCJEdXJhdGlvblBvc2l0aW9uIjo2LCJQZXJjZW50YWdlQ29tcGxldGVkUG9zaXRpb24iOjYsIlNwYWNpbmciOjUsIklzQmVsb3dUaW1lYmFuZCI6dHJ1ZSwiUGVyY2VudGFnZUNvbXBsZXRlU2hhcGVPcGFjaXR5IjozNSwiU2hhcGVTdHlsZSI6eyIkaWQiOiIxNDQiLCJNYXJnaW4iOnsiJGlkIjoiMTQ1IiwiVG9wIjowLCJMZWZ0Ijo0LCJSaWdodCI6NCwiQm90dG9tIjowfSwiUGFkZGluZyI6eyIkaWQiOiIxNDYiLCJUb3AiOjAsIkxlZnQiOjAsIlJpZ2h0IjowLCJCb3R0b20iOjB9LCJCYWNrZ3JvdW5kIjp7IiRpZCI6IjE0NyIsIkNvbG9yIjp7IiRpZCI6IjE0OCIsIkEiOjI1NSwiUiI6MjU1LCJHIjoyMzcsIkIiOjE5fX0sIklzVmlzaWJsZSI6dHJ1ZSwiV2lkdGgiOjAuMCwiSGVpZ2h0IjoxNi4wLCJCb3JkZXJTdHlsZSI6eyIkaWQiOiIxNDkiLCJMaW5lQ29sb3IiOnsiJHJlZiI6IjEwOSJ9LCJMaW5lV2VpZ2h0IjowLjAsIkxpbmVUeXBlIjowLCJQYXJlbnRTdHlsZSI6bnVsbH0sIlBhcmVudFN0eWxlIjpudWxsfSwiVGl0bGVTdHlsZSI6eyIkaWQiOiIxNTAiLCJGb250U2V0dGluZ3MiOnsiJGlkIjoiMTUxIiwiRm9udFNpemUiOjExLCJGb250TmFtZSI6IkNhbGlicmkiLCJJc0JvbGQiOnRydWUsIklzSXRhbGljIjpmYWxzZSwiSXNVbmRlcmxpbmVkIjpmYWxzZSwiUGFyZW50U3R5bGUiOm51bGx9LCJBdXRvU2l6ZSI6MCwiRm9yZWdyb3VuZCI6eyIkaWQiOiIxNTIiLCJDb2xvciI6eyIkcmVmIjoiMTE0In19LCJNYXhXaWR0aCI6OTYwLjAsIk1heEhlaWdodCI6IkluZmluaXR5IiwiU21hcnRGb3JlZ3JvdW5kSXNBY3RpdmUiOmZhbHNlLCJIb3Jpem9udGFsQWxpZ25tZW50IjowLCJWZXJ0aWNhbEFsaWdubWVudCI6MCwiU21hcnRGb3JlZ3JvdW5kIjpudWxsLCJNYXJnaW4iOnsiJGlkIjoiMTUzIiwiVG9wIjowLCJMZWZ0IjowLCJSaWdodCI6MCwiQm90dG9tIjowfSwiUGFkZGluZyI6eyIkaWQiOiIxNTQiLCJUb3AiOjAsIkxlZnQiOjAsIlJpZ2h0IjowLCJCb3R0b20iOjB9LCJCYWNrZ3JvdW5kIjp7IiRyZWYiOiIxMTcifSwiSXNWaXNpYmxlIjp0cnVlLCJXaWR0aCI6MC4wLCJIZWlnaHQiOjAuMCwiQm9yZGVyU3R5bGUiOnsiJGlkIjoiMTU1IiwiTGluZUNvbG9yIjpudWxsLCJMaW5lV2VpZ2h0IjowLjAsIkxpbmVUeXBlIjowLCJQYXJlbnRTdHlsZSI6bnVsbH0sIlBhcmVudFN0eWxlIjpudWxsfSwiRGF0ZVN0eWxlIjp7IiRpZCI6IjE1NiIsIkZvbnRTZXR0aW5ncyI6eyIkaWQiOiIxNTciLCJGb250U2l6ZSI6MTAsIkZvbnROYW1lIjoiQ2FsaWJyaSIsIklzQm9sZCI6ZmFsc2UsIklzSXRhbGljIjpmYWxzZSwiSXNVbmRlcmxpbmVkIjpmYWxzZSwiUGFyZW50U3R5bGUiOm51bGx9LCJBdXRvU2l6ZSI6MCwiRm9yZWdyb3VuZCI6eyIkaWQiOiIxNTgiLCJDb2xvciI6eyIkcmVmIjoiMTIxIn19LCJNYXhXaWR0aCI6MjAwLjAsIk1heEhlaWdodCI6IkluZmluaXR5IiwiU21hcnRGb3JlZ3JvdW5kSXNBY3RpdmUiOmZhbHNlLCJIb3Jpem9udGFsQWxpZ25tZW50IjowLCJWZXJ0aWNhbEFsaWdubWVudCI6MCwiU21hcnRGb3JlZ3JvdW5kIjpudWxsLCJNYXJnaW4iOnsiJGlkIjoiMTU5IiwiVG9wIjowLCJMZWZ0IjowLCJSaWdodCI6MCwiQm90dG9tIjowfSwiUGFkZGluZyI6eyIkaWQiOiIxNjAiLCJUb3AiOjAsIkxlZnQiOjAsIlJpZ2h0IjowLCJCb3R0b20iOjB9LCJCYWNrZ3JvdW5kIjp7IiRyZWYiOiIxMjQifSwiSXNWaXNpYmxlIjp0cnVlLCJXaWR0aCI6MC4wLCJIZWlnaHQiOjAuMCwiQm9yZGVyU3R5bGUiOnsiJGlkIjoiMTYxIiwiTGluZUNvbG9yIjpudWxsLCJMaW5lV2VpZ2h0IjowLjAsIkxpbmVUeXBlIjowLCJQYXJlbnRTdHlsZSI6bnVsbH0sIlBhcmVudFN0eWxlIjpudWxsfSwiRGF0ZUZvcm1hdCI6eyIkaWQiOiIxNjIiLCJGb3JtYXRTdHJpbmciOiJkL00veXl5eSIsIlNlcGFyYXRvciI6Ii8iLCJVc2VJbnRlcm5hdGlvbmFsRGF0ZUZvcm1hdCI6dHJ1ZSwiRGF0ZUlzVmlzaWJsZSI6dHJ1ZSwiVGltZUlzVmlzaWJsZSI6ZmFsc2UsIkhvdXJEaWdpdHMiOjEsIkFtUG1EZXNpZ25hdG9yIjoyLCJUcmltMDBNaW51dGVzIjpmYWxzZSwiTGFzdEtub3duVmlzaWJpbGl0eVN0YXRlIjpudWxsfSwiSXNWaXNpYmxlIjp0cnVlLCJQYXJlbnRTdHlsZSI6bnVsbH0sIkluZGV4IjoxLCJTbWFydER1cmF0aW9uQWN0aXZhdGVkIjpmYWxzZSwiRGF0ZUZvcm1hdCI6eyIkcmVmIjoiMTYyIn0sIklkIjoiYmRiMTFhMjYtZDIwYS00ZTAzLTk3ZDktMjgxN2IwYWYwYWRhIiwiSW1wb3J0SWQiOm51bGwsIlRpdGxlIjoiVGVzdGVyIGxlcyBjb21wb3NhbnRzIiwiTm90ZSI6bnVsbCwiSHlwZXJsaW5rIjpudWxsLCJJc0NoYW5nZWQiOmZhbHNlLCJJc05ldyI6ZmFsc2V9LHsiJGlkIjoiMTYzIiwiR3JvdXBOYW1lIjpudWxsLCJTdGFydERhdGUiOiIyMDE4LTAxLTIzVDAwOjAwOjAwWiIsIkVuZERhdGUiOiIyMDE4LTAyLTIzVDIzOjU5OjAwWiIsIlBlcmNlbnRhZ2VDb21wbGV0ZSI6bnVsbCwiU3R5bGUiOnsiJGlkIjoiMTY0IiwiU2hhcGUiOjEsIlNoYXBlVGhpY2tuZXNzIjoxLCJEdXJhdGlvbkZvcm1hdCI6MCwiSW5jbHVkZU5vbldvcmtpbmdEYXlzSW5EdXJhdGlvbiI6ZmFsc2UsIlBlcmNlbnRhZ2VDb21wbGV0ZVN0eWxlIjp7IiRpZCI6IjE2NSIsIkZvbnRTZXR0aW5ncyI6eyIkaWQiOiIxNjYiLCJGb250U2l6ZSI6MTAsIkZvbnROYW1lIjoiQ2FsaWJyaSIsIklzQm9sZCI6ZmFsc2UsIklzSXRhbGljIjpmYWxzZSwiSXNVbmRlcmxpbmVkIjpmYWxzZSwiUGFyZW50U3R5bGUiOm51bGx9LCJBdXRvU2l6ZSI6MCwiRm9yZWdyb3VuZCI6eyIkaWQiOiIxNjciLCJDb2xvciI6eyIkcmVmIjoiODYifX0sIk1heFdpZHRoIjoyMDAuMCwiTWF4SGVpZ2h0IjoiSW5maW5pdHkiLCJTbWFydEZvcmVncm91bmRJc0FjdGl2ZSI6ZmFsc2UsIkhvcml6b250YWxBbGlnbm1lbnQiOjAsIlZlcnRpY2FsQWxpZ25tZW50IjowLCJTbWFydEZvcmVncm91bmQiOm51bGwsIk1hcmdpbiI6eyIkaWQiOiIxNjgiLCJUb3AiOjAsIkxlZnQiOjAsIlJpZ2h0IjowLCJCb3R0b20iOjB9LCJQYWRkaW5nIjp7IiRpZCI6IjE2OSIsIlRvcCI6MCwiTGVmdCI6MCwiUmlnaHQiOjAsIkJvdHRvbSI6MH0sIkJhY2tncm91bmQiOnsiJHJlZiI6Ijg5In0sIklzVmlzaWJsZSI6dHJ1ZSwiV2lkdGgiOjAuMCwiSGVpZ2h0IjowLjAsIkJvcmRlclN0eWxlIjp7IiRpZCI6IjE3MCIsIkxpbmVDb2xvciI6bnVsbCwiTGluZVdlaWdodCI6MC4wLCJMaW5lVHlwZSI6MCwiUGFyZW50U3R5bGUiOm51bGx9LCJQYXJlbnRTdHlsZSI6bnVsbH0sIkR1cmF0aW9uU3R5bGUiOnsiJGlkIjoiMTcxIiwiRm9udFNldHRpbmdzIjp7IiRpZCI6IjE3MiIsIkZvbnRTaXplIjoxMCwiRm9udE5hbWUiOiJDYWxpYnJpIiwiSXNCb2xkIjpmYWxzZSwiSXNJdGFsaWMiOmZhbHNlLCJJc1VuZGVybGluZWQiOmZhbHNlLCJQYXJlbnRTdHlsZSI6bnVsbH0sIkF1dG9TaXplIjowLCJGb3JlZ3JvdW5kIjp7IiRpZCI6IjE3MyIsIkNvbG9yIjp7IiRyZWYiOiI5MyJ9fSwiTWF4V2lkdGgiOjIwMC4wLCJNYXhIZWlnaHQiOiJJbmZpbml0eSIsIlNtYXJ0Rm9yZWdyb3VuZElzQWN0aXZlIjpmYWxzZSwiSG9yaXpvbnRhbEFsaWdubWVudCI6MCwiVmVydGljYWxBbGlnbm1lbnQiOjAsIlNtYXJ0Rm9yZWdyb3VuZCI6bnVsbCwiTWFyZ2luIjp7IiRpZCI6IjE3NCIsIlRvcCI6MCwiTGVmdCI6MCwiUmlnaHQiOjAsIkJvdHRvbSI6MH0sIlBhZGRpbmciOnsiJGlkIjoiMTc1IiwiVG9wIjowLCJMZWZ0IjowLCJSaWdodCI6MCwiQm90dG9tIjowfSwiQmFja2dyb3VuZCI6eyIkcmVmIjoiOTYifSwiSXNWaXNpYmxlIjp0cnVlLCJXaWR0aCI6MC4wLCJIZWlnaHQiOjAuMCwiQm9yZGVyU3R5bGUiOnsiJGlkIjoiMTc2IiwiTGluZUNvbG9yIjpudWxsLCJMaW5lV2VpZ2h0IjowLjAsIkxpbmVUeXBlIjowLCJQYXJlbnRTdHlsZSI6bnVsbH0sIlBhcmVudFN0eWxlIjpudWxsfSwiSG9yaXpvbnRhbENvbm5lY3RvclN0eWxlIjp7IiRpZCI6IjE3NyIsIkxpbmVDb2xvciI6eyIkcmVmIjoiOTgifSwiTGluZVdlaWdodCI6MS4wLCJMaW5lVHlwZSI6MCwiUGFyZW50U3R5bGUiOm51bGx9LCJWZXJ0aWNhbENvbm5lY3RvclN0eWxlIjp7IiRpZCI6IjE3OCIsIkxpbmVDb2xvciI6eyIkcmVmIjoiMTAxIn0sIkxpbmVXZWlnaHQiOjAuMCwiTGluZVR5cGUiOjAsIlBhcmVudFN0eWxlIjpudWxsfSwiTWFyZ2luIjpudWxsLCJTdGFydERhdGVQb3NpdGlvbiI6NCwiRW5kRGF0ZVBvc2l0aW9uIjo0LCJEYXRlSXNWaXNpYmxlIjp0cnVlLCJUaXRsZVBvc2l0aW9uIjo1LCJEdXJhdGlvblBvc2l0aW9uIjo2LCJQZXJjZW50YWdlQ29tcGxldGVkUG9zaXRpb24iOjYsIlNwYWNpbmciOjUsIklzQmVsb3dUaW1lYmFuZCI6dHJ1ZSwiUGVyY2VudGFnZUNvbXBsZXRlU2hhcGVPcGFjaXR5IjozNSwiU2hhcGVTdHlsZSI6eyIkaWQiOiIxNzkiLCJNYXJnaW4iOnsiJGlkIjoiMTgwIiwiVG9wIjowLCJMZWZ0Ijo0LCJSaWdodCI6NCwiQm90dG9tIjowfSwiUGFkZGluZyI6eyIkaWQiOiIxODEiLCJUb3AiOjAsIkxlZnQiOjAsIlJpZ2h0IjowLCJCb3R0b20iOjB9LCJCYWNrZ3JvdW5kIjp7IiRpZCI6IjE4MiIsIkNvbG9yIjp7IiRpZCI6IjE4MyIsIkEiOjI1NSwiUiI6MjUxLCJHIjoxNTQsIkIiOjB9fSwiSXNWaXNpYmxlIjp0cnVlLCJXaWR0aCI6MC4wLCJIZWlnaHQiOjE2LjAsIkJvcmRlclN0eWxlIjp7IiRpZCI6IjE4NCIsIkxpbmVDb2xvciI6eyIkcmVmIjoiMTA5In0sIkxpbmVXZWlnaHQiOjAuMCwiTGluZVR5cGUiOjAsIlBhcmVudFN0eWxlIjpudWxsfSwiUGFyZW50U3R5bGUiOm51bGx9LCJUaXRsZVN0eWxlIjp7IiRpZCI6IjE4NSIsIkZvbnRTZXR0aW5ncyI6eyIkaWQiOiIxODYiLCJGb250U2l6ZSI6MTEsIkZvbnROYW1lIjoiQ2FsaWJyaSIsIklzQm9sZCI6dHJ1ZSwiSXNJdGFsaWMiOmZhbHNlLCJJc1VuZGVybGluZWQiOmZhbHNlLCJQYXJlbnRTdHlsZSI6bnVsbH0sIkF1dG9TaXplIjowLCJGb3JlZ3JvdW5kIjp7IiRpZCI6IjE4NyIsIkNvbG9yIjp7IiRyZWYiOiIxMTQifX0sIk1heFdpZHRoIjo5NjAuMCwiTWF4SGVpZ2h0IjoiSW5maW5pdHkiLCJTbWFydEZvcmVncm91bmRJc0FjdGl2ZSI6ZmFsc2UsIkhvcml6b250YWxBbGlnbm1lbnQiOjAsIlZlcnRpY2FsQWxpZ25tZW50IjowLCJTbWFydEZvcmVncm91bmQiOm51bGwsIk1hcmdpbiI6eyIkaWQiOiIxODgiLCJUb3AiOjAsIkxlZnQiOjAsIlJpZ2h0IjowLCJCb3R0b20iOjB9LCJQYWRkaW5nIjp7IiRpZCI6IjE4OSIsIlRvcCI6MCwiTGVmdCI6MCwiUmlnaHQiOjAsIkJvdHRvbSI6MH0sIkJhY2tncm91bmQiOnsiJHJlZiI6IjExNyJ9LCJJc1Zpc2libGUiOnRydWUsIldpZHRoIjowLjAsIkhlaWdodCI6MC4wLCJCb3JkZXJTdHlsZSI6eyIkaWQiOiIxOTAiLCJMaW5lQ29sb3IiOm51bGwsIkxpbmVXZWlnaHQiOjAuMCwiTGluZVR5cGUiOjAsIlBhcmVudFN0eWxlIjpudWxsfSwiUGFyZW50U3R5bGUiOm51bGx9LCJEYXRlU3R5bGUiOnsiJGlkIjoiMTkxIiwiRm9udFNldHRpbmdzIjp7IiRpZCI6IjE5MiIsIkZvbnRTaXplIjoxMCwiRm9udE5hbWUiOiJDYWxpYnJpIiwiSXNCb2xkIjpmYWxzZSwiSXNJdGFsaWMiOmZhbHNlLCJJc1VuZGVybGluZWQiOmZhbHNlLCJQYXJlbnRTdHlsZSI6bnVsbH0sIkF1dG9TaXplIjowLCJGb3JlZ3JvdW5kIjp7IiRpZCI6IjE5MyIsIkNvbG9yIjp7IiRyZWYiOiIxMjEifX0sIk1heFdpZHRoIjoyMDAuMCwiTWF4SGVpZ2h0IjoiSW5maW5pdHkiLCJTbWFydEZvcmVncm91bmRJc0FjdGl2ZSI6ZmFsc2UsIkhvcml6b250YWxBbGlnbm1lbnQiOjAsIlZlcnRpY2FsQWxpZ25tZW50IjowLCJTbWFydEZvcmVncm91bmQiOm51bGwsIk1hcmdpbiI6eyIkaWQiOiIxOTQiLCJUb3AiOjAsIkxlZnQiOjAsIlJpZ2h0IjowLCJCb3R0b20iOjB9LCJQYWRkaW5nIjp7IiRpZCI6IjE5NSIsIlRvcCI6MCwiTGVmdCI6MCwiUmlnaHQiOjAsIkJvdHRvbSI6MH0sIkJhY2tncm91bmQiOnsiJHJlZiI6IjEyNCJ9LCJJc1Zpc2libGUiOnRydWUsIldpZHRoIjowLjAsIkhlaWdodCI6MC4wLCJCb3JkZXJTdHlsZSI6eyIkaWQiOiIxOTYiLCJMaW5lQ29sb3IiOm51bGwsIkxpbmVXZWlnaHQiOjAuMCwiTGluZVR5cGUiOjAsIlBhcmVudFN0eWxlIjpudWxsfSwiUGFyZW50U3R5bGUiOm51bGx9LCJEYXRlRm9ybWF0Ijp7IiRpZCI6IjE5NyIsIkZvcm1hdFN0cmluZyI6ImQvTS95eXl5IiwiU2VwYXJhdG9yIjoiLyIsIlVzZUludGVybmF0aW9uYWxEYXRlRm9ybWF0Ijp0cnVlLCJEYXRlSXNWaXNpYmxlIjp0cnVlLCJUaW1lSXNWaXNpYmxlIjpmYWxzZSwiSG91ckRpZ2l0cyI6MSwiQW1QbURlc2lnbmF0b3IiOjIsIlRyaW0wME1pbnV0ZXMiOmZhbHNlLCJMYXN0S25vd25WaXNpYmlsaXR5U3RhdGUiOm51bGx9LCJJc1Zpc2libGUiOnRydWUsIlBhcmVudFN0eWxlIjpudWxsfSwiSW5kZXgiOjIsIlNtYXJ0RHVyYXRpb25BY3RpdmF0ZWQiOmZhbHNlLCJEYXRlRm9ybWF0Ijp7IiRyZWYiOiIxOTcifSwiSWQiOiI2M2NlOTBkOS1kZmU4LTQwZDUtOTljZS0xMWI5ZDdmZTM4MmIiLCJJbXBvcnRJZCI6bnVsbCwiVGl0bGUiOiJDcsOpZXIvSW1wcmltZXIgbGVzIHBpw6hjZXMiLCJOb3RlIjpudWxsLCJIeXBlcmxpbmsiOm51bGwsIklzQ2hhbmdlZCI6ZmFsc2UsIklzTmV3IjpmYWxzZX0seyIkaWQiOiIxOTgiLCJHcm91cE5hbWUiOm51bGwsIlN0YXJ0RGF0ZSI6IjIwMTgtMDItMTJUMDA6MDA6MDBaIiwiRW5kRGF0ZSI6IjIwMTgtMDMtMDVUMjM6NTk6MDBaIiwiUGVyY2VudGFnZUNvbXBsZXRlIjpudWxsLCJTdHlsZSI6eyIkaWQiOiIxOTkiLCJTaGFwZSI6MSwiU2hhcGVUaGlja25lc3MiOjEsIkR1cmF0aW9uRm9ybWF0IjowLCJJbmNsdWRlTm9uV29ya2luZ0RheXNJbkR1cmF0aW9uIjpmYWxzZSwiUGVyY2VudGFnZUNvbXBsZXRlU3R5bGUiOnsiJGlkIjoiMjAwIiwiRm9udFNldHRpbmdzIjp7IiRpZCI6IjIwMSIsIkZvbnRTaXplIjoxMCwiRm9udE5hbWUiOiJDYWxpYnJpIiwiSXNCb2xkIjpmYWxzZSwiSXNJdGFsaWMiOmZhbHNlLCJJc1VuZGVybGluZWQiOmZhbHNlLCJQYXJlbnRTdHlsZSI6bnVsbH0sIkF1dG9TaXplIjowLCJGb3JlZ3JvdW5kIjp7IiRpZCI6IjIwMiIsIkNvbG9yIjp7IiRyZWYiOiI4NiJ9fSwiTWF4V2lkdGgiOjIwMC4wLCJNYXhIZWlnaHQiOiJJbmZpbml0eSIsIlNtYXJ0Rm9yZWdyb3VuZElzQWN0aXZlIjpmYWxzZSwiSG9yaXpvbnRhbEFsaWdubWVudCI6MCwiVmVydGljYWxBbGlnbm1lbnQiOjAsIlNtYXJ0Rm9yZWdyb3VuZCI6bnVsbCwiTWFyZ2luIjp7IiRpZCI6IjIwMyIsIlRvcCI6MCwiTGVmdCI6MCwiUmlnaHQiOjAsIkJvdHRvbSI6MH0sIlBhZGRpbmciOnsiJGlkIjoiMjA0IiwiVG9wIjowLCJMZWZ0IjowLCJSaWdodCI6MCwiQm90dG9tIjowfSwiQmFja2dyb3VuZCI6eyIkcmVmIjoiODkifSwiSXNWaXNpYmxlIjp0cnVlLCJXaWR0aCI6MC4wLCJIZWlnaHQiOjAuMCwiQm9yZGVyU3R5bGUiOnsiJGlkIjoiMjA1IiwiTGluZUNvbG9yIjpudWxsLCJMaW5lV2VpZ2h0IjowLjAsIkxpbmVUeXBlIjowLCJQYXJlbnRTdHlsZSI6bnVsbH0sIlBhcmVudFN0eWxlIjpudWxsfSwiRHVyYXRpb25TdHlsZSI6eyIkaWQiOiIyMDYiLCJGb250U2V0dGluZ3MiOnsiJGlkIjoiMjA3IiwiRm9udFNpemUiOjEwLCJGb250TmFtZSI6IkNhbGlicmkiLCJJc0JvbGQiOmZhbHNlLCJJc0l0YWxpYyI6ZmFsc2UsIklzVW5kZXJsaW5lZCI6ZmFsc2UsIlBhcmVudFN0eWxlIjpudWxsfSwiQXV0b1NpemUiOjAsIkZvcmVncm91bmQiOnsiJGlkIjoiMjA4IiwiQ29sb3IiOnsiJHJlZiI6IjkzIn19LCJNYXhXaWR0aCI6MjAwLjAsIk1heEhlaWdodCI6IkluZmluaXR5IiwiU21hcnRGb3JlZ3JvdW5kSXNBY3RpdmUiOmZhbHNlLCJIb3Jpem9udGFsQWxpZ25tZW50IjowLCJWZXJ0aWNhbEFsaWdubWVudCI6MCwiU21hcnRGb3JlZ3JvdW5kIjpudWxsLCJNYXJnaW4iOnsiJGlkIjoiMjA5IiwiVG9wIjowLCJMZWZ0IjowLCJSaWdodCI6MCwiQm90dG9tIjowfSwiUGFkZGluZyI6eyIkaWQiOiIyMTAiLCJUb3AiOjAsIkxlZnQiOjAsIlJpZ2h0IjowLCJCb3R0b20iOjB9LCJCYWNrZ3JvdW5kIjp7IiRyZWYiOiI5NiJ9LCJJc1Zpc2libGUiOnRydWUsIldpZHRoIjowLjAsIkhlaWdodCI6MC4wLCJCb3JkZXJTdHlsZSI6eyIkaWQiOiIyMTEiLCJMaW5lQ29sb3IiOm51bGwsIkxpbmVXZWlnaHQiOjAuMCwiTGluZVR5cGUiOjAsIlBhcmVudFN0eWxlIjpudWxsfSwiUGFyZW50U3R5bGUiOm51bGx9LCJIb3Jpem9udGFsQ29ubmVjdG9yU3R5bGUiOnsiJGlkIjoiMjEyIiwiTGluZUNvbG9yIjp7IiRyZWYiOiI5OCJ9LCJMaW5lV2VpZ2h0IjoxLjAsIkxpbmVUeXBlIjowLCJQYXJlbnRTdHlsZSI6bnVsbH0sIlZlcnRpY2FsQ29ubmVjdG9yU3R5bGUiOnsiJGlkIjoiMjEzIiwiTGluZUNvbG9yIjp7IiRyZWYiOiIxMDEifSwiTGluZVdlaWdodCI6MC4wLCJMaW5lVHlwZSI6MCwiUGFyZW50U3R5bGUiOm51bGx9LCJNYXJnaW4iOm51bGwsIlN0YXJ0RGF0ZVBvc2l0aW9uIjo0LCJFbmREYXRlUG9zaXRpb24iOjQsIkRhdGVJc1Zpc2libGUiOnRydWUsIlRpdGxlUG9zaXRpb24iOjUsIkR1cmF0aW9uUG9zaXRpb24iOjYsIlBlcmNlbnRhZ2VDb21wbGV0ZWRQb3NpdGlvbiI6NiwiU3BhY2luZyI6NSwiSXNCZWxvd1RpbWViYW5kIjp0cnVlLCJQZXJjZW50YWdlQ29tcGxldGVTaGFwZU9wYWNpdHkiOjM1LCJTaGFwZVN0eWxlIjp7IiRpZCI6IjIxNCIsIk1hcmdpbiI6eyIkaWQiOiIyMTUiLCJUb3AiOjAsIkxlZnQiOjQsIlJpZ2h0Ijo0LCJCb3R0b20iOjB9LCJQYWRkaW5nIjp7IiRpZCI6IjIxNiIsIlRvcCI6MCwiTGVmdCI6MCwiUmlnaHQiOjAsIkJvdHRvbSI6MH0sIkJhY2tncm91bmQiOnsiJGlkIjoiMjE3IiwiQ29sb3IiOnsiJGlkIjoiMjE4IiwiQSI6MjU1LCJSIjoyNTUsIkciOjEwOCwiQiI6MH19LCJJc1Zpc2libGUiOnRydWUsIldpZHRoIjowLjAsIkhlaWdodCI6MTYuMCwiQm9yZGVyU3R5bGUiOnsiJGlkIjoiMjE5IiwiTGluZUNvbG9yIjp7IiRyZWYiOiIxMDkifSwiTGluZVdlaWdodCI6MC4wLCJMaW5lVHlwZSI6MCwiUGFyZW50U3R5bGUiOm51bGx9LCJQYXJlbnRTdHlsZSI6bnVsbH0sIlRpdGxlU3R5bGUiOnsiJGlkIjoiMjIwIiwiRm9udFNldHRpbmdzIjp7IiRpZCI6IjIyMSIsIkZvbnRTaXplIjoxMSwiRm9udE5hbWUiOiJDYWxpYnJpIiwiSXNCb2xkIjp0cnVlLCJJc0l0YWxpYyI6ZmFsc2UsIklzVW5kZXJsaW5lZCI6ZmFsc2UsIlBhcmVudFN0eWxlIjpudWxsfSwiQXV0b1NpemUiOjAsIkZvcmVncm91bmQiOnsiJGlkIjoiMjIyIiwiQ29sb3IiOnsiJHJlZiI6IjExNCJ9fSwiTWF4V2lkdGgiOjk2MC4wLCJNYXhIZWlnaHQiOiJJbmZpbml0eSIsIlNtYXJ0Rm9yZWdyb3VuZElzQWN0aXZlIjpmYWxzZSwiSG9yaXpvbnRhbEFsaWdubWVudCI6MCwiVmVydGljYWxBbGlnbm1lbnQiOjAsIlNtYXJ0Rm9yZWdyb3VuZCI6bnVsbCwiTWFyZ2luIjp7IiRpZCI6IjIyMyIsIlRvcCI6MCwiTGVmdCI6MCwiUmlnaHQiOjAsIkJvdHRvbSI6MH0sIlBhZGRpbmciOnsiJGlkIjoiMjI0IiwiVG9wIjowLCJMZWZ0IjowLCJSaWdodCI6MCwiQm90dG9tIjowfSwiQmFja2dyb3VuZCI6eyIkcmVmIjoiMTE3In0sIklzVmlzaWJsZSI6dHJ1ZSwiV2lkdGgiOjAuMCwiSGVpZ2h0IjowLjAsIkJvcmRlclN0eWxlIjp7IiRpZCI6IjIyNSIsIkxpbmVDb2xvciI6bnVsbCwiTGluZVdlaWdodCI6MC4wLCJMaW5lVHlwZSI6MCwiUGFyZW50U3R5bGUiOm51bGx9LCJQYXJlbnRTdHlsZSI6bnVsbH0sIkRhdGVTdHlsZSI6eyIkaWQiOiIyMjYiLCJGb250U2V0dGluZ3MiOnsiJGlkIjoiMjI3IiwiRm9udFNpemUiOjEwLCJGb250TmFtZSI6IkNhbGlicmkiLCJJc0JvbGQiOmZhbHNlLCJJc0l0YWxpYyI6ZmFsc2UsIklzVW5kZXJsaW5lZCI6ZmFsc2UsIlBhcmVudFN0eWxlIjpudWxsfSwiQXV0b1NpemUiOjAsIkZvcmVncm91bmQiOnsiJGlkIjoiMjI4IiwiQ29sb3IiOnsiJHJlZiI6IjEyMSJ9fSwiTWF4V2lkdGgiOjIwMC4wLCJNYXhIZWlnaHQiOiJJbmZpbml0eSIsIlNtYXJ0Rm9yZWdyb3VuZElzQWN0aXZlIjpmYWxzZSwiSG9yaXpvbnRhbEFsaWdubWVudCI6MCwiVmVydGljYWxBbGlnbm1lbnQiOjAsIlNtYXJ0Rm9yZWdyb3VuZCI6bnVsbCwiTWFyZ2luIjp7IiRpZCI6IjIyOSIsIlRvcCI6MCwiTGVmdCI6MCwiUmlnaHQiOjAsIkJvdHRvbSI6MH0sIlBhZGRpbmciOnsiJGlkIjoiMjMwIiwiVG9wIjowLCJMZWZ0IjowLCJSaWdodCI6MCwiQm90dG9tIjowfSwiQmFja2dyb3VuZCI6eyIkcmVmIjoiMTI0In0sIklzVmlzaWJsZSI6dHJ1ZSwiV2lkdGgiOjAuMCwiSGVpZ2h0IjowLjAsIkJvcmRlclN0eWxlIjp7IiRpZCI6IjIzMSIsIkxpbmVDb2xvciI6bnVsbCwiTGluZVdlaWdodCI6MC4wLCJMaW5lVHlwZSI6MCwiUGFyZW50U3R5bGUiOm51bGx9LCJQYXJlbnRTdHlsZSI6bnVsbH0sIkRhdGVGb3JtYXQiOnsiJGlkIjoiMjMyIiwiRm9ybWF0U3RyaW5nIjoiZC9NL3l5eXkiLCJTZXBhcmF0b3IiOiIvIiwiVXNlSW50ZXJuYXRpb25hbERhdGVGb3JtYXQiOnRydWUsIkRhdGVJc1Zpc2libGUiOnRydWUsIlRpbWVJc1Zpc2libGUiOmZhbHNlLCJIb3VyRGlnaXRzIjoxLCJBbVBtRGVzaWduYXRvciI6MiwiVHJpbTAwTWludXRlcyI6ZmFsc2UsIkxhc3RLbm93blZpc2liaWxpdHlTdGF0ZSI6bnVsbH0sIklzVmlzaWJsZSI6dHJ1ZSwiUGFyZW50U3R5bGUiOm51bGx9LCJJbmRleCI6MywiU21hcnREdXJhdGlvbkFjdGl2YXRlZCI6ZmFsc2UsIkRhdGVGb3JtYXQiOnsiJHJlZiI6IjIzMiJ9LCJJZCI6IjkyZDMwNTU1LTQ2YjctNGIyYy04OGYxLTdhNWY0MzNjZWM4MSIsIkltcG9ydElkIjpudWxsLCJUaXRsZSI6IlRlc3RlIGRlcyBkaWZmw6lyZW50cyBzb3VzLWFzc2VtYmxhZ2VzIiwiTm90ZSI6bnVsbCwiSHlwZXJsaW5rIjpudWxsLCJJc0NoYW5nZWQiOmZhbHNlLCJJc05ldyI6ZmFsc2V9LHsiJGlkIjoiMjMzIiwiR3JvdXBOYW1lIjpudWxsLCJTdGFydERhdGUiOiIyMDE4LTAyLTIwVDAwOjAwOjAwWiIsIkVuZERhdGUiOiIyMDE4LTA0LTI3VDIzOjU5OjAwWiIsIlBlcmNlbnRhZ2VDb21wbGV0ZSI6bnVsbCwiU3R5bGUiOnsiJGlkIjoiMjM0IiwiU2hhcGUiOjEsIlNoYXBlVGhpY2tuZXNzIjoxLCJEdXJhdGlvbkZvcm1hdCI6MCwiSW5jbHVkZU5vbldvcmtpbmdEYXlzSW5EdXJhdGlvbiI6ZmFsc2UsIlBlcmNlbnRhZ2VDb21wbGV0ZVN0eWxlIjp7IiRpZCI6IjIzNSIsIkZvbnRTZXR0aW5ncyI6eyIkaWQiOiIyMzYiLCJGb250U2l6ZSI6MTAsIkZvbnROYW1lIjoiQ2FsaWJyaSIsIklzQm9sZCI6ZmFsc2UsIklzSXRhbGljIjpmYWxzZSwiSXNVbmRlcmxpbmVkIjpmYWxzZSwiUGFyZW50U3R5bGUiOm51bGx9LCJBdXRvU2l6ZSI6MCwiRm9yZWdyb3VuZCI6eyIkaWQiOiIyMzciLCJDb2xvciI6eyIkcmVmIjoiODYifX0sIk1heFdpZHRoIjoyMDAuMCwiTWF4SGVpZ2h0IjoiSW5maW5pdHkiLCJTbWFydEZvcmVncm91bmRJc0FjdGl2ZSI6ZmFsc2UsIkhvcml6b250YWxBbGlnbm1lbnQiOjAsIlZlcnRpY2FsQWxpZ25tZW50IjowLCJTbWFydEZvcmVncm91bmQiOm51bGwsIk1hcmdpbiI6eyIkaWQiOiIyMzgiLCJUb3AiOjAsIkxlZnQiOjAsIlJpZ2h0IjowLCJCb3R0b20iOjB9LCJQYWRkaW5nIjp7IiRpZCI6IjIzOSIsIlRvcCI6MCwiTGVmdCI6MCwiUmlnaHQiOjAsIkJvdHRvbSI6MH0sIkJhY2tncm91bmQiOnsiJHJlZiI6Ijg5In0sIklzVmlzaWJsZSI6dHJ1ZSwiV2lkdGgiOjAuMCwiSGVpZ2h0IjowLjAsIkJvcmRlclN0eWxlIjp7IiRpZCI6IjI0MCIsIkxpbmVDb2xvciI6bnVsbCwiTGluZVdlaWdodCI6MC4wLCJMaW5lVHlwZSI6MCwiUGFyZW50U3R5bGUiOm51bGx9LCJQYXJlbnRTdHlsZSI6bnVsbH0sIkR1cmF0aW9uU3R5bGUiOnsiJGlkIjoiMjQxIiwiRm9udFNldHRpbmdzIjp7IiRpZCI6IjI0MiIsIkZvbnRTaXplIjoxMCwiRm9udE5hbWUiOiJDYWxpYnJpIiwiSXNCb2xkIjpmYWxzZSwiSXNJdGFsaWMiOmZhbHNlLCJJc1VuZGVybGluZWQiOmZhbHNlLCJQYXJlbnRTdHlsZSI6bnVsbH0sIkF1dG9TaXplIjowLCJGb3JlZ3JvdW5kIjp7IiRpZCI6IjI0MyIsIkNvbG9yIjp7IiRyZWYiOiI5MyJ9fSwiTWF4V2lkdGgiOjIwMC4wLCJNYXhIZWlnaHQiOiJJbmZpbml0eSIsIlNtYXJ0Rm9yZWdyb3VuZElzQWN0aXZlIjpmYWxzZSwiSG9yaXpvbnRhbEFsaWdubWVudCI6MCwiVmVydGljYWxBbGlnbm1lbnQiOjAsIlNtYXJ0Rm9yZWdyb3VuZCI6bnVsbCwiTWFyZ2luIjp7IiRpZCI6IjI0NCIsIlRvcCI6MCwiTGVmdCI6MCwiUmlnaHQiOjAsIkJvdHRvbSI6MH0sIlBhZGRpbmciOnsiJGlkIjoiMjQ1IiwiVG9wIjowLCJMZWZ0IjowLCJSaWdodCI6MCwiQm90dG9tIjowfSwiQmFja2dyb3VuZCI6eyIkcmVmIjoiOTYifSwiSXNWaXNpYmxlIjp0cnVlLCJXaWR0aCI6MC4wLCJIZWlnaHQiOjAuMCwiQm9yZGVyU3R5bGUiOnsiJGlkIjoiMjQ2IiwiTGluZUNvbG9yIjpudWxsLCJMaW5lV2VpZ2h0IjowLjAsIkxpbmVUeXBlIjowLCJQYXJlbnRTdHlsZSI6bnVsbH0sIlBhcmVudFN0eWxlIjpudWxsfSwiSG9yaXpvbnRhbENvbm5lY3RvclN0eWxlIjp7IiRpZCI6IjI0NyIsIkxpbmVDb2xvciI6eyIkcmVmIjoiOTgifSwiTGluZVdlaWdodCI6MS4wLCJMaW5lVHlwZSI6MCwiUGFyZW50U3R5bGUiOm51bGx9LCJWZXJ0aWNhbENvbm5lY3RvclN0eWxlIjp7IiRpZCI6IjI0OCIsIkxpbmVDb2xvciI6eyIkcmVmIjoiMTAxIn0sIkxpbmVXZWlnaHQiOjAuMCwiTGluZVR5cGUiOjAsIlBhcmVudFN0eWxlIjpudWxsfSwiTWFyZ2luIjpudWxsLCJTdGFydERhdGVQb3NpdGlvbiI6NCwiRW5kRGF0ZVBvc2l0aW9uIjo0LCJEYXRlSXNWaXNpYmxlIjp0cnVlLCJUaXRsZVBvc2l0aW9uIjo1LCJEdXJhdGlvblBvc2l0aW9uIjo2LCJQZXJjZW50YWdlQ29tcGxldGVkUG9zaXRpb24iOjYsIlNwYWNpbmciOjUsIklzQmVsb3dUaW1lYmFuZCI6dHJ1ZSwiUGVyY2VudGFnZUNvbXBsZXRlU2hhcGVPcGFjaXR5IjozNSwiU2hhcGVTdHlsZSI6eyIkaWQiOiIyNDkiLCJNYXJnaW4iOnsiJGlkIjoiMjUwIiwiVG9wIjowLCJMZWZ0Ijo0LCJSaWdodCI6NCwiQm90dG9tIjowfSwiUGFkZGluZyI6eyIkaWQiOiIyNTEiLCJUb3AiOjAsIkxlZnQiOjAsIlJpZ2h0IjowLCJCb3R0b20iOjB9LCJCYWNrZ3JvdW5kIjp7IiRpZCI6IjI1MiIsIkNvbG9yIjp7IiRpZCI6IjI1MyIsIkEiOjI1NSwiUiI6MjUxLCJHIjo1OSwiQiI6MH19LCJJc1Zpc2libGUiOnRydWUsIldpZHRoIjowLjAsIkhlaWdodCI6MTYuMCwiQm9yZGVyU3R5bGUiOnsiJGlkIjoiMjU0IiwiTGluZUNvbG9yIjp7IiRyZWYiOiIxMDkifSwiTGluZVdlaWdodCI6MC4wLCJMaW5lVHlwZSI6MCwiUGFyZW50U3R5bGUiOm51bGx9LCJQYXJlbnRTdHlsZSI6bnVsbH0sIlRpdGxlU3R5bGUiOnsiJGlkIjoiMjU1IiwiRm9udFNldHRpbmdzIjp7IiRpZCI6IjI1NiIsIkZvbnRTaXplIjoxMSwiRm9udE5hbWUiOiJDYWxpYnJpIiwiSXNCb2xkIjp0cnVlLCJJc0l0YWxpYyI6ZmFsc2UsIklzVW5kZXJsaW5lZCI6ZmFsc2UsIlBhcmVudFN0eWxlIjpudWxsfSwiQXV0b1NpemUiOjAsIkZvcmVncm91bmQiOnsiJGlkIjoiMjU3IiwiQ29sb3IiOnsiJHJlZiI6IjExNCJ9fSwiTWF4V2lkdGgiOjk2MC4wLCJNYXhIZWlnaHQiOiJJbmZpbml0eSIsIlNtYXJ0Rm9yZWdyb3VuZElzQWN0aXZlIjpmYWxzZSwiSG9yaXpvbnRhbEFsaWdubWVudCI6MCwiVmVydGljYWxBbGlnbm1lbnQiOjAsIlNtYXJ0Rm9yZWdyb3VuZCI6bnVsbCwiTWFyZ2luIjp7IiRpZCI6IjI1OCIsIlRvcCI6MCwiTGVmdCI6MCwiUmlnaHQiOjAsIkJvdHRvbSI6MH0sIlBhZGRpbmciOnsiJGlkIjoiMjU5IiwiVG9wIjowLCJMZWZ0IjowLCJSaWdodCI6MCwiQm90dG9tIjowfSwiQmFja2dyb3VuZCI6eyIkcmVmIjoiMTE3In0sIklzVmlzaWJsZSI6dHJ1ZSwiV2lkdGgiOjAuMCwiSGVpZ2h0IjowLjAsIkJvcmRlclN0eWxlIjp7IiRpZCI6IjI2MCIsIkxpbmVDb2xvciI6bnVsbCwiTGluZVdlaWdodCI6MC4wLCJMaW5lVHlwZSI6MCwiUGFyZW50U3R5bGUiOm51bGx9LCJQYXJlbnRTdHlsZSI6bnVsbH0sIkRhdGVTdHlsZSI6eyIkaWQiOiIyNjEiLCJGb250U2V0dGluZ3MiOnsiJGlkIjoiMjYyIiwiRm9udFNpemUiOjEwLCJGb250TmFtZSI6IkNhbGlicmkiLCJJc0JvbGQiOmZhbHNlLCJJc0l0YWxpYyI6ZmFsc2UsIklzVW5kZXJsaW5lZCI6ZmFsc2UsIlBhcmVudFN0eWxlIjpudWxsfSwiQXV0b1NpemUiOjAsIkZvcmVncm91bmQiOnsiJGlkIjoiMjYzIiwiQ29sb3IiOnsiJHJlZiI6IjEyMSJ9fSwiTWF4V2lkdGgiOjIwMC4wLCJNYXhIZWlnaHQiOiJJbmZpbml0eSIsIlNtYXJ0Rm9yZWdyb3VuZElzQWN0aXZlIjpmYWxzZSwiSG9yaXpvbnRhbEFsaWdubWVudCI6MCwiVmVydGljYWxBbGlnbm1lbnQiOjAsIlNtYXJ0Rm9yZWdyb3VuZCI6bnVsbCwiTWFyZ2luIjp7IiRpZCI6IjI2NCIsIlRvcCI6MCwiTGVmdCI6MCwiUmlnaHQiOjAsIkJvdHRvbSI6MH0sIlBhZGRpbmciOnsiJGlkIjoiMjY1IiwiVG9wIjowLCJMZWZ0IjowLCJSaWdodCI6MCwiQm90dG9tIjowfSwiQmFja2dyb3VuZCI6eyIkcmVmIjoiMTI0In0sIklzVmlzaWJsZSI6dHJ1ZSwiV2lkdGgiOjAuMCwiSGVpZ2h0IjowLjAsIkJvcmRlclN0eWxlIjp7IiRpZCI6IjI2NiIsIkxpbmVDb2xvciI6bnVsbCwiTGluZVdlaWdodCI6MC4wLCJMaW5lVHlwZSI6MCwiUGFyZW50U3R5bGUiOm51bGx9LCJQYXJlbnRTdHlsZSI6bnVsbH0sIkRhdGVGb3JtYXQiOnsiJGlkIjoiMjY3IiwiRm9ybWF0U3RyaW5nIjoiZC9NL3l5eXkiLCJTZXBhcmF0b3IiOiIvIiwiVXNlSW50ZXJuYXRpb25hbERhdGVGb3JtYXQiOnRydWUsIkRhdGVJc1Zpc2libGUiOnRydWUsIlRpbWVJc1Zpc2libGUiOmZhbHNlLCJIb3VyRGlnaXRzIjoxLCJBbVBtRGVzaWduYXRvciI6MiwiVHJpbTAwTWludXRlcyI6ZmFsc2UsIkxhc3RLbm93blZpc2liaWxpdHlTdGF0ZSI6bnVsbH0sIklzVmlzaWJsZSI6dHJ1ZSwiUGFyZW50U3R5bGUiOm51bGx9LCJJbmRleCI6NCwiU21hcnREdXJhdGlvbkFjdGl2YXRlZCI6ZmFsc2UsIkRhdGVGb3JtYXQiOnsiJHJlZiI6IjI2NyJ9LCJJZCI6ImE4YjMwMGYzLTlhZmYtNGJjNS04ZjA2LTk5ZWNhMDBjMzdmNCIsIkltcG9ydElkIjpudWxsLCJUaXRsZSI6IkFzc2VtYmxhZ2VzIiwiTm90ZSI6bnVsbCwiSHlwZXJsaW5rIjpudWxsLCJJc0NoYW5nZWQiOmZhbHNlLCJJc05ldyI6ZmFsc2V9LHsiJGlkIjoiMjY4IiwiR3JvdXBOYW1lIjpudWxsLCJTdGFydERhdGUiOiIyMDE4LTAyLTA1VDAwOjAwOjAwWiIsIkVuZERhdGUiOiIyMDE4LTA0LTIwVDIzOjU5OjAwWiIsIlBlcmNlbnRhZ2VDb21wbGV0ZSI6bnVsbCwiU3R5bGUiOnsiJGlkIjoiMjY5IiwiU2hhcGUiOjEsIlNoYXBlVGhpY2tuZXNzIjoxLCJEdXJhdGlvbkZvcm1hdCI6MCwiSW5jbHVkZU5vbldvcmtpbmdEYXlzSW5EdXJhdGlvbiI6ZmFsc2UsIlBlcmNlbnRhZ2VDb21wbGV0ZVN0eWxlIjp7IiRpZCI6IjI3MCIsIkZvbnRTZXR0aW5ncyI6eyIkaWQiOiIyNzEiLCJGb250U2l6ZSI6MTAsIkZvbnROYW1lIjoiQ2FsaWJyaSIsIklzQm9sZCI6ZmFsc2UsIklzSXRhbGljIjpmYWxzZSwiSXNVbmRlcmxpbmVkIjpmYWxzZSwiUGFyZW50U3R5bGUiOm51bGx9LCJBdXRvU2l6ZSI6MCwiRm9yZWdyb3VuZCI6eyIkcmVmIjoiODUifSwiTWF4V2lkdGgiOjIwMC4wLCJNYXhIZWlnaHQiOiJJbmZpbml0eSIsIlNtYXJ0Rm9yZWdyb3VuZElzQWN0aXZlIjpmYWxzZSwiSG9yaXpvbnRhbEFsaWdubWVudCI6MCwiVmVydGljYWxBbGlnbm1lbnQiOjAsIlNtYXJ0Rm9yZWdyb3VuZCI6bnVsbCwiTWFyZ2luIjp7IiRyZWYiOiI4NyJ9LCJQYWRkaW5nIjp7IiRyZWYiOiI4OCJ9LCJCYWNrZ3JvdW5kIjp7IiRyZWYiOiI4OSJ9LCJJc1Zpc2libGUiOnRydWUsIldpZHRoIjowLjAsIkhlaWdodCI6MC4wLCJCb3JkZXJTdHlsZSI6eyIkaWQiOiIyNzIiLCJMaW5lQ29sb3IiOm51bGwsIkxpbmVXZWlnaHQiOjAuMCwiTGluZVR5cGUiOjAsIlBhcmVudFN0eWxlIjpudWxsfSwiUGFyZW50U3R5bGUiOm51bGx9LCJEdXJhdGlvblN0eWxlIjp7IiRpZCI6IjI3MyIsIkZvbnRTZXR0aW5ncyI6eyIkaWQiOiIyNzQiLCJGb250U2l6ZSI6MTAsIkZvbnROYW1lIjoiQ2FsaWJyaSIsIklzQm9sZCI6ZmFsc2UsIklzSXRhbGljIjpmYWxzZSwiSXNVbmRlcmxpbmVkIjpmYWxzZSwiUGFyZW50U3R5bGUiOm51bGx9LCJBdXRvU2l6ZSI6MCwiRm9yZWdyb3VuZCI6eyIkcmVmIjoiOTIifSwiTWF4V2lkdGgiOjIwMC4wLCJNYXhIZWlnaHQiOiJJbmZpbml0eSIsIlNtYXJ0Rm9yZWdyb3VuZElzQWN0aXZlIjpmYWxzZSwiSG9yaXpvbnRhbEFsaWdubWVudCI6MCwiVmVydGljYWxBbGlnbm1lbnQiOjAsIlNtYXJ0Rm9yZWdyb3VuZCI6bnVsbCwiTWFyZ2luIjp7IiRyZWYiOiI5NCJ9LCJQYWRkaW5nIjp7IiRyZWYiOiI5NSJ9LCJCYWNrZ3JvdW5kIjp7IiRyZWYiOiI5NiJ9LCJJc1Zpc2libGUiOnRydWUsIldpZHRoIjowLjAsIkhlaWdodCI6MC4wLCJCb3JkZXJTdHlsZSI6eyIkaWQiOiIyNzUiLCJMaW5lQ29sb3IiOm51bGwsIkxpbmVXZWlnaHQiOjAuMCwiTGluZVR5cGUiOjAsIlBhcmVudFN0eWxlIjpudWxsfSwiUGFyZW50U3R5bGUiOm51bGx9LCJIb3Jpem9udGFsQ29ubmVjdG9yU3R5bGUiOnsiJGlkIjoiMjc2IiwiTGluZUNvbG9yIjp7IiRyZWYiOiI5OCJ9LCJMaW5lV2VpZ2h0IjoxLjAsIkxpbmVUeXBlIjowLCJQYXJlbnRTdHlsZSI6bnVsbH0sIlZlcnRpY2FsQ29ubmVjdG9yU3R5bGUiOnsiJGlkIjoiMjc3IiwiTGluZUNvbG9yIjp7IiRyZWYiOiIxMDEifSwiTGluZVdlaWdodCI6MC4wLCJMaW5lVHlwZSI6MCwiUGFyZW50U3R5bGUiOm51bGx9LCJNYXJnaW4iOm51bGwsIlN0YXJ0RGF0ZVBvc2l0aW9uIjo0LCJFbmREYXRlUG9zaXRpb24iOjQsIkRhdGVJc1Zpc2libGUiOnRydWUsIlRpdGxlUG9zaXRpb24iOjUsIkR1cmF0aW9uUG9zaXRpb24iOjYsIlBlcmNlbnRhZ2VDb21wbGV0ZWRQb3NpdGlvbiI6NiwiU3BhY2luZyI6NSwiSXNCZWxvd1RpbWViYW5kIjp0cnVlLCJQZXJjZW50YWdlQ29tcGxldGVTaGFwZU9wYWNpdHkiOjM1LCJTaGFwZVN0eWxlIjp7IiRpZCI6IjI3OCIsIk1hcmdpbiI6eyIkcmVmIjoiMTA0In0sIlBhZGRpbmciOnsiJHJlZiI6IjEwNSJ9LCJCYWNrZ3JvdW5kIjp7IiRpZCI6IjI3OSIsIkNvbG9yIjp7IiRpZCI6IjI4MCIsIkEiOjI1NSwiUiI6MTgzLCJHIjo0MiwiQiI6MH19LCJJc1Zpc2libGUiOnRydWUsIldpZHRoIjowLjAsIkhlaWdodCI6MTYuMCwiQm9yZGVyU3R5bGUiOnsiJGlkIjoiMjgxIiwiTGluZUNvbG9yIjp7IiRyZWYiOiIxMDkifSwiTGluZVdlaWdodCI6MC4wLCJMaW5lVHlwZSI6MCwiUGFyZW50U3R5bGUiOm51bGx9LCJQYXJlbnRTdHlsZSI6bnVsbH0sIlRpdGxlU3R5bGUiOnsiJGlkIjoiMjgyIiwiRm9udFNldHRpbmdzIjp7IiRpZCI6IjI4MyIsIkZvbnRTaXplIjoxMSwiRm9udE5hbWUiOiJDYWxpYnJpIiwiSXNCb2xkIjp0cnVlLCJJc0l0YWxpYyI6ZmFsc2UsIklzVW5kZXJsaW5lZCI6ZmFsc2UsIlBhcmVudFN0eWxlIjpudWxsfSwiQXV0b1NpemUiOjAsIkZvcmVncm91bmQiOnsiJHJlZiI6IjExMyJ9LCJNYXhXaWR0aCI6NzIwLjAsIk1heEhlaWdodCI6IkluZmluaXR5IiwiU21hcnRGb3JlZ3JvdW5kSXNBY3RpdmUiOmZhbHNlLCJIb3Jpem9udGFsQWxpZ25tZW50IjowLCJWZXJ0aWNhbEFsaWdubWVudCI6MCwiU21hcnRGb3JlZ3JvdW5kIjpudWxsLCJNYXJnaW4iOnsiJHJlZiI6IjExNSJ9LCJQYWRkaW5nIjp7IiRyZWYiOiIxMTYifSwiQmFja2dyb3VuZCI6eyIkcmVmIjoiMTE3In0sIklzVmlzaWJsZSI6dHJ1ZSwiV2lkdGgiOjAuMCwiSGVpZ2h0IjowLjAsIkJvcmRlclN0eWxlIjp7IiRpZCI6IjI4NCIsIkxpbmVDb2xvciI6bnVsbCwiTGluZVdlaWdodCI6MC4wLCJMaW5lVHlwZSI6MCwiUGFyZW50U3R5bGUiOm51bGx9LCJQYXJlbnRTdHlsZSI6bnVsbH0sIkRhdGVTdHlsZSI6eyIkaWQiOiIyODUiLCJGb250U2V0dGluZ3MiOnsiJGlkIjoiMjg2IiwiRm9udFNpemUiOjEwLCJGb250TmFtZSI6IkNhbGlicmkiLCJJc0JvbGQiOmZhbHNlLCJJc0l0YWxpYyI6ZmFsc2UsIklzVW5kZXJsaW5lZCI6ZmFsc2UsIlBhcmVudFN0eWxlIjpudWxsfSwiQXV0b1NpemUiOjAsIkZvcmVncm91bmQiOnsiJHJlZiI6IjEyMCJ9LCJNYXhXaWR0aCI6MjAwLjAsIk1heEhlaWdodCI6IkluZmluaXR5IiwiU21hcnRGb3JlZ3JvdW5kSXNBY3RpdmUiOmZhbHNlLCJIb3Jpem9udGFsQWxpZ25tZW50IjowLCJWZXJ0aWNhbEFsaWdubWVudCI6MCwiU21hcnRGb3JlZ3JvdW5kIjpudWxsLCJNYXJnaW4iOnsiJHJlZiI6IjEyMiJ9LCJQYWRkaW5nIjp7IiRyZWYiOiIxMjMifSwiQmFja2dyb3VuZCI6eyIkcmVmIjoiMTI0In0sIklzVmlzaWJsZSI6dHJ1ZSwiV2lkdGgiOjAuMCwiSGVpZ2h0IjowLjAsIkJvcmRlclN0eWxlIjp7IiRpZCI6IjI4NyIsIkxpbmVDb2xvciI6bnVsbCwiTGluZVdlaWdodCI6MC4wLCJMaW5lVHlwZSI6MCwiUGFyZW50U3R5bGUiOm51bGx9LCJQYXJlbnRTdHlsZSI6bnVsbH0sIkRhdGVGb3JtYXQiOnsiJHJlZiI6IjEyNSJ9LCJJc1Zpc2libGUiOnRydWUsIlBhcmVudFN0eWxlIjpudWxsfSwiSW5kZXgiOjUsIlNtYXJ0RHVyYXRpb25BY3RpdmF0ZWQiOmZhbHNlLCJEYXRlRm9ybWF0Ijp7IiRyZWYiOiIxMjUifSwiSWQiOiIzMjM1ODVhYy1mN2ZlLTRjNDMtYjBlNC1jN2ZlYzM1NDFlYzkiLCJJbXBvcnRJZCI6bnVsbCwiVGl0bGUiOiJDcsOpYXRpb24gZGUgbCdhcHBsaWNhdGlvbiIsIk5vdGUiOm51bGwsIkh5cGVybGluayI6bnVsbCwiSXNDaGFuZ2VkIjpmYWxzZSwiSXNOZXciOmZhbHNlfV0sIk1zUHJvamVjdEl0ZW1zVHJlZSI6eyIkaWQiOiIyODgiLCJSb290Ijp7IkltcG9ydElkIjpudWxsLCJJc0ltcG9ydGVkIjpmYWxzZSwiQ2hpbGRyZW4iOltdfX0sIk1ldGFkYXRhIjp7IiRpZCI6IjI4OSJ9LCJTZXR0aW5ncyI6eyIkaWQiOiIyOTAiLCJJbXBhT3B0aW9ucyI6eyIkaWQiOiIyOTEiLCJMZWZ0VG9SaWdodCI6ZmFsc2UsIlBheWxvYWRPcHRpb25zIjoyfSwiVXNlQ29tcHJlc3Npb24iOmZhbHNlLCJDb21wcmVzaW9uUGVyY2VudGFnZSI6NTAuMCwiSW5hY3RpdmVJbnRlcnZhbFdpZHRoVGhyZXNob2xkIjozMC4wLCJJbmFjdGl2ZUludGVydmFsV2lkdGgiOjEuMCwiU3BsaXRUYXNrcyI6ZmFsc2UsIlVzZUNsdXN0ZXIiOmZhbHNlLCJFcHNpbG9uIjowLjAsIk1pblBvaW50c1RvRm9ybUFDbHVzdGVyIjoyLCJHZW5lcmF0ZUludmlzaWJsZVNoYXBlcyI6ZmFsc2UsIlNtYXJ0VGltZWxpbmVUYXNrUGVyY2VudGFnZUZpdCI6ZmFsc2V9LCJJc05ldyI6dHJ1ZSwiSW1wb3J0VHlwZSI6MCwiRmlsZVBhdGgiOm51bGwsIlRpbWVDb25maWd1cmF0aW9uIjp7IiRpZCI6IjI5MiIsIlVzZVRpbWUiOmZhbHNlLCJXb3JrRGF5U3RhcnQiOiIwMDowMDowMCIsIldvcmtEYXlFbmQiOiIyMzo1OTowMCJ9LCJMYXN0VXNlZFRlbXBsYXRlSWQiOiI3MzU1YjYzMy1hYzY2LTQ1MjgtOGI0ZC0yOTlmYWVkYzllZTkifQ=="/>
   <p:tag name="__MASTER" val="__part_0"/>
 </p:tagLst>
 </file>
@@ -7297,7 +8110,55 @@
 </p:tagLst>
 </file>
 
+<file path=ppt/tags/tag58.xml><?xml version="1.0" encoding="utf-8"?>
+<p:tagLst xmlns:a="http://schemas.openxmlformats.org/drawingml/2006/main" xmlns:r="http://schemas.openxmlformats.org/officeDocument/2006/relationships" xmlns:p="http://schemas.openxmlformats.org/presentationml/2006/main">
+  <p:tag name="OTLMARKERSHAPE" val="OTL"/>
+</p:tagLst>
+</file>
+
+<file path=ppt/tags/tag59.xml><?xml version="1.0" encoding="utf-8"?>
+<p:tagLst xmlns:a="http://schemas.openxmlformats.org/drawingml/2006/main" xmlns:r="http://schemas.openxmlformats.org/officeDocument/2006/relationships" xmlns:p="http://schemas.openxmlformats.org/presentationml/2006/main">
+  <p:tag name="OTLMARKERSHAPE" val="OTL"/>
+</p:tagLst>
+</file>
+
 <file path=ppt/tags/tag6.xml><?xml version="1.0" encoding="utf-8"?>
+<p:tagLst xmlns:a="http://schemas.openxmlformats.org/drawingml/2006/main" xmlns:r="http://schemas.openxmlformats.org/officeDocument/2006/relationships" xmlns:p="http://schemas.openxmlformats.org/presentationml/2006/main">
+  <p:tag name="OTLMARKERSHAPE" val="OTL"/>
+</p:tagLst>
+</file>
+
+<file path=ppt/tags/tag60.xml><?xml version="1.0" encoding="utf-8"?>
+<p:tagLst xmlns:a="http://schemas.openxmlformats.org/drawingml/2006/main" xmlns:r="http://schemas.openxmlformats.org/officeDocument/2006/relationships" xmlns:p="http://schemas.openxmlformats.org/presentationml/2006/main">
+  <p:tag name="OTLMARKERSHAPE" val="OTL"/>
+</p:tagLst>
+</file>
+
+<file path=ppt/tags/tag61.xml><?xml version="1.0" encoding="utf-8"?>
+<p:tagLst xmlns:a="http://schemas.openxmlformats.org/drawingml/2006/main" xmlns:r="http://schemas.openxmlformats.org/officeDocument/2006/relationships" xmlns:p="http://schemas.openxmlformats.org/presentationml/2006/main">
+  <p:tag name="OTLMARKERSHAPE" val="OTL"/>
+</p:tagLst>
+</file>
+
+<file path=ppt/tags/tag62.xml><?xml version="1.0" encoding="utf-8"?>
+<p:tagLst xmlns:a="http://schemas.openxmlformats.org/drawingml/2006/main" xmlns:r="http://schemas.openxmlformats.org/officeDocument/2006/relationships" xmlns:p="http://schemas.openxmlformats.org/presentationml/2006/main">
+  <p:tag name="OTLMARKERSHAPE" val="OTL"/>
+</p:tagLst>
+</file>
+
+<file path=ppt/tags/tag63.xml><?xml version="1.0" encoding="utf-8"?>
+<p:tagLst xmlns:a="http://schemas.openxmlformats.org/drawingml/2006/main" xmlns:r="http://schemas.openxmlformats.org/officeDocument/2006/relationships" xmlns:p="http://schemas.openxmlformats.org/presentationml/2006/main">
+  <p:tag name="OTLMARKERSHAPE" val="OTL"/>
+</p:tagLst>
+</file>
+
+<file path=ppt/tags/tag64.xml><?xml version="1.0" encoding="utf-8"?>
+<p:tagLst xmlns:a="http://schemas.openxmlformats.org/drawingml/2006/main" xmlns:r="http://schemas.openxmlformats.org/officeDocument/2006/relationships" xmlns:p="http://schemas.openxmlformats.org/presentationml/2006/main">
+  <p:tag name="OTLMARKERSHAPE" val="OTL"/>
+</p:tagLst>
+</file>
+
+<file path=ppt/tags/tag65.xml><?xml version="1.0" encoding="utf-8"?>
 <p:tagLst xmlns:a="http://schemas.openxmlformats.org/drawingml/2006/main" xmlns:r="http://schemas.openxmlformats.org/officeDocument/2006/relationships" xmlns:p="http://schemas.openxmlformats.org/presentationml/2006/main">
   <p:tag name="OTLMARKERSHAPE" val="OTL"/>
 </p:tagLst>
@@ -7568,7 +8429,7 @@
   <a:extraClrSchemeLst/>
   <a:extLst>
     <a:ext uri="{05A4C25C-085E-4340-85A3-A5531E510DB2}">
-      <thm15:themeFamily xmlns:thm15="http://schemas.microsoft.com/office/thememl/2012/main" xmlns="" name="View" id="{BA0EB5A6-F2D4-4F82-977B-64ADEE4A2A69}" vid="{23C5FE65-18CC-4A65-9EBC-B05E331504EC}"/>
+      <thm15:themeFamily xmlns="" xmlns:thm15="http://schemas.microsoft.com/office/thememl/2012/main" name="View" id="{BA0EB5A6-F2D4-4F82-977B-64ADEE4A2A69}" vid="{23C5FE65-18CC-4A65-9EBC-B05E331504EC}"/>
     </a:ext>
   </a:extLst>
 </a:theme>
